--- a/tigercheck Architectural Spike presentation.pptx
+++ b/tigercheck Architectural Spike presentation.pptx
@@ -3341,25 +3341,40 @@
           </a:p>
         </p:txBody>
       </p:sp>
-      <p:sp>
-        <p:nvSpPr>
-          <p:cNvPr id="3" name="Content Placeholder 2"/>
-          <p:cNvSpPr>
-            <a:spLocks noGrp="1"/>
-          </p:cNvSpPr>
+      <p:pic>
+        <p:nvPicPr>
+          <p:cNvPr id="4" name="Content Placeholder 3"/>
+          <p:cNvPicPr>
+            <a:picLocks noGrp="1"/>
+          </p:cNvPicPr>
           <p:nvPr>
             <p:ph idx="1"/>
           </p:nvPr>
-        </p:nvSpPr>
-        <p:spPr/>
-        <p:txBody>
-          <a:bodyPr/>
-          <a:lstStyle/>
-          <a:p>
-            <a:endParaRPr lang="en-US"/>
-          </a:p>
-        </p:txBody>
-      </p:sp>
+        </p:nvPicPr>
+        <p:blipFill>
+          <a:blip r:embed="rId2" cstate="print"/>
+          <a:srcRect/>
+          <a:stretch>
+            <a:fillRect/>
+          </a:stretch>
+        </p:blipFill>
+        <p:spPr bwMode="auto">
+          <a:xfrm>
+            <a:off x="457200" y="2061716"/>
+            <a:ext cx="8229600" cy="3602930"/>
+          </a:xfrm>
+          <a:prstGeom prst="rect">
+            <a:avLst/>
+          </a:prstGeom>
+          <a:noFill/>
+          <a:ln w="9525">
+            <a:noFill/>
+            <a:miter lim="800000"/>
+            <a:headEnd/>
+            <a:tailEnd/>
+          </a:ln>
+        </p:spPr>
+      </p:pic>
     </p:spTree>
   </p:cSld>
   <p:clrMapOvr>
@@ -3475,25 +3490,860 @@
           </a:p>
         </p:txBody>
       </p:sp>
-      <p:sp>
-        <p:nvSpPr>
-          <p:cNvPr id="3" name="Content Placeholder 2"/>
-          <p:cNvSpPr>
-            <a:spLocks noGrp="1"/>
-          </p:cNvSpPr>
+      <p:graphicFrame>
+        <p:nvGraphicFramePr>
+          <p:cNvPr id="4" name="Content Placeholder 3"/>
+          <p:cNvGraphicFramePr>
+            <a:graphicFrameLocks noGrp="1"/>
+          </p:cNvGraphicFramePr>
           <p:nvPr>
             <p:ph idx="1"/>
           </p:nvPr>
-        </p:nvSpPr>
-        <p:spPr/>
-        <p:txBody>
-          <a:bodyPr/>
-          <a:lstStyle/>
-          <a:p>
-            <a:endParaRPr lang="en-US"/>
-          </a:p>
-        </p:txBody>
-      </p:sp>
+        </p:nvGraphicFramePr>
+        <p:xfrm>
+          <a:off x="990598" y="1851501"/>
+          <a:ext cx="7315201" cy="1960626"/>
+        </p:xfrm>
+        <a:graphic>
+          <a:graphicData uri="http://schemas.openxmlformats.org/drawingml/2006/table">
+            <a:tbl>
+              <a:tblPr/>
+              <a:tblGrid>
+                <a:gridCol w="2493506"/>
+                <a:gridCol w="895457"/>
+                <a:gridCol w="1102102"/>
+                <a:gridCol w="2824136"/>
+              </a:tblGrid>
+              <a:tr h="467995">
+                <a:tc>
+                  <a:txBody>
+                    <a:bodyPr/>
+                    <a:lstStyle/>
+                    <a:p>
+                      <a:pPr marL="0" marR="0" indent="0" algn="ctr">
+                        <a:lnSpc>
+                          <a:spcPct val="200000"/>
+                        </a:lnSpc>
+                        <a:spcBef>
+                          <a:spcPts val="0"/>
+                        </a:spcBef>
+                        <a:spcAft>
+                          <a:spcPts val="0"/>
+                        </a:spcAft>
+                      </a:pPr>
+                      <a:r>
+                        <a:rPr lang="en-US" sz="1100">
+                          <a:latin typeface="Times New Roman"/>
+                          <a:ea typeface="Eurostile"/>
+                          <a:cs typeface="Times New Roman"/>
+                        </a:rPr>
+                        <a:t>Risk</a:t>
+                      </a:r>
+                    </a:p>
+                  </a:txBody>
+                  <a:tcPr marL="68580" marR="68580" marT="0" marB="0" anchor="ctr">
+                    <a:lnL w="12700" cap="flat" cmpd="sng" algn="ctr">
+                      <a:solidFill>
+                        <a:srgbClr val="000000"/>
+                      </a:solidFill>
+                      <a:prstDash val="solid"/>
+                      <a:round/>
+                      <a:headEnd type="none" w="med" len="med"/>
+                      <a:tailEnd type="none" w="med" len="med"/>
+                    </a:lnL>
+                    <a:lnR w="12700" cap="flat" cmpd="sng" algn="ctr">
+                      <a:solidFill>
+                        <a:srgbClr val="000000"/>
+                      </a:solidFill>
+                      <a:prstDash val="solid"/>
+                      <a:round/>
+                      <a:headEnd type="none" w="med" len="med"/>
+                      <a:tailEnd type="none" w="med" len="med"/>
+                    </a:lnR>
+                    <a:lnT w="12700" cap="flat" cmpd="sng" algn="ctr">
+                      <a:solidFill>
+                        <a:srgbClr val="000000"/>
+                      </a:solidFill>
+                      <a:prstDash val="solid"/>
+                      <a:round/>
+                      <a:headEnd type="none" w="med" len="med"/>
+                      <a:tailEnd type="none" w="med" len="med"/>
+                    </a:lnT>
+                    <a:lnB w="12700" cap="flat" cmpd="sng" algn="ctr">
+                      <a:solidFill>
+                        <a:srgbClr val="000000"/>
+                      </a:solidFill>
+                      <a:prstDash val="solid"/>
+                      <a:round/>
+                      <a:headEnd type="none" w="med" len="med"/>
+                      <a:tailEnd type="none" w="med" len="med"/>
+                    </a:lnB>
+                  </a:tcPr>
+                </a:tc>
+                <a:tc>
+                  <a:txBody>
+                    <a:bodyPr/>
+                    <a:lstStyle/>
+                    <a:p>
+                      <a:pPr marL="0" marR="0" indent="0" algn="ctr">
+                        <a:lnSpc>
+                          <a:spcPct val="200000"/>
+                        </a:lnSpc>
+                        <a:spcBef>
+                          <a:spcPts val="0"/>
+                        </a:spcBef>
+                        <a:spcAft>
+                          <a:spcPts val="0"/>
+                        </a:spcAft>
+                      </a:pPr>
+                      <a:r>
+                        <a:rPr lang="en-US" sz="1100">
+                          <a:latin typeface="Times New Roman"/>
+                          <a:ea typeface="Eurostile"/>
+                          <a:cs typeface="Times New Roman"/>
+                        </a:rPr>
+                        <a:t>Impact on Project</a:t>
+                      </a:r>
+                    </a:p>
+                  </a:txBody>
+                  <a:tcPr marL="68580" marR="68580" marT="0" marB="0" anchor="ctr">
+                    <a:lnL w="12700" cap="flat" cmpd="sng" algn="ctr">
+                      <a:solidFill>
+                        <a:srgbClr val="000000"/>
+                      </a:solidFill>
+                      <a:prstDash val="solid"/>
+                      <a:round/>
+                      <a:headEnd type="none" w="med" len="med"/>
+                      <a:tailEnd type="none" w="med" len="med"/>
+                    </a:lnL>
+                    <a:lnR w="12700" cap="flat" cmpd="sng" algn="ctr">
+                      <a:solidFill>
+                        <a:srgbClr val="000000"/>
+                      </a:solidFill>
+                      <a:prstDash val="solid"/>
+                      <a:round/>
+                      <a:headEnd type="none" w="med" len="med"/>
+                      <a:tailEnd type="none" w="med" len="med"/>
+                    </a:lnR>
+                    <a:lnT w="12700" cap="flat" cmpd="sng" algn="ctr">
+                      <a:solidFill>
+                        <a:srgbClr val="000000"/>
+                      </a:solidFill>
+                      <a:prstDash val="solid"/>
+                      <a:round/>
+                      <a:headEnd type="none" w="med" len="med"/>
+                      <a:tailEnd type="none" w="med" len="med"/>
+                    </a:lnT>
+                    <a:lnB w="12700" cap="flat" cmpd="sng" algn="ctr">
+                      <a:solidFill>
+                        <a:srgbClr val="000000"/>
+                      </a:solidFill>
+                      <a:prstDash val="solid"/>
+                      <a:round/>
+                      <a:headEnd type="none" w="med" len="med"/>
+                      <a:tailEnd type="none" w="med" len="med"/>
+                    </a:lnB>
+                  </a:tcPr>
+                </a:tc>
+                <a:tc>
+                  <a:txBody>
+                    <a:bodyPr/>
+                    <a:lstStyle/>
+                    <a:p>
+                      <a:pPr marL="0" marR="0" indent="0" algn="ctr">
+                        <a:lnSpc>
+                          <a:spcPct val="200000"/>
+                        </a:lnSpc>
+                        <a:spcBef>
+                          <a:spcPts val="0"/>
+                        </a:spcBef>
+                        <a:spcAft>
+                          <a:spcPts val="0"/>
+                        </a:spcAft>
+                      </a:pPr>
+                      <a:r>
+                        <a:rPr lang="en-US" sz="1100">
+                          <a:latin typeface="Times New Roman"/>
+                          <a:ea typeface="Eurostile"/>
+                          <a:cs typeface="Times New Roman"/>
+                        </a:rPr>
+                        <a:t>Probability of Occurrence</a:t>
+                      </a:r>
+                    </a:p>
+                  </a:txBody>
+                  <a:tcPr marL="68580" marR="68580" marT="0" marB="0" anchor="ctr">
+                    <a:lnL w="12700" cap="flat" cmpd="sng" algn="ctr">
+                      <a:solidFill>
+                        <a:srgbClr val="000000"/>
+                      </a:solidFill>
+                      <a:prstDash val="solid"/>
+                      <a:round/>
+                      <a:headEnd type="none" w="med" len="med"/>
+                      <a:tailEnd type="none" w="med" len="med"/>
+                    </a:lnL>
+                    <a:lnR w="12700" cap="flat" cmpd="sng" algn="ctr">
+                      <a:solidFill>
+                        <a:srgbClr val="000000"/>
+                      </a:solidFill>
+                      <a:prstDash val="solid"/>
+                      <a:round/>
+                      <a:headEnd type="none" w="med" len="med"/>
+                      <a:tailEnd type="none" w="med" len="med"/>
+                    </a:lnR>
+                    <a:lnT w="12700" cap="flat" cmpd="sng" algn="ctr">
+                      <a:solidFill>
+                        <a:srgbClr val="000000"/>
+                      </a:solidFill>
+                      <a:prstDash val="solid"/>
+                      <a:round/>
+                      <a:headEnd type="none" w="med" len="med"/>
+                      <a:tailEnd type="none" w="med" len="med"/>
+                    </a:lnT>
+                    <a:lnB w="12700" cap="flat" cmpd="sng" algn="ctr">
+                      <a:solidFill>
+                        <a:srgbClr val="000000"/>
+                      </a:solidFill>
+                      <a:prstDash val="solid"/>
+                      <a:round/>
+                      <a:headEnd type="none" w="med" len="med"/>
+                      <a:tailEnd type="none" w="med" len="med"/>
+                    </a:lnB>
+                  </a:tcPr>
+                </a:tc>
+                <a:tc>
+                  <a:txBody>
+                    <a:bodyPr/>
+                    <a:lstStyle/>
+                    <a:p>
+                      <a:pPr marL="0" marR="0" indent="0" algn="ctr">
+                        <a:lnSpc>
+                          <a:spcPct val="200000"/>
+                        </a:lnSpc>
+                        <a:spcBef>
+                          <a:spcPts val="0"/>
+                        </a:spcBef>
+                        <a:spcAft>
+                          <a:spcPts val="0"/>
+                        </a:spcAft>
+                      </a:pPr>
+                      <a:r>
+                        <a:rPr lang="en-US" sz="1100">
+                          <a:latin typeface="Times New Roman"/>
+                          <a:ea typeface="Eurostile"/>
+                          <a:cs typeface="Times New Roman"/>
+                        </a:rPr>
+                        <a:t>Plan to prevent</a:t>
+                      </a:r>
+                    </a:p>
+                  </a:txBody>
+                  <a:tcPr marL="68580" marR="68580" marT="0" marB="0" anchor="ctr">
+                    <a:lnL w="12700" cap="flat" cmpd="sng" algn="ctr">
+                      <a:solidFill>
+                        <a:srgbClr val="000000"/>
+                      </a:solidFill>
+                      <a:prstDash val="solid"/>
+                      <a:round/>
+                      <a:headEnd type="none" w="med" len="med"/>
+                      <a:tailEnd type="none" w="med" len="med"/>
+                    </a:lnL>
+                    <a:lnR w="12700" cap="flat" cmpd="sng" algn="ctr">
+                      <a:solidFill>
+                        <a:srgbClr val="000000"/>
+                      </a:solidFill>
+                      <a:prstDash val="solid"/>
+                      <a:round/>
+                      <a:headEnd type="none" w="med" len="med"/>
+                      <a:tailEnd type="none" w="med" len="med"/>
+                    </a:lnR>
+                    <a:lnT w="12700" cap="flat" cmpd="sng" algn="ctr">
+                      <a:solidFill>
+                        <a:srgbClr val="000000"/>
+                      </a:solidFill>
+                      <a:prstDash val="solid"/>
+                      <a:round/>
+                      <a:headEnd type="none" w="med" len="med"/>
+                      <a:tailEnd type="none" w="med" len="med"/>
+                    </a:lnT>
+                    <a:lnB w="12700" cap="flat" cmpd="sng" algn="ctr">
+                      <a:solidFill>
+                        <a:srgbClr val="000000"/>
+                      </a:solidFill>
+                      <a:prstDash val="solid"/>
+                      <a:round/>
+                      <a:headEnd type="none" w="med" len="med"/>
+                      <a:tailEnd type="none" w="med" len="med"/>
+                    </a:lnB>
+                  </a:tcPr>
+                </a:tc>
+              </a:tr>
+              <a:tr h="0">
+                <a:tc>
+                  <a:txBody>
+                    <a:bodyPr/>
+                    <a:lstStyle/>
+                    <a:p>
+                      <a:pPr marL="342900" marR="0" lvl="0" indent="-342900" algn="ctr">
+                        <a:lnSpc>
+                          <a:spcPct val="200000"/>
+                        </a:lnSpc>
+                        <a:spcBef>
+                          <a:spcPts val="0"/>
+                        </a:spcBef>
+                        <a:spcAft>
+                          <a:spcPts val="0"/>
+                        </a:spcAft>
+                        <a:buFont typeface="+mj-lt"/>
+                        <a:buNone/>
+                      </a:pPr>
+                      <a:r>
+                        <a:rPr lang="en-US" sz="1100" dirty="0">
+                          <a:latin typeface="Times New Roman"/>
+                          <a:ea typeface="Eurostile"/>
+                          <a:cs typeface="Times New Roman"/>
+                        </a:rPr>
+                        <a:t>Data entered incorrectly</a:t>
+                      </a:r>
+                    </a:p>
+                  </a:txBody>
+                  <a:tcPr marL="68580" marR="68580" marT="0" marB="0" anchor="ctr">
+                    <a:lnL w="12700" cap="flat" cmpd="sng" algn="ctr">
+                      <a:solidFill>
+                        <a:srgbClr val="000000"/>
+                      </a:solidFill>
+                      <a:prstDash val="solid"/>
+                      <a:round/>
+                      <a:headEnd type="none" w="med" len="med"/>
+                      <a:tailEnd type="none" w="med" len="med"/>
+                    </a:lnL>
+                    <a:lnR w="12700" cap="flat" cmpd="sng" algn="ctr">
+                      <a:solidFill>
+                        <a:srgbClr val="000000"/>
+                      </a:solidFill>
+                      <a:prstDash val="solid"/>
+                      <a:round/>
+                      <a:headEnd type="none" w="med" len="med"/>
+                      <a:tailEnd type="none" w="med" len="med"/>
+                    </a:lnR>
+                    <a:lnT w="12700" cap="flat" cmpd="sng" algn="ctr">
+                      <a:solidFill>
+                        <a:srgbClr val="000000"/>
+                      </a:solidFill>
+                      <a:prstDash val="solid"/>
+                      <a:round/>
+                      <a:headEnd type="none" w="med" len="med"/>
+                      <a:tailEnd type="none" w="med" len="med"/>
+                    </a:lnT>
+                    <a:lnB w="12700" cap="flat" cmpd="sng" algn="ctr">
+                      <a:solidFill>
+                        <a:srgbClr val="000000"/>
+                      </a:solidFill>
+                      <a:prstDash val="solid"/>
+                      <a:round/>
+                      <a:headEnd type="none" w="med" len="med"/>
+                      <a:tailEnd type="none" w="med" len="med"/>
+                    </a:lnB>
+                  </a:tcPr>
+                </a:tc>
+                <a:tc>
+                  <a:txBody>
+                    <a:bodyPr/>
+                    <a:lstStyle/>
+                    <a:p>
+                      <a:pPr marL="0" marR="0" indent="0" algn="ctr">
+                        <a:lnSpc>
+                          <a:spcPct val="200000"/>
+                        </a:lnSpc>
+                        <a:spcBef>
+                          <a:spcPts val="0"/>
+                        </a:spcBef>
+                        <a:spcAft>
+                          <a:spcPts val="0"/>
+                        </a:spcAft>
+                      </a:pPr>
+                      <a:r>
+                        <a:rPr lang="en-US" sz="1100">
+                          <a:latin typeface="Times New Roman"/>
+                          <a:ea typeface="Eurostile"/>
+                          <a:cs typeface="Times New Roman"/>
+                        </a:rPr>
+                        <a:t>High</a:t>
+                      </a:r>
+                    </a:p>
+                  </a:txBody>
+                  <a:tcPr marL="68580" marR="68580" marT="0" marB="0" anchor="ctr">
+                    <a:lnL w="12700" cap="flat" cmpd="sng" algn="ctr">
+                      <a:solidFill>
+                        <a:srgbClr val="000000"/>
+                      </a:solidFill>
+                      <a:prstDash val="solid"/>
+                      <a:round/>
+                      <a:headEnd type="none" w="med" len="med"/>
+                      <a:tailEnd type="none" w="med" len="med"/>
+                    </a:lnL>
+                    <a:lnR w="12700" cap="flat" cmpd="sng" algn="ctr">
+                      <a:solidFill>
+                        <a:srgbClr val="000000"/>
+                      </a:solidFill>
+                      <a:prstDash val="solid"/>
+                      <a:round/>
+                      <a:headEnd type="none" w="med" len="med"/>
+                      <a:tailEnd type="none" w="med" len="med"/>
+                    </a:lnR>
+                    <a:lnT w="12700" cap="flat" cmpd="sng" algn="ctr">
+                      <a:solidFill>
+                        <a:srgbClr val="000000"/>
+                      </a:solidFill>
+                      <a:prstDash val="solid"/>
+                      <a:round/>
+                      <a:headEnd type="none" w="med" len="med"/>
+                      <a:tailEnd type="none" w="med" len="med"/>
+                    </a:lnT>
+                    <a:lnB w="12700" cap="flat" cmpd="sng" algn="ctr">
+                      <a:solidFill>
+                        <a:srgbClr val="000000"/>
+                      </a:solidFill>
+                      <a:prstDash val="solid"/>
+                      <a:round/>
+                      <a:headEnd type="none" w="med" len="med"/>
+                      <a:tailEnd type="none" w="med" len="med"/>
+                    </a:lnB>
+                  </a:tcPr>
+                </a:tc>
+                <a:tc>
+                  <a:txBody>
+                    <a:bodyPr/>
+                    <a:lstStyle/>
+                    <a:p>
+                      <a:pPr marL="0" marR="0" indent="0" algn="ctr">
+                        <a:lnSpc>
+                          <a:spcPct val="200000"/>
+                        </a:lnSpc>
+                        <a:spcBef>
+                          <a:spcPts val="0"/>
+                        </a:spcBef>
+                        <a:spcAft>
+                          <a:spcPts val="0"/>
+                        </a:spcAft>
+                      </a:pPr>
+                      <a:r>
+                        <a:rPr lang="en-US" sz="1100" dirty="0">
+                          <a:latin typeface="Times New Roman"/>
+                          <a:ea typeface="Eurostile"/>
+                          <a:cs typeface="Times New Roman"/>
+                        </a:rPr>
+                        <a:t>Low</a:t>
+                      </a:r>
+                    </a:p>
+                  </a:txBody>
+                  <a:tcPr marL="68580" marR="68580" marT="0" marB="0" anchor="ctr">
+                    <a:lnL w="12700" cap="flat" cmpd="sng" algn="ctr">
+                      <a:solidFill>
+                        <a:srgbClr val="000000"/>
+                      </a:solidFill>
+                      <a:prstDash val="solid"/>
+                      <a:round/>
+                      <a:headEnd type="none" w="med" len="med"/>
+                      <a:tailEnd type="none" w="med" len="med"/>
+                    </a:lnL>
+                    <a:lnR w="12700" cap="flat" cmpd="sng" algn="ctr">
+                      <a:solidFill>
+                        <a:srgbClr val="000000"/>
+                      </a:solidFill>
+                      <a:prstDash val="solid"/>
+                      <a:round/>
+                      <a:headEnd type="none" w="med" len="med"/>
+                      <a:tailEnd type="none" w="med" len="med"/>
+                    </a:lnR>
+                    <a:lnT w="12700" cap="flat" cmpd="sng" algn="ctr">
+                      <a:solidFill>
+                        <a:srgbClr val="000000"/>
+                      </a:solidFill>
+                      <a:prstDash val="solid"/>
+                      <a:round/>
+                      <a:headEnd type="none" w="med" len="med"/>
+                      <a:tailEnd type="none" w="med" len="med"/>
+                    </a:lnT>
+                    <a:lnB w="12700" cap="flat" cmpd="sng" algn="ctr">
+                      <a:solidFill>
+                        <a:srgbClr val="000000"/>
+                      </a:solidFill>
+                      <a:prstDash val="solid"/>
+                      <a:round/>
+                      <a:headEnd type="none" w="med" len="med"/>
+                      <a:tailEnd type="none" w="med" len="med"/>
+                    </a:lnB>
+                  </a:tcPr>
+                </a:tc>
+                <a:tc>
+                  <a:txBody>
+                    <a:bodyPr/>
+                    <a:lstStyle/>
+                    <a:p>
+                      <a:pPr marL="0" marR="0" indent="0">
+                        <a:lnSpc>
+                          <a:spcPct val="200000"/>
+                        </a:lnSpc>
+                        <a:spcBef>
+                          <a:spcPts val="0"/>
+                        </a:spcBef>
+                        <a:spcAft>
+                          <a:spcPts val="0"/>
+                        </a:spcAft>
+                      </a:pPr>
+                      <a:endParaRPr lang="en-US" sz="1100" dirty="0">
+                        <a:latin typeface="Times New Roman"/>
+                        <a:ea typeface="Eurostile"/>
+                        <a:cs typeface="Times New Roman"/>
+                      </a:endParaRPr>
+                    </a:p>
+                  </a:txBody>
+                  <a:tcPr marL="68580" marR="68580" marT="0" marB="0" anchor="ctr">
+                    <a:lnL w="12700" cap="flat" cmpd="sng" algn="ctr">
+                      <a:solidFill>
+                        <a:srgbClr val="000000"/>
+                      </a:solidFill>
+                      <a:prstDash val="solid"/>
+                      <a:round/>
+                      <a:headEnd type="none" w="med" len="med"/>
+                      <a:tailEnd type="none" w="med" len="med"/>
+                    </a:lnL>
+                    <a:lnR w="12700" cap="flat" cmpd="sng" algn="ctr">
+                      <a:solidFill>
+                        <a:srgbClr val="000000"/>
+                      </a:solidFill>
+                      <a:prstDash val="solid"/>
+                      <a:round/>
+                      <a:headEnd type="none" w="med" len="med"/>
+                      <a:tailEnd type="none" w="med" len="med"/>
+                    </a:lnR>
+                    <a:lnT w="12700" cap="flat" cmpd="sng" algn="ctr">
+                      <a:solidFill>
+                        <a:srgbClr val="000000"/>
+                      </a:solidFill>
+                      <a:prstDash val="solid"/>
+                      <a:round/>
+                      <a:headEnd type="none" w="med" len="med"/>
+                      <a:tailEnd type="none" w="med" len="med"/>
+                    </a:lnT>
+                    <a:lnB w="12700" cap="flat" cmpd="sng" algn="ctr">
+                      <a:solidFill>
+                        <a:srgbClr val="000000"/>
+                      </a:solidFill>
+                      <a:prstDash val="solid"/>
+                      <a:round/>
+                      <a:headEnd type="none" w="med" len="med"/>
+                      <a:tailEnd type="none" w="med" len="med"/>
+                    </a:lnB>
+                  </a:tcPr>
+                </a:tc>
+              </a:tr>
+              <a:tr h="0">
+                <a:tc>
+                  <a:txBody>
+                    <a:bodyPr/>
+                    <a:lstStyle/>
+                    <a:p>
+                      <a:pPr marL="342900" marR="0" lvl="0" indent="-342900" algn="ctr">
+                        <a:lnSpc>
+                          <a:spcPct val="200000"/>
+                        </a:lnSpc>
+                        <a:spcBef>
+                          <a:spcPts val="0"/>
+                        </a:spcBef>
+                        <a:spcAft>
+                          <a:spcPts val="0"/>
+                        </a:spcAft>
+                        <a:buFont typeface="+mj-lt"/>
+                        <a:buNone/>
+                      </a:pPr>
+                      <a:r>
+                        <a:rPr lang="en-US" sz="1100" dirty="0">
+                          <a:latin typeface="Times New Roman"/>
+                          <a:ea typeface="Eurostile"/>
+                          <a:cs typeface="Times New Roman"/>
+                        </a:rPr>
+                        <a:t>Kid names not deleted when sent to </a:t>
+                      </a:r>
+                      <a:r>
+                        <a:rPr lang="en-US" sz="1100" dirty="0" smtClean="0">
+                          <a:latin typeface="Times New Roman"/>
+                          <a:ea typeface="Eurostile"/>
+                          <a:cs typeface="Times New Roman"/>
+                        </a:rPr>
+                        <a:t>state</a:t>
+                      </a:r>
+                    </a:p>
+                    <a:p>
+                      <a:pPr marL="342900" marR="0" lvl="0" indent="-342900" algn="ctr">
+                        <a:lnSpc>
+                          <a:spcPct val="200000"/>
+                        </a:lnSpc>
+                        <a:spcBef>
+                          <a:spcPts val="0"/>
+                        </a:spcBef>
+                        <a:spcAft>
+                          <a:spcPts val="0"/>
+                        </a:spcAft>
+                        <a:buFont typeface="+mj-lt"/>
+                        <a:buNone/>
+                      </a:pPr>
+                      <a:r>
+                        <a:rPr lang="en-US" sz="1100" dirty="0" smtClean="0">
+                          <a:latin typeface="Times New Roman"/>
+                          <a:ea typeface="Eurostile"/>
+                          <a:cs typeface="Times New Roman"/>
+                        </a:rPr>
+                        <a:t>kid </a:t>
+                      </a:r>
+                      <a:r>
+                        <a:rPr lang="en-US" sz="1100" dirty="0">
+                          <a:latin typeface="Times New Roman"/>
+                          <a:ea typeface="Eurostile"/>
+                          <a:cs typeface="Times New Roman"/>
+                        </a:rPr>
+                        <a:t>check.</a:t>
+                      </a:r>
+                    </a:p>
+                  </a:txBody>
+                  <a:tcPr marL="68580" marR="68580" marT="0" marB="0" anchor="ctr">
+                    <a:lnL w="12700" cap="flat" cmpd="sng" algn="ctr">
+                      <a:solidFill>
+                        <a:srgbClr val="000000"/>
+                      </a:solidFill>
+                      <a:prstDash val="solid"/>
+                      <a:round/>
+                      <a:headEnd type="none" w="med" len="med"/>
+                      <a:tailEnd type="none" w="med" len="med"/>
+                    </a:lnL>
+                    <a:lnR w="12700" cap="flat" cmpd="sng" algn="ctr">
+                      <a:solidFill>
+                        <a:srgbClr val="000000"/>
+                      </a:solidFill>
+                      <a:prstDash val="solid"/>
+                      <a:round/>
+                      <a:headEnd type="none" w="med" len="med"/>
+                      <a:tailEnd type="none" w="med" len="med"/>
+                    </a:lnR>
+                    <a:lnT w="12700" cap="flat" cmpd="sng" algn="ctr">
+                      <a:solidFill>
+                        <a:srgbClr val="000000"/>
+                      </a:solidFill>
+                      <a:prstDash val="solid"/>
+                      <a:round/>
+                      <a:headEnd type="none" w="med" len="med"/>
+                      <a:tailEnd type="none" w="med" len="med"/>
+                    </a:lnT>
+                    <a:lnB w="12700" cap="flat" cmpd="sng" algn="ctr">
+                      <a:solidFill>
+                        <a:srgbClr val="000000"/>
+                      </a:solidFill>
+                      <a:prstDash val="solid"/>
+                      <a:round/>
+                      <a:headEnd type="none" w="med" len="med"/>
+                      <a:tailEnd type="none" w="med" len="med"/>
+                    </a:lnB>
+                  </a:tcPr>
+                </a:tc>
+                <a:tc>
+                  <a:txBody>
+                    <a:bodyPr/>
+                    <a:lstStyle/>
+                    <a:p>
+                      <a:pPr marL="0" marR="0" indent="0" algn="ctr">
+                        <a:lnSpc>
+                          <a:spcPct val="200000"/>
+                        </a:lnSpc>
+                        <a:spcBef>
+                          <a:spcPts val="0"/>
+                        </a:spcBef>
+                        <a:spcAft>
+                          <a:spcPts val="0"/>
+                        </a:spcAft>
+                      </a:pPr>
+                      <a:r>
+                        <a:rPr lang="en-US" sz="1100">
+                          <a:latin typeface="Times New Roman"/>
+                          <a:ea typeface="Eurostile"/>
+                          <a:cs typeface="Times New Roman"/>
+                        </a:rPr>
+                        <a:t>High</a:t>
+                      </a:r>
+                    </a:p>
+                  </a:txBody>
+                  <a:tcPr marL="68580" marR="68580" marT="0" marB="0" anchor="ctr">
+                    <a:lnL w="12700" cap="flat" cmpd="sng" algn="ctr">
+                      <a:solidFill>
+                        <a:srgbClr val="000000"/>
+                      </a:solidFill>
+                      <a:prstDash val="solid"/>
+                      <a:round/>
+                      <a:headEnd type="none" w="med" len="med"/>
+                      <a:tailEnd type="none" w="med" len="med"/>
+                    </a:lnL>
+                    <a:lnR w="12700" cap="flat" cmpd="sng" algn="ctr">
+                      <a:solidFill>
+                        <a:srgbClr val="000000"/>
+                      </a:solidFill>
+                      <a:prstDash val="solid"/>
+                      <a:round/>
+                      <a:headEnd type="none" w="med" len="med"/>
+                      <a:tailEnd type="none" w="med" len="med"/>
+                    </a:lnR>
+                    <a:lnT w="12700" cap="flat" cmpd="sng" algn="ctr">
+                      <a:solidFill>
+                        <a:srgbClr val="000000"/>
+                      </a:solidFill>
+                      <a:prstDash val="solid"/>
+                      <a:round/>
+                      <a:headEnd type="none" w="med" len="med"/>
+                      <a:tailEnd type="none" w="med" len="med"/>
+                    </a:lnT>
+                    <a:lnB w="12700" cap="flat" cmpd="sng" algn="ctr">
+                      <a:solidFill>
+                        <a:srgbClr val="000000"/>
+                      </a:solidFill>
+                      <a:prstDash val="solid"/>
+                      <a:round/>
+                      <a:headEnd type="none" w="med" len="med"/>
+                      <a:tailEnd type="none" w="med" len="med"/>
+                    </a:lnB>
+                  </a:tcPr>
+                </a:tc>
+                <a:tc>
+                  <a:txBody>
+                    <a:bodyPr/>
+                    <a:lstStyle/>
+                    <a:p>
+                      <a:pPr marL="0" marR="0" indent="0" algn="ctr">
+                        <a:lnSpc>
+                          <a:spcPct val="200000"/>
+                        </a:lnSpc>
+                        <a:spcBef>
+                          <a:spcPts val="0"/>
+                        </a:spcBef>
+                        <a:spcAft>
+                          <a:spcPts val="0"/>
+                        </a:spcAft>
+                      </a:pPr>
+                      <a:r>
+                        <a:rPr lang="en-US" sz="1100">
+                          <a:latin typeface="Times New Roman"/>
+                          <a:ea typeface="Eurostile"/>
+                          <a:cs typeface="Times New Roman"/>
+                        </a:rPr>
+                        <a:t>Low</a:t>
+                      </a:r>
+                    </a:p>
+                  </a:txBody>
+                  <a:tcPr marL="68580" marR="68580" marT="0" marB="0" anchor="ctr">
+                    <a:lnL w="12700" cap="flat" cmpd="sng" algn="ctr">
+                      <a:solidFill>
+                        <a:srgbClr val="000000"/>
+                      </a:solidFill>
+                      <a:prstDash val="solid"/>
+                      <a:round/>
+                      <a:headEnd type="none" w="med" len="med"/>
+                      <a:tailEnd type="none" w="med" len="med"/>
+                    </a:lnL>
+                    <a:lnR w="12700" cap="flat" cmpd="sng" algn="ctr">
+                      <a:solidFill>
+                        <a:srgbClr val="000000"/>
+                      </a:solidFill>
+                      <a:prstDash val="solid"/>
+                      <a:round/>
+                      <a:headEnd type="none" w="med" len="med"/>
+                      <a:tailEnd type="none" w="med" len="med"/>
+                    </a:lnR>
+                    <a:lnT w="12700" cap="flat" cmpd="sng" algn="ctr">
+                      <a:solidFill>
+                        <a:srgbClr val="000000"/>
+                      </a:solidFill>
+                      <a:prstDash val="solid"/>
+                      <a:round/>
+                      <a:headEnd type="none" w="med" len="med"/>
+                      <a:tailEnd type="none" w="med" len="med"/>
+                    </a:lnT>
+                    <a:lnB w="12700" cap="flat" cmpd="sng" algn="ctr">
+                      <a:solidFill>
+                        <a:srgbClr val="000000"/>
+                      </a:solidFill>
+                      <a:prstDash val="solid"/>
+                      <a:round/>
+                      <a:headEnd type="none" w="med" len="med"/>
+                      <a:tailEnd type="none" w="med" len="med"/>
+                    </a:lnB>
+                  </a:tcPr>
+                </a:tc>
+                <a:tc>
+                  <a:txBody>
+                    <a:bodyPr/>
+                    <a:lstStyle/>
+                    <a:p>
+                      <a:pPr marL="0" marR="0" indent="0" algn="ctr">
+                        <a:lnSpc>
+                          <a:spcPct val="200000"/>
+                        </a:lnSpc>
+                        <a:spcBef>
+                          <a:spcPts val="0"/>
+                        </a:spcBef>
+                        <a:spcAft>
+                          <a:spcPts val="0"/>
+                        </a:spcAft>
+                      </a:pPr>
+                      <a:r>
+                        <a:rPr lang="en-US" sz="1100" dirty="0">
+                          <a:latin typeface="Times New Roman"/>
+                          <a:ea typeface="Eurostile"/>
+                          <a:cs typeface="Times New Roman"/>
+                        </a:rPr>
+                        <a:t>Create temporary database to store kids’ names and unique ids. Use the ids to connect kids to their data for parent letters.</a:t>
+                      </a:r>
+                    </a:p>
+                  </a:txBody>
+                  <a:tcPr marL="68580" marR="68580" marT="0" marB="0" anchor="ctr">
+                    <a:lnL w="12700" cap="flat" cmpd="sng" algn="ctr">
+                      <a:solidFill>
+                        <a:srgbClr val="000000"/>
+                      </a:solidFill>
+                      <a:prstDash val="solid"/>
+                      <a:round/>
+                      <a:headEnd type="none" w="med" len="med"/>
+                      <a:tailEnd type="none" w="med" len="med"/>
+                    </a:lnL>
+                    <a:lnR w="12700" cap="flat" cmpd="sng" algn="ctr">
+                      <a:solidFill>
+                        <a:srgbClr val="000000"/>
+                      </a:solidFill>
+                      <a:prstDash val="solid"/>
+                      <a:round/>
+                      <a:headEnd type="none" w="med" len="med"/>
+                      <a:tailEnd type="none" w="med" len="med"/>
+                    </a:lnR>
+                    <a:lnT w="12700" cap="flat" cmpd="sng" algn="ctr">
+                      <a:solidFill>
+                        <a:srgbClr val="000000"/>
+                      </a:solidFill>
+                      <a:prstDash val="solid"/>
+                      <a:round/>
+                      <a:headEnd type="none" w="med" len="med"/>
+                      <a:tailEnd type="none" w="med" len="med"/>
+                    </a:lnT>
+                    <a:lnB w="12700" cap="flat" cmpd="sng" algn="ctr">
+                      <a:solidFill>
+                        <a:srgbClr val="000000"/>
+                      </a:solidFill>
+                      <a:prstDash val="solid"/>
+                      <a:round/>
+                      <a:headEnd type="none" w="med" len="med"/>
+                      <a:tailEnd type="none" w="med" len="med"/>
+                    </a:lnB>
+                  </a:tcPr>
+                </a:tc>
+              </a:tr>
+            </a:tbl>
+          </a:graphicData>
+        </a:graphic>
+      </p:graphicFrame>
     </p:spTree>
   </p:cSld>
   <p:clrMapOvr>

--- a/tigercheck Architectural Spike presentation.pptx
+++ b/tigercheck Architectural Spike presentation.pptx
@@ -6,12 +6,12 @@
   </p:sldMasterIdLst>
   <p:sldIdLst>
     <p:sldId id="256" r:id="rId2"/>
-    <p:sldId id="257" r:id="rId3"/>
-    <p:sldId id="258" r:id="rId4"/>
-    <p:sldId id="259" r:id="rId5"/>
-    <p:sldId id="260" r:id="rId6"/>
-    <p:sldId id="261" r:id="rId7"/>
-    <p:sldId id="262" r:id="rId8"/>
+    <p:sldId id="258" r:id="rId3"/>
+    <p:sldId id="264" r:id="rId4"/>
+    <p:sldId id="265" r:id="rId5"/>
+    <p:sldId id="259" r:id="rId6"/>
+    <p:sldId id="266" r:id="rId7"/>
+    <p:sldId id="260" r:id="rId8"/>
     <p:sldId id="263" r:id="rId9"/>
   </p:sldIdLst>
   <p:sldSz cx="9144000" cy="6858000" type="screen4x3"/>
@@ -295,6 +295,7 @@
           <a:p>
             <a:fld id="{9A710440-DB49-453F-A69D-F807FD30B71F}" type="datetimeFigureOut">
               <a:rPr lang="en-US" smtClean="0"/>
+              <a:pPr/>
               <a:t>2/10/2014</a:t>
             </a:fld>
             <a:endParaRPr lang="en-US"/>
@@ -337,6 +338,7 @@
           <a:p>
             <a:fld id="{3C27E6A9-8C2D-4618-BE97-BA846DD3C47F}" type="slidenum">
               <a:rPr lang="en-US" smtClean="0"/>
+              <a:pPr/>
               <a:t>‹#›</a:t>
             </a:fld>
             <a:endParaRPr lang="en-US"/>
@@ -460,6 +462,7 @@
           <a:p>
             <a:fld id="{9A710440-DB49-453F-A69D-F807FD30B71F}" type="datetimeFigureOut">
               <a:rPr lang="en-US" smtClean="0"/>
+              <a:pPr/>
               <a:t>2/10/2014</a:t>
             </a:fld>
             <a:endParaRPr lang="en-US"/>
@@ -502,6 +505,7 @@
           <a:p>
             <a:fld id="{3C27E6A9-8C2D-4618-BE97-BA846DD3C47F}" type="slidenum">
               <a:rPr lang="en-US" smtClean="0"/>
+              <a:pPr/>
               <a:t>‹#›</a:t>
             </a:fld>
             <a:endParaRPr lang="en-US"/>
@@ -635,6 +639,7 @@
           <a:p>
             <a:fld id="{9A710440-DB49-453F-A69D-F807FD30B71F}" type="datetimeFigureOut">
               <a:rPr lang="en-US" smtClean="0"/>
+              <a:pPr/>
               <a:t>2/10/2014</a:t>
             </a:fld>
             <a:endParaRPr lang="en-US"/>
@@ -677,6 +682,7 @@
           <a:p>
             <a:fld id="{3C27E6A9-8C2D-4618-BE97-BA846DD3C47F}" type="slidenum">
               <a:rPr lang="en-US" smtClean="0"/>
+              <a:pPr/>
               <a:t>‹#›</a:t>
             </a:fld>
             <a:endParaRPr lang="en-US"/>
@@ -800,6 +806,7 @@
           <a:p>
             <a:fld id="{9A710440-DB49-453F-A69D-F807FD30B71F}" type="datetimeFigureOut">
               <a:rPr lang="en-US" smtClean="0"/>
+              <a:pPr/>
               <a:t>2/10/2014</a:t>
             </a:fld>
             <a:endParaRPr lang="en-US"/>
@@ -842,6 +849,7 @@
           <a:p>
             <a:fld id="{3C27E6A9-8C2D-4618-BE97-BA846DD3C47F}" type="slidenum">
               <a:rPr lang="en-US" smtClean="0"/>
+              <a:pPr/>
               <a:t>‹#›</a:t>
             </a:fld>
             <a:endParaRPr lang="en-US"/>
@@ -1041,6 +1049,7 @@
           <a:p>
             <a:fld id="{9A710440-DB49-453F-A69D-F807FD30B71F}" type="datetimeFigureOut">
               <a:rPr lang="en-US" smtClean="0"/>
+              <a:pPr/>
               <a:t>2/10/2014</a:t>
             </a:fld>
             <a:endParaRPr lang="en-US"/>
@@ -1083,6 +1092,7 @@
           <a:p>
             <a:fld id="{3C27E6A9-8C2D-4618-BE97-BA846DD3C47F}" type="slidenum">
               <a:rPr lang="en-US" smtClean="0"/>
+              <a:pPr/>
               <a:t>‹#›</a:t>
             </a:fld>
             <a:endParaRPr lang="en-US"/>
@@ -1324,6 +1334,7 @@
           <a:p>
             <a:fld id="{9A710440-DB49-453F-A69D-F807FD30B71F}" type="datetimeFigureOut">
               <a:rPr lang="en-US" smtClean="0"/>
+              <a:pPr/>
               <a:t>2/10/2014</a:t>
             </a:fld>
             <a:endParaRPr lang="en-US"/>
@@ -1366,6 +1377,7 @@
           <a:p>
             <a:fld id="{3C27E6A9-8C2D-4618-BE97-BA846DD3C47F}" type="slidenum">
               <a:rPr lang="en-US" smtClean="0"/>
+              <a:pPr/>
               <a:t>‹#›</a:t>
             </a:fld>
             <a:endParaRPr lang="en-US"/>
@@ -1741,6 +1753,7 @@
           <a:p>
             <a:fld id="{9A710440-DB49-453F-A69D-F807FD30B71F}" type="datetimeFigureOut">
               <a:rPr lang="en-US" smtClean="0"/>
+              <a:pPr/>
               <a:t>2/10/2014</a:t>
             </a:fld>
             <a:endParaRPr lang="en-US"/>
@@ -1783,6 +1796,7 @@
           <a:p>
             <a:fld id="{3C27E6A9-8C2D-4618-BE97-BA846DD3C47F}" type="slidenum">
               <a:rPr lang="en-US" smtClean="0"/>
+              <a:pPr/>
               <a:t>‹#›</a:t>
             </a:fld>
             <a:endParaRPr lang="en-US"/>
@@ -1854,6 +1868,7 @@
           <a:p>
             <a:fld id="{9A710440-DB49-453F-A69D-F807FD30B71F}" type="datetimeFigureOut">
               <a:rPr lang="en-US" smtClean="0"/>
+              <a:pPr/>
               <a:t>2/10/2014</a:t>
             </a:fld>
             <a:endParaRPr lang="en-US"/>
@@ -1896,6 +1911,7 @@
           <a:p>
             <a:fld id="{3C27E6A9-8C2D-4618-BE97-BA846DD3C47F}" type="slidenum">
               <a:rPr lang="en-US" smtClean="0"/>
+              <a:pPr/>
               <a:t>‹#›</a:t>
             </a:fld>
             <a:endParaRPr lang="en-US"/>
@@ -1944,6 +1960,7 @@
           <a:p>
             <a:fld id="{9A710440-DB49-453F-A69D-F807FD30B71F}" type="datetimeFigureOut">
               <a:rPr lang="en-US" smtClean="0"/>
+              <a:pPr/>
               <a:t>2/10/2014</a:t>
             </a:fld>
             <a:endParaRPr lang="en-US"/>
@@ -1986,6 +2003,7 @@
           <a:p>
             <a:fld id="{3C27E6A9-8C2D-4618-BE97-BA846DD3C47F}" type="slidenum">
               <a:rPr lang="en-US" smtClean="0"/>
+              <a:pPr/>
               <a:t>‹#›</a:t>
             </a:fld>
             <a:endParaRPr lang="en-US"/>
@@ -2216,6 +2234,7 @@
           <a:p>
             <a:fld id="{9A710440-DB49-453F-A69D-F807FD30B71F}" type="datetimeFigureOut">
               <a:rPr lang="en-US" smtClean="0"/>
+              <a:pPr/>
               <a:t>2/10/2014</a:t>
             </a:fld>
             <a:endParaRPr lang="en-US"/>
@@ -2258,6 +2277,7 @@
           <a:p>
             <a:fld id="{3C27E6A9-8C2D-4618-BE97-BA846DD3C47F}" type="slidenum">
               <a:rPr lang="en-US" smtClean="0"/>
+              <a:pPr/>
               <a:t>‹#›</a:t>
             </a:fld>
             <a:endParaRPr lang="en-US"/>
@@ -2464,6 +2484,7 @@
           <a:p>
             <a:fld id="{9A710440-DB49-453F-A69D-F807FD30B71F}" type="datetimeFigureOut">
               <a:rPr lang="en-US" smtClean="0"/>
+              <a:pPr/>
               <a:t>2/10/2014</a:t>
             </a:fld>
             <a:endParaRPr lang="en-US"/>
@@ -2506,6 +2527,7 @@
           <a:p>
             <a:fld id="{3C27E6A9-8C2D-4618-BE97-BA846DD3C47F}" type="slidenum">
               <a:rPr lang="en-US" smtClean="0"/>
+              <a:pPr/>
               <a:t>‹#›</a:t>
             </a:fld>
             <a:endParaRPr lang="en-US"/>
@@ -2672,6 +2694,7 @@
           <a:p>
             <a:fld id="{9A710440-DB49-453F-A69D-F807FD30B71F}" type="datetimeFigureOut">
               <a:rPr lang="en-US" smtClean="0"/>
+              <a:pPr/>
               <a:t>2/10/2014</a:t>
             </a:fld>
             <a:endParaRPr lang="en-US"/>
@@ -2750,6 +2773,7 @@
           <a:p>
             <a:fld id="{3C27E6A9-8C2D-4618-BE97-BA846DD3C47F}" type="slidenum">
               <a:rPr lang="en-US" smtClean="0"/>
+              <a:pPr/>
               <a:t>‹#›</a:t>
             </a:fld>
             <a:endParaRPr lang="en-US"/>
@@ -3063,7 +3087,11 @@
             </a:r>
             <a:r>
               <a:rPr lang="en-US" dirty="0" smtClean="0"/>
-              <a:t> v.2</a:t>
+              <a:t> </a:t>
+            </a:r>
+            <a:r>
+              <a:rPr lang="en-US" dirty="0" smtClean="0"/>
+              <a:t>v2</a:t>
             </a:r>
             <a:endParaRPr lang="en-US" dirty="0"/>
           </a:p>
@@ -3086,7 +3114,7 @@
           <a:p>
             <a:r>
               <a:rPr lang="en-US" dirty="0" smtClean="0"/>
-              <a:t>Rebuilt by: Ethan Darby, Zachary White, Nick bean, Ross Spears</a:t>
+              <a:t>Rebuilt by: Ethan Darby, Zachary White, Nick Bean, Ross Spears</a:t>
             </a:r>
             <a:endParaRPr lang="en-US" dirty="0"/>
           </a:p>
@@ -3134,7 +3162,7 @@
           <a:p>
             <a:r>
               <a:rPr lang="en-US" dirty="0" smtClean="0"/>
-              <a:t>Executive Summary</a:t>
+              <a:t>Project Introduction</a:t>
             </a:r>
             <a:endParaRPr lang="en-US" dirty="0"/>
           </a:p>
@@ -3152,10 +3180,52 @@
         </p:nvSpPr>
         <p:spPr/>
         <p:txBody>
-          <a:bodyPr/>
-          <a:lstStyle/>
-          <a:p>
-            <a:endParaRPr lang="en-US"/>
+          <a:bodyPr>
+            <a:normAutofit fontScale="92500"/>
+          </a:bodyPr>
+          <a:lstStyle/>
+          <a:p>
+            <a:r>
+              <a:rPr lang="en-US" dirty="0" err="1" smtClean="0"/>
+              <a:t>TigerCheck</a:t>
+            </a:r>
+            <a:r>
+              <a:rPr lang="en-US" dirty="0" smtClean="0"/>
+              <a:t> is a data collection collaboration between the College of Nursing and the college of Engineering.</a:t>
+            </a:r>
+          </a:p>
+          <a:p>
+            <a:r>
+              <a:rPr lang="en-US" dirty="0" smtClean="0"/>
+              <a:t>The primary purpose of </a:t>
+            </a:r>
+            <a:r>
+              <a:rPr lang="en-US" dirty="0" err="1" smtClean="0"/>
+              <a:t>TigerCheck</a:t>
+            </a:r>
+            <a:r>
+              <a:rPr lang="en-US" dirty="0" smtClean="0"/>
+              <a:t> is to allow nurses to go to varied locations, gather health data from the people at said location, and store the data for future statistics</a:t>
+            </a:r>
+          </a:p>
+          <a:p>
+            <a:r>
+              <a:rPr lang="en-US" dirty="0" smtClean="0"/>
+              <a:t>The overlying project for this program is </a:t>
+            </a:r>
+            <a:r>
+              <a:rPr lang="en-US" dirty="0" err="1" smtClean="0"/>
+              <a:t>Kidcheck</a:t>
+            </a:r>
+            <a:r>
+              <a:rPr lang="en-US" dirty="0" smtClean="0"/>
+              <a:t>, Alabama’s child health data </a:t>
+            </a:r>
+            <a:r>
+              <a:rPr lang="en-US" dirty="0" smtClean="0"/>
+              <a:t>aggregator</a:t>
+            </a:r>
+            <a:endParaRPr lang="en-US" dirty="0"/>
           </a:p>
         </p:txBody>
       </p:sp>
@@ -3200,8 +3270,16 @@
           <a:lstStyle/>
           <a:p>
             <a:r>
+              <a:rPr lang="en-US" dirty="0" err="1" smtClean="0"/>
+              <a:t>TigerCheck</a:t>
+            </a:r>
+            <a:r>
               <a:rPr lang="en-US" dirty="0" smtClean="0"/>
-              <a:t>Project Introduction</a:t>
+              <a:t> </a:t>
+            </a:r>
+            <a:r>
+              <a:rPr lang="en-US" dirty="0" smtClean="0"/>
+              <a:t>v1</a:t>
             </a:r>
             <a:endParaRPr lang="en-US" dirty="0"/>
           </a:p>
@@ -3222,7 +3300,31 @@
           <a:bodyPr/>
           <a:lstStyle/>
           <a:p>
-            <a:endParaRPr lang="en-US"/>
+            <a:r>
+              <a:rPr lang="en-US" dirty="0" smtClean="0"/>
+              <a:t>Project has been running for at least 5 semesters</a:t>
+            </a:r>
+          </a:p>
+          <a:p>
+            <a:r>
+              <a:rPr lang="en-US" dirty="0" smtClean="0"/>
+              <a:t>Poor design practices</a:t>
+            </a:r>
+          </a:p>
+          <a:p>
+            <a:r>
+              <a:rPr lang="en-US" dirty="0" smtClean="0"/>
+              <a:t>Wordy, unnecessarily complex code</a:t>
+            </a:r>
+          </a:p>
+          <a:p>
+            <a:r>
+              <a:rPr lang="en-US" dirty="0" smtClean="0"/>
+              <a:t>Working, but fairly unstable</a:t>
+            </a:r>
+          </a:p>
+          <a:p>
+            <a:endParaRPr lang="en-US" dirty="0"/>
           </a:p>
         </p:txBody>
       </p:sp>
@@ -3263,12 +3365,22 @@
         </p:nvSpPr>
         <p:spPr/>
         <p:txBody>
-          <a:bodyPr/>
-          <a:lstStyle/>
-          <a:p>
+          <a:bodyPr>
+            <a:normAutofit/>
+          </a:bodyPr>
+          <a:lstStyle/>
+          <a:p>
+            <a:r>
+              <a:rPr lang="en-US" dirty="0" err="1" smtClean="0"/>
+              <a:t>TigerCheck</a:t>
+            </a:r>
             <a:r>
               <a:rPr lang="en-US" dirty="0" smtClean="0"/>
-              <a:t>Requirements</a:t>
+              <a:t> </a:t>
+            </a:r>
+            <a:r>
+              <a:rPr lang="en-US" dirty="0" smtClean="0"/>
+              <a:t>v2</a:t>
             </a:r>
             <a:endParaRPr lang="en-US" dirty="0"/>
           </a:p>
@@ -3289,7 +3401,23 @@
           <a:bodyPr/>
           <a:lstStyle/>
           <a:p>
-            <a:endParaRPr lang="en-US"/>
+            <a:r>
+              <a:rPr lang="en-US" dirty="0" smtClean="0"/>
+              <a:t>Reworking the design with emphasis on readability, and modularity</a:t>
+            </a:r>
+          </a:p>
+          <a:p>
+            <a:r>
+              <a:rPr lang="en-US" dirty="0" smtClean="0"/>
+              <a:t>Redesigning the code to cut down on fluff</a:t>
+            </a:r>
+          </a:p>
+          <a:p>
+            <a:r>
+              <a:rPr lang="en-US" dirty="0" smtClean="0"/>
+              <a:t>Designing a prototype to not mess with production code.</a:t>
+            </a:r>
+            <a:endParaRPr lang="en-US" dirty="0"/>
           </a:p>
         </p:txBody>
       </p:sp>
@@ -3302,6 +3430,239 @@
 </file>
 
 <file path=ppt/slides/slide5.xml><?xml version="1.0" encoding="utf-8"?>
+<p:sld xmlns:a="http://schemas.openxmlformats.org/drawingml/2006/main" xmlns:r="http://schemas.openxmlformats.org/officeDocument/2006/relationships" xmlns:p="http://schemas.openxmlformats.org/presentationml/2006/main">
+  <p:cSld>
+    <p:spTree>
+      <p:nvGrpSpPr>
+        <p:cNvPr id="1" name=""/>
+        <p:cNvGrpSpPr/>
+        <p:nvPr/>
+      </p:nvGrpSpPr>
+      <p:grpSpPr>
+        <a:xfrm>
+          <a:off x="0" y="0"/>
+          <a:ext cx="0" cy="0"/>
+          <a:chOff x="0" y="0"/>
+          <a:chExt cx="0" cy="0"/>
+        </a:xfrm>
+      </p:grpSpPr>
+      <p:sp>
+        <p:nvSpPr>
+          <p:cNvPr id="2" name="Title 1"/>
+          <p:cNvSpPr>
+            <a:spLocks noGrp="1"/>
+          </p:cNvSpPr>
+          <p:nvPr>
+            <p:ph type="title"/>
+          </p:nvPr>
+        </p:nvSpPr>
+        <p:spPr/>
+        <p:txBody>
+          <a:bodyPr/>
+          <a:lstStyle/>
+          <a:p>
+            <a:r>
+              <a:rPr lang="en-US" dirty="0" smtClean="0"/>
+              <a:t>Requirements</a:t>
+            </a:r>
+            <a:endParaRPr lang="en-US" dirty="0"/>
+          </a:p>
+        </p:txBody>
+      </p:sp>
+      <p:sp>
+        <p:nvSpPr>
+          <p:cNvPr id="3" name="Content Placeholder 2"/>
+          <p:cNvSpPr>
+            <a:spLocks noGrp="1"/>
+          </p:cNvSpPr>
+          <p:nvPr>
+            <p:ph idx="1"/>
+          </p:nvPr>
+        </p:nvSpPr>
+        <p:spPr/>
+        <p:txBody>
+          <a:bodyPr/>
+          <a:lstStyle/>
+          <a:p>
+            <a:r>
+              <a:rPr lang="en-US" dirty="0" smtClean="0"/>
+              <a:t>SQL database on a local server</a:t>
+            </a:r>
+          </a:p>
+          <a:p>
+            <a:r>
+              <a:rPr lang="en-US" dirty="0" smtClean="0"/>
+              <a:t>Connect laptop to SQL database</a:t>
+            </a:r>
+          </a:p>
+          <a:p>
+            <a:r>
+              <a:rPr lang="en-US" dirty="0" smtClean="0"/>
+              <a:t>A series of statements for sending data into the database</a:t>
+            </a:r>
+          </a:p>
+          <a:p>
+            <a:r>
+              <a:rPr lang="en-US" dirty="0" smtClean="0"/>
+              <a:t>Be able to generate reports for health values out of the norm</a:t>
+            </a:r>
+          </a:p>
+          <a:p>
+            <a:r>
+              <a:rPr lang="en-US" dirty="0" smtClean="0"/>
+              <a:t>Export data and send it to the state collection</a:t>
+            </a:r>
+            <a:endParaRPr lang="en-US" dirty="0"/>
+          </a:p>
+        </p:txBody>
+      </p:sp>
+    </p:spTree>
+  </p:cSld>
+  <p:clrMapOvr>
+    <a:masterClrMapping/>
+  </p:clrMapOvr>
+</p:sld>
+</file>
+
+<file path=ppt/slides/slide6.xml><?xml version="1.0" encoding="utf-8"?>
+<p:sld xmlns:a="http://schemas.openxmlformats.org/drawingml/2006/main" xmlns:r="http://schemas.openxmlformats.org/officeDocument/2006/relationships" xmlns:p="http://schemas.openxmlformats.org/presentationml/2006/main">
+  <p:cSld>
+    <p:spTree>
+      <p:nvGrpSpPr>
+        <p:cNvPr id="1" name=""/>
+        <p:cNvGrpSpPr/>
+        <p:nvPr/>
+      </p:nvGrpSpPr>
+      <p:grpSpPr>
+        <a:xfrm>
+          <a:off x="0" y="0"/>
+          <a:ext cx="0" cy="0"/>
+          <a:chOff x="0" y="0"/>
+          <a:chExt cx="0" cy="0"/>
+        </a:xfrm>
+      </p:grpSpPr>
+      <p:pic>
+        <p:nvPicPr>
+          <p:cNvPr id="3" name="Picture 3"/>
+          <p:cNvPicPr>
+            <a:picLocks noGrp="1" noChangeAspect="1" noChangeArrowheads="1"/>
+          </p:cNvPicPr>
+          <p:nvPr>
+            <p:ph idx="1"/>
+          </p:nvPr>
+        </p:nvPicPr>
+        <p:blipFill>
+          <a:blip r:embed="rId2" cstate="print"/>
+          <a:srcRect/>
+          <a:stretch>
+            <a:fillRect/>
+          </a:stretch>
+        </p:blipFill>
+        <p:spPr bwMode="auto">
+          <a:xfrm>
+            <a:off x="797460" y="2144713"/>
+            <a:ext cx="7549081" cy="3473450"/>
+          </a:xfrm>
+          <a:prstGeom prst="rect">
+            <a:avLst/>
+          </a:prstGeom>
+          <a:noFill/>
+          <a:ln w="9525">
+            <a:noFill/>
+            <a:miter lim="800000"/>
+            <a:headEnd/>
+            <a:tailEnd/>
+          </a:ln>
+        </p:spPr>
+      </p:pic>
+      <p:sp>
+        <p:nvSpPr>
+          <p:cNvPr id="2" name="Title 1"/>
+          <p:cNvSpPr>
+            <a:spLocks noGrp="1"/>
+          </p:cNvSpPr>
+          <p:nvPr>
+            <p:ph type="title"/>
+          </p:nvPr>
+        </p:nvSpPr>
+        <p:spPr/>
+        <p:txBody>
+          <a:bodyPr/>
+          <a:lstStyle/>
+          <a:p>
+            <a:r>
+              <a:rPr lang="en-US" dirty="0" smtClean="0"/>
+              <a:t>Sample day of </a:t>
+            </a:r>
+            <a:r>
+              <a:rPr lang="en-US" dirty="0" err="1" smtClean="0"/>
+              <a:t>TigerCheck</a:t>
+            </a:r>
+            <a:endParaRPr lang="en-US" dirty="0"/>
+          </a:p>
+        </p:txBody>
+      </p:sp>
+      <p:sp>
+        <p:nvSpPr>
+          <p:cNvPr id="7" name="Bent Arrow 6"/>
+          <p:cNvSpPr/>
+          <p:nvPr/>
+        </p:nvSpPr>
+        <p:spPr>
+          <a:xfrm>
+            <a:off x="1295400" y="2438400"/>
+            <a:ext cx="4800600" cy="1143000"/>
+          </a:xfrm>
+          <a:prstGeom prst="bentArrow">
+            <a:avLst/>
+          </a:prstGeom>
+          <a:solidFill>
+            <a:schemeClr val="bg1"/>
+          </a:solidFill>
+          <a:ln>
+            <a:solidFill>
+              <a:schemeClr val="tx1"/>
+            </a:solidFill>
+          </a:ln>
+        </p:spPr>
+        <p:style>
+          <a:lnRef idx="2">
+            <a:schemeClr val="accent1">
+              <a:shade val="50000"/>
+            </a:schemeClr>
+          </a:lnRef>
+          <a:fillRef idx="1">
+            <a:schemeClr val="accent1"/>
+          </a:fillRef>
+          <a:effectRef idx="0">
+            <a:schemeClr val="accent1"/>
+          </a:effectRef>
+          <a:fontRef idx="minor">
+            <a:schemeClr val="lt1"/>
+          </a:fontRef>
+        </p:style>
+        <p:txBody>
+          <a:bodyPr rtlCol="0" anchor="ctr"/>
+          <a:lstStyle/>
+          <a:p>
+            <a:pPr algn="ctr"/>
+            <a:endParaRPr lang="en-US">
+              <a:solidFill>
+                <a:schemeClr val="tx1"/>
+              </a:solidFill>
+            </a:endParaRPr>
+          </a:p>
+        </p:txBody>
+      </p:sp>
+    </p:spTree>
+  </p:cSld>
+  <p:clrMapOvr>
+    <a:masterClrMapping/>
+  </p:clrMapOvr>
+</p:sld>
+</file>
+
+<file path=ppt/slides/slide7.xml><?xml version="1.0" encoding="utf-8"?>
 <p:sld xmlns:a="http://schemas.openxmlformats.org/drawingml/2006/main" xmlns:r="http://schemas.openxmlformats.org/officeDocument/2006/relationships" xmlns:p="http://schemas.openxmlformats.org/presentationml/2006/main">
   <p:cSld>
     <p:spTree>
@@ -3383,975 +3744,6 @@
 </p:sld>
 </file>
 
-<file path=ppt/slides/slide6.xml><?xml version="1.0" encoding="utf-8"?>
-<p:sld xmlns:a="http://schemas.openxmlformats.org/drawingml/2006/main" xmlns:r="http://schemas.openxmlformats.org/officeDocument/2006/relationships" xmlns:p="http://schemas.openxmlformats.org/presentationml/2006/main">
-  <p:cSld>
-    <p:spTree>
-      <p:nvGrpSpPr>
-        <p:cNvPr id="1" name=""/>
-        <p:cNvGrpSpPr/>
-        <p:nvPr/>
-      </p:nvGrpSpPr>
-      <p:grpSpPr>
-        <a:xfrm>
-          <a:off x="0" y="0"/>
-          <a:ext cx="0" cy="0"/>
-          <a:chOff x="0" y="0"/>
-          <a:chExt cx="0" cy="0"/>
-        </a:xfrm>
-      </p:grpSpPr>
-      <p:sp>
-        <p:nvSpPr>
-          <p:cNvPr id="2" name="Title 1"/>
-          <p:cNvSpPr>
-            <a:spLocks noGrp="1"/>
-          </p:cNvSpPr>
-          <p:nvPr>
-            <p:ph type="title"/>
-          </p:nvPr>
-        </p:nvSpPr>
-        <p:spPr/>
-        <p:txBody>
-          <a:bodyPr/>
-          <a:lstStyle/>
-          <a:p>
-            <a:r>
-              <a:rPr lang="en-US" dirty="0" smtClean="0"/>
-              <a:t>Management</a:t>
-            </a:r>
-            <a:endParaRPr lang="en-US" dirty="0"/>
-          </a:p>
-        </p:txBody>
-      </p:sp>
-      <p:sp>
-        <p:nvSpPr>
-          <p:cNvPr id="3" name="Content Placeholder 2"/>
-          <p:cNvSpPr>
-            <a:spLocks noGrp="1"/>
-          </p:cNvSpPr>
-          <p:nvPr>
-            <p:ph idx="1"/>
-          </p:nvPr>
-        </p:nvSpPr>
-        <p:spPr/>
-        <p:txBody>
-          <a:bodyPr/>
-          <a:lstStyle/>
-          <a:p>
-            <a:endParaRPr lang="en-US"/>
-          </a:p>
-        </p:txBody>
-      </p:sp>
-    </p:spTree>
-  </p:cSld>
-  <p:clrMapOvr>
-    <a:masterClrMapping/>
-  </p:clrMapOvr>
-</p:sld>
-</file>
-
-<file path=ppt/slides/slide7.xml><?xml version="1.0" encoding="utf-8"?>
-<p:sld xmlns:a="http://schemas.openxmlformats.org/drawingml/2006/main" xmlns:r="http://schemas.openxmlformats.org/officeDocument/2006/relationships" xmlns:p="http://schemas.openxmlformats.org/presentationml/2006/main">
-  <p:cSld>
-    <p:spTree>
-      <p:nvGrpSpPr>
-        <p:cNvPr id="1" name=""/>
-        <p:cNvGrpSpPr/>
-        <p:nvPr/>
-      </p:nvGrpSpPr>
-      <p:grpSpPr>
-        <a:xfrm>
-          <a:off x="0" y="0"/>
-          <a:ext cx="0" cy="0"/>
-          <a:chOff x="0" y="0"/>
-          <a:chExt cx="0" cy="0"/>
-        </a:xfrm>
-      </p:grpSpPr>
-      <p:sp>
-        <p:nvSpPr>
-          <p:cNvPr id="2" name="Title 1"/>
-          <p:cNvSpPr>
-            <a:spLocks noGrp="1"/>
-          </p:cNvSpPr>
-          <p:nvPr>
-            <p:ph type="title"/>
-          </p:nvPr>
-        </p:nvSpPr>
-        <p:spPr/>
-        <p:txBody>
-          <a:bodyPr/>
-          <a:lstStyle/>
-          <a:p>
-            <a:r>
-              <a:rPr lang="en-US" dirty="0" smtClean="0"/>
-              <a:t>Risk Mitigation</a:t>
-            </a:r>
-            <a:endParaRPr lang="en-US" dirty="0"/>
-          </a:p>
-        </p:txBody>
-      </p:sp>
-      <p:graphicFrame>
-        <p:nvGraphicFramePr>
-          <p:cNvPr id="4" name="Content Placeholder 3"/>
-          <p:cNvGraphicFramePr>
-            <a:graphicFrameLocks noGrp="1"/>
-          </p:cNvGraphicFramePr>
-          <p:nvPr>
-            <p:ph idx="1"/>
-          </p:nvPr>
-        </p:nvGraphicFramePr>
-        <p:xfrm>
-          <a:off x="990598" y="1851501"/>
-          <a:ext cx="7315201" cy="1960626"/>
-        </p:xfrm>
-        <a:graphic>
-          <a:graphicData uri="http://schemas.openxmlformats.org/drawingml/2006/table">
-            <a:tbl>
-              <a:tblPr/>
-              <a:tblGrid>
-                <a:gridCol w="2493506"/>
-                <a:gridCol w="895457"/>
-                <a:gridCol w="1102102"/>
-                <a:gridCol w="2824136"/>
-              </a:tblGrid>
-              <a:tr h="467995">
-                <a:tc>
-                  <a:txBody>
-                    <a:bodyPr/>
-                    <a:lstStyle/>
-                    <a:p>
-                      <a:pPr marL="0" marR="0" indent="0" algn="ctr">
-                        <a:lnSpc>
-                          <a:spcPct val="200000"/>
-                        </a:lnSpc>
-                        <a:spcBef>
-                          <a:spcPts val="0"/>
-                        </a:spcBef>
-                        <a:spcAft>
-                          <a:spcPts val="0"/>
-                        </a:spcAft>
-                      </a:pPr>
-                      <a:r>
-                        <a:rPr lang="en-US" sz="1100">
-                          <a:latin typeface="Times New Roman"/>
-                          <a:ea typeface="Eurostile"/>
-                          <a:cs typeface="Times New Roman"/>
-                        </a:rPr>
-                        <a:t>Risk</a:t>
-                      </a:r>
-                    </a:p>
-                  </a:txBody>
-                  <a:tcPr marL="68580" marR="68580" marT="0" marB="0" anchor="ctr">
-                    <a:lnL w="12700" cap="flat" cmpd="sng" algn="ctr">
-                      <a:solidFill>
-                        <a:srgbClr val="000000"/>
-                      </a:solidFill>
-                      <a:prstDash val="solid"/>
-                      <a:round/>
-                      <a:headEnd type="none" w="med" len="med"/>
-                      <a:tailEnd type="none" w="med" len="med"/>
-                    </a:lnL>
-                    <a:lnR w="12700" cap="flat" cmpd="sng" algn="ctr">
-                      <a:solidFill>
-                        <a:srgbClr val="000000"/>
-                      </a:solidFill>
-                      <a:prstDash val="solid"/>
-                      <a:round/>
-                      <a:headEnd type="none" w="med" len="med"/>
-                      <a:tailEnd type="none" w="med" len="med"/>
-                    </a:lnR>
-                    <a:lnT w="12700" cap="flat" cmpd="sng" algn="ctr">
-                      <a:solidFill>
-                        <a:srgbClr val="000000"/>
-                      </a:solidFill>
-                      <a:prstDash val="solid"/>
-                      <a:round/>
-                      <a:headEnd type="none" w="med" len="med"/>
-                      <a:tailEnd type="none" w="med" len="med"/>
-                    </a:lnT>
-                    <a:lnB w="12700" cap="flat" cmpd="sng" algn="ctr">
-                      <a:solidFill>
-                        <a:srgbClr val="000000"/>
-                      </a:solidFill>
-                      <a:prstDash val="solid"/>
-                      <a:round/>
-                      <a:headEnd type="none" w="med" len="med"/>
-                      <a:tailEnd type="none" w="med" len="med"/>
-                    </a:lnB>
-                  </a:tcPr>
-                </a:tc>
-                <a:tc>
-                  <a:txBody>
-                    <a:bodyPr/>
-                    <a:lstStyle/>
-                    <a:p>
-                      <a:pPr marL="0" marR="0" indent="0" algn="ctr">
-                        <a:lnSpc>
-                          <a:spcPct val="200000"/>
-                        </a:lnSpc>
-                        <a:spcBef>
-                          <a:spcPts val="0"/>
-                        </a:spcBef>
-                        <a:spcAft>
-                          <a:spcPts val="0"/>
-                        </a:spcAft>
-                      </a:pPr>
-                      <a:r>
-                        <a:rPr lang="en-US" sz="1100">
-                          <a:latin typeface="Times New Roman"/>
-                          <a:ea typeface="Eurostile"/>
-                          <a:cs typeface="Times New Roman"/>
-                        </a:rPr>
-                        <a:t>Impact on Project</a:t>
-                      </a:r>
-                    </a:p>
-                  </a:txBody>
-                  <a:tcPr marL="68580" marR="68580" marT="0" marB="0" anchor="ctr">
-                    <a:lnL w="12700" cap="flat" cmpd="sng" algn="ctr">
-                      <a:solidFill>
-                        <a:srgbClr val="000000"/>
-                      </a:solidFill>
-                      <a:prstDash val="solid"/>
-                      <a:round/>
-                      <a:headEnd type="none" w="med" len="med"/>
-                      <a:tailEnd type="none" w="med" len="med"/>
-                    </a:lnL>
-                    <a:lnR w="12700" cap="flat" cmpd="sng" algn="ctr">
-                      <a:solidFill>
-                        <a:srgbClr val="000000"/>
-                      </a:solidFill>
-                      <a:prstDash val="solid"/>
-                      <a:round/>
-                      <a:headEnd type="none" w="med" len="med"/>
-                      <a:tailEnd type="none" w="med" len="med"/>
-                    </a:lnR>
-                    <a:lnT w="12700" cap="flat" cmpd="sng" algn="ctr">
-                      <a:solidFill>
-                        <a:srgbClr val="000000"/>
-                      </a:solidFill>
-                      <a:prstDash val="solid"/>
-                      <a:round/>
-                      <a:headEnd type="none" w="med" len="med"/>
-                      <a:tailEnd type="none" w="med" len="med"/>
-                    </a:lnT>
-                    <a:lnB w="12700" cap="flat" cmpd="sng" algn="ctr">
-                      <a:solidFill>
-                        <a:srgbClr val="000000"/>
-                      </a:solidFill>
-                      <a:prstDash val="solid"/>
-                      <a:round/>
-                      <a:headEnd type="none" w="med" len="med"/>
-                      <a:tailEnd type="none" w="med" len="med"/>
-                    </a:lnB>
-                  </a:tcPr>
-                </a:tc>
-                <a:tc>
-                  <a:txBody>
-                    <a:bodyPr/>
-                    <a:lstStyle/>
-                    <a:p>
-                      <a:pPr marL="0" marR="0" indent="0" algn="ctr">
-                        <a:lnSpc>
-                          <a:spcPct val="200000"/>
-                        </a:lnSpc>
-                        <a:spcBef>
-                          <a:spcPts val="0"/>
-                        </a:spcBef>
-                        <a:spcAft>
-                          <a:spcPts val="0"/>
-                        </a:spcAft>
-                      </a:pPr>
-                      <a:r>
-                        <a:rPr lang="en-US" sz="1100">
-                          <a:latin typeface="Times New Roman"/>
-                          <a:ea typeface="Eurostile"/>
-                          <a:cs typeface="Times New Roman"/>
-                        </a:rPr>
-                        <a:t>Probability of Occurrence</a:t>
-                      </a:r>
-                    </a:p>
-                  </a:txBody>
-                  <a:tcPr marL="68580" marR="68580" marT="0" marB="0" anchor="ctr">
-                    <a:lnL w="12700" cap="flat" cmpd="sng" algn="ctr">
-                      <a:solidFill>
-                        <a:srgbClr val="000000"/>
-                      </a:solidFill>
-                      <a:prstDash val="solid"/>
-                      <a:round/>
-                      <a:headEnd type="none" w="med" len="med"/>
-                      <a:tailEnd type="none" w="med" len="med"/>
-                    </a:lnL>
-                    <a:lnR w="12700" cap="flat" cmpd="sng" algn="ctr">
-                      <a:solidFill>
-                        <a:srgbClr val="000000"/>
-                      </a:solidFill>
-                      <a:prstDash val="solid"/>
-                      <a:round/>
-                      <a:headEnd type="none" w="med" len="med"/>
-                      <a:tailEnd type="none" w="med" len="med"/>
-                    </a:lnR>
-                    <a:lnT w="12700" cap="flat" cmpd="sng" algn="ctr">
-                      <a:solidFill>
-                        <a:srgbClr val="000000"/>
-                      </a:solidFill>
-                      <a:prstDash val="solid"/>
-                      <a:round/>
-                      <a:headEnd type="none" w="med" len="med"/>
-                      <a:tailEnd type="none" w="med" len="med"/>
-                    </a:lnT>
-                    <a:lnB w="12700" cap="flat" cmpd="sng" algn="ctr">
-                      <a:solidFill>
-                        <a:srgbClr val="000000"/>
-                      </a:solidFill>
-                      <a:prstDash val="solid"/>
-                      <a:round/>
-                      <a:headEnd type="none" w="med" len="med"/>
-                      <a:tailEnd type="none" w="med" len="med"/>
-                    </a:lnB>
-                  </a:tcPr>
-                </a:tc>
-                <a:tc>
-                  <a:txBody>
-                    <a:bodyPr/>
-                    <a:lstStyle/>
-                    <a:p>
-                      <a:pPr marL="0" marR="0" indent="0" algn="ctr">
-                        <a:lnSpc>
-                          <a:spcPct val="200000"/>
-                        </a:lnSpc>
-                        <a:spcBef>
-                          <a:spcPts val="0"/>
-                        </a:spcBef>
-                        <a:spcAft>
-                          <a:spcPts val="0"/>
-                        </a:spcAft>
-                      </a:pPr>
-                      <a:r>
-                        <a:rPr lang="en-US" sz="1100">
-                          <a:latin typeface="Times New Roman"/>
-                          <a:ea typeface="Eurostile"/>
-                          <a:cs typeface="Times New Roman"/>
-                        </a:rPr>
-                        <a:t>Plan to prevent</a:t>
-                      </a:r>
-                    </a:p>
-                  </a:txBody>
-                  <a:tcPr marL="68580" marR="68580" marT="0" marB="0" anchor="ctr">
-                    <a:lnL w="12700" cap="flat" cmpd="sng" algn="ctr">
-                      <a:solidFill>
-                        <a:srgbClr val="000000"/>
-                      </a:solidFill>
-                      <a:prstDash val="solid"/>
-                      <a:round/>
-                      <a:headEnd type="none" w="med" len="med"/>
-                      <a:tailEnd type="none" w="med" len="med"/>
-                    </a:lnL>
-                    <a:lnR w="12700" cap="flat" cmpd="sng" algn="ctr">
-                      <a:solidFill>
-                        <a:srgbClr val="000000"/>
-                      </a:solidFill>
-                      <a:prstDash val="solid"/>
-                      <a:round/>
-                      <a:headEnd type="none" w="med" len="med"/>
-                      <a:tailEnd type="none" w="med" len="med"/>
-                    </a:lnR>
-                    <a:lnT w="12700" cap="flat" cmpd="sng" algn="ctr">
-                      <a:solidFill>
-                        <a:srgbClr val="000000"/>
-                      </a:solidFill>
-                      <a:prstDash val="solid"/>
-                      <a:round/>
-                      <a:headEnd type="none" w="med" len="med"/>
-                      <a:tailEnd type="none" w="med" len="med"/>
-                    </a:lnT>
-                    <a:lnB w="12700" cap="flat" cmpd="sng" algn="ctr">
-                      <a:solidFill>
-                        <a:srgbClr val="000000"/>
-                      </a:solidFill>
-                      <a:prstDash val="solid"/>
-                      <a:round/>
-                      <a:headEnd type="none" w="med" len="med"/>
-                      <a:tailEnd type="none" w="med" len="med"/>
-                    </a:lnB>
-                  </a:tcPr>
-                </a:tc>
-              </a:tr>
-              <a:tr h="0">
-                <a:tc>
-                  <a:txBody>
-                    <a:bodyPr/>
-                    <a:lstStyle/>
-                    <a:p>
-                      <a:pPr marL="342900" marR="0" lvl="0" indent="-342900" algn="ctr">
-                        <a:lnSpc>
-                          <a:spcPct val="200000"/>
-                        </a:lnSpc>
-                        <a:spcBef>
-                          <a:spcPts val="0"/>
-                        </a:spcBef>
-                        <a:spcAft>
-                          <a:spcPts val="0"/>
-                        </a:spcAft>
-                        <a:buFont typeface="+mj-lt"/>
-                        <a:buNone/>
-                      </a:pPr>
-                      <a:r>
-                        <a:rPr lang="en-US" sz="1100" dirty="0">
-                          <a:latin typeface="Times New Roman"/>
-                          <a:ea typeface="Eurostile"/>
-                          <a:cs typeface="Times New Roman"/>
-                        </a:rPr>
-                        <a:t>Data entered incorrectly</a:t>
-                      </a:r>
-                    </a:p>
-                  </a:txBody>
-                  <a:tcPr marL="68580" marR="68580" marT="0" marB="0" anchor="ctr">
-                    <a:lnL w="12700" cap="flat" cmpd="sng" algn="ctr">
-                      <a:solidFill>
-                        <a:srgbClr val="000000"/>
-                      </a:solidFill>
-                      <a:prstDash val="solid"/>
-                      <a:round/>
-                      <a:headEnd type="none" w="med" len="med"/>
-                      <a:tailEnd type="none" w="med" len="med"/>
-                    </a:lnL>
-                    <a:lnR w="12700" cap="flat" cmpd="sng" algn="ctr">
-                      <a:solidFill>
-                        <a:srgbClr val="000000"/>
-                      </a:solidFill>
-                      <a:prstDash val="solid"/>
-                      <a:round/>
-                      <a:headEnd type="none" w="med" len="med"/>
-                      <a:tailEnd type="none" w="med" len="med"/>
-                    </a:lnR>
-                    <a:lnT w="12700" cap="flat" cmpd="sng" algn="ctr">
-                      <a:solidFill>
-                        <a:srgbClr val="000000"/>
-                      </a:solidFill>
-                      <a:prstDash val="solid"/>
-                      <a:round/>
-                      <a:headEnd type="none" w="med" len="med"/>
-                      <a:tailEnd type="none" w="med" len="med"/>
-                    </a:lnT>
-                    <a:lnB w="12700" cap="flat" cmpd="sng" algn="ctr">
-                      <a:solidFill>
-                        <a:srgbClr val="000000"/>
-                      </a:solidFill>
-                      <a:prstDash val="solid"/>
-                      <a:round/>
-                      <a:headEnd type="none" w="med" len="med"/>
-                      <a:tailEnd type="none" w="med" len="med"/>
-                    </a:lnB>
-                  </a:tcPr>
-                </a:tc>
-                <a:tc>
-                  <a:txBody>
-                    <a:bodyPr/>
-                    <a:lstStyle/>
-                    <a:p>
-                      <a:pPr marL="0" marR="0" indent="0" algn="ctr">
-                        <a:lnSpc>
-                          <a:spcPct val="200000"/>
-                        </a:lnSpc>
-                        <a:spcBef>
-                          <a:spcPts val="0"/>
-                        </a:spcBef>
-                        <a:spcAft>
-                          <a:spcPts val="0"/>
-                        </a:spcAft>
-                      </a:pPr>
-                      <a:r>
-                        <a:rPr lang="en-US" sz="1100">
-                          <a:latin typeface="Times New Roman"/>
-                          <a:ea typeface="Eurostile"/>
-                          <a:cs typeface="Times New Roman"/>
-                        </a:rPr>
-                        <a:t>High</a:t>
-                      </a:r>
-                    </a:p>
-                  </a:txBody>
-                  <a:tcPr marL="68580" marR="68580" marT="0" marB="0" anchor="ctr">
-                    <a:lnL w="12700" cap="flat" cmpd="sng" algn="ctr">
-                      <a:solidFill>
-                        <a:srgbClr val="000000"/>
-                      </a:solidFill>
-                      <a:prstDash val="solid"/>
-                      <a:round/>
-                      <a:headEnd type="none" w="med" len="med"/>
-                      <a:tailEnd type="none" w="med" len="med"/>
-                    </a:lnL>
-                    <a:lnR w="12700" cap="flat" cmpd="sng" algn="ctr">
-                      <a:solidFill>
-                        <a:srgbClr val="000000"/>
-                      </a:solidFill>
-                      <a:prstDash val="solid"/>
-                      <a:round/>
-                      <a:headEnd type="none" w="med" len="med"/>
-                      <a:tailEnd type="none" w="med" len="med"/>
-                    </a:lnR>
-                    <a:lnT w="12700" cap="flat" cmpd="sng" algn="ctr">
-                      <a:solidFill>
-                        <a:srgbClr val="000000"/>
-                      </a:solidFill>
-                      <a:prstDash val="solid"/>
-                      <a:round/>
-                      <a:headEnd type="none" w="med" len="med"/>
-                      <a:tailEnd type="none" w="med" len="med"/>
-                    </a:lnT>
-                    <a:lnB w="12700" cap="flat" cmpd="sng" algn="ctr">
-                      <a:solidFill>
-                        <a:srgbClr val="000000"/>
-                      </a:solidFill>
-                      <a:prstDash val="solid"/>
-                      <a:round/>
-                      <a:headEnd type="none" w="med" len="med"/>
-                      <a:tailEnd type="none" w="med" len="med"/>
-                    </a:lnB>
-                  </a:tcPr>
-                </a:tc>
-                <a:tc>
-                  <a:txBody>
-                    <a:bodyPr/>
-                    <a:lstStyle/>
-                    <a:p>
-                      <a:pPr marL="0" marR="0" indent="0" algn="ctr">
-                        <a:lnSpc>
-                          <a:spcPct val="200000"/>
-                        </a:lnSpc>
-                        <a:spcBef>
-                          <a:spcPts val="0"/>
-                        </a:spcBef>
-                        <a:spcAft>
-                          <a:spcPts val="0"/>
-                        </a:spcAft>
-                      </a:pPr>
-                      <a:r>
-                        <a:rPr lang="en-US" sz="1100" dirty="0">
-                          <a:latin typeface="Times New Roman"/>
-                          <a:ea typeface="Eurostile"/>
-                          <a:cs typeface="Times New Roman"/>
-                        </a:rPr>
-                        <a:t>Low</a:t>
-                      </a:r>
-                    </a:p>
-                  </a:txBody>
-                  <a:tcPr marL="68580" marR="68580" marT="0" marB="0" anchor="ctr">
-                    <a:lnL w="12700" cap="flat" cmpd="sng" algn="ctr">
-                      <a:solidFill>
-                        <a:srgbClr val="000000"/>
-                      </a:solidFill>
-                      <a:prstDash val="solid"/>
-                      <a:round/>
-                      <a:headEnd type="none" w="med" len="med"/>
-                      <a:tailEnd type="none" w="med" len="med"/>
-                    </a:lnL>
-                    <a:lnR w="12700" cap="flat" cmpd="sng" algn="ctr">
-                      <a:solidFill>
-                        <a:srgbClr val="000000"/>
-                      </a:solidFill>
-                      <a:prstDash val="solid"/>
-                      <a:round/>
-                      <a:headEnd type="none" w="med" len="med"/>
-                      <a:tailEnd type="none" w="med" len="med"/>
-                    </a:lnR>
-                    <a:lnT w="12700" cap="flat" cmpd="sng" algn="ctr">
-                      <a:solidFill>
-                        <a:srgbClr val="000000"/>
-                      </a:solidFill>
-                      <a:prstDash val="solid"/>
-                      <a:round/>
-                      <a:headEnd type="none" w="med" len="med"/>
-                      <a:tailEnd type="none" w="med" len="med"/>
-                    </a:lnT>
-                    <a:lnB w="12700" cap="flat" cmpd="sng" algn="ctr">
-                      <a:solidFill>
-                        <a:srgbClr val="000000"/>
-                      </a:solidFill>
-                      <a:prstDash val="solid"/>
-                      <a:round/>
-                      <a:headEnd type="none" w="med" len="med"/>
-                      <a:tailEnd type="none" w="med" len="med"/>
-                    </a:lnB>
-                  </a:tcPr>
-                </a:tc>
-                <a:tc>
-                  <a:txBody>
-                    <a:bodyPr/>
-                    <a:lstStyle/>
-                    <a:p>
-                      <a:pPr marL="0" marR="0" indent="0">
-                        <a:lnSpc>
-                          <a:spcPct val="200000"/>
-                        </a:lnSpc>
-                        <a:spcBef>
-                          <a:spcPts val="0"/>
-                        </a:spcBef>
-                        <a:spcAft>
-                          <a:spcPts val="0"/>
-                        </a:spcAft>
-                      </a:pPr>
-                      <a:endParaRPr lang="en-US" sz="1100" dirty="0">
-                        <a:latin typeface="Times New Roman"/>
-                        <a:ea typeface="Eurostile"/>
-                        <a:cs typeface="Times New Roman"/>
-                      </a:endParaRPr>
-                    </a:p>
-                  </a:txBody>
-                  <a:tcPr marL="68580" marR="68580" marT="0" marB="0" anchor="ctr">
-                    <a:lnL w="12700" cap="flat" cmpd="sng" algn="ctr">
-                      <a:solidFill>
-                        <a:srgbClr val="000000"/>
-                      </a:solidFill>
-                      <a:prstDash val="solid"/>
-                      <a:round/>
-                      <a:headEnd type="none" w="med" len="med"/>
-                      <a:tailEnd type="none" w="med" len="med"/>
-                    </a:lnL>
-                    <a:lnR w="12700" cap="flat" cmpd="sng" algn="ctr">
-                      <a:solidFill>
-                        <a:srgbClr val="000000"/>
-                      </a:solidFill>
-                      <a:prstDash val="solid"/>
-                      <a:round/>
-                      <a:headEnd type="none" w="med" len="med"/>
-                      <a:tailEnd type="none" w="med" len="med"/>
-                    </a:lnR>
-                    <a:lnT w="12700" cap="flat" cmpd="sng" algn="ctr">
-                      <a:solidFill>
-                        <a:srgbClr val="000000"/>
-                      </a:solidFill>
-                      <a:prstDash val="solid"/>
-                      <a:round/>
-                      <a:headEnd type="none" w="med" len="med"/>
-                      <a:tailEnd type="none" w="med" len="med"/>
-                    </a:lnT>
-                    <a:lnB w="12700" cap="flat" cmpd="sng" algn="ctr">
-                      <a:solidFill>
-                        <a:srgbClr val="000000"/>
-                      </a:solidFill>
-                      <a:prstDash val="solid"/>
-                      <a:round/>
-                      <a:headEnd type="none" w="med" len="med"/>
-                      <a:tailEnd type="none" w="med" len="med"/>
-                    </a:lnB>
-                  </a:tcPr>
-                </a:tc>
-              </a:tr>
-              <a:tr h="0">
-                <a:tc>
-                  <a:txBody>
-                    <a:bodyPr/>
-                    <a:lstStyle/>
-                    <a:p>
-                      <a:pPr marL="342900" marR="0" lvl="0" indent="-342900" algn="ctr">
-                        <a:lnSpc>
-                          <a:spcPct val="200000"/>
-                        </a:lnSpc>
-                        <a:spcBef>
-                          <a:spcPts val="0"/>
-                        </a:spcBef>
-                        <a:spcAft>
-                          <a:spcPts val="0"/>
-                        </a:spcAft>
-                        <a:buFont typeface="+mj-lt"/>
-                        <a:buNone/>
-                      </a:pPr>
-                      <a:r>
-                        <a:rPr lang="en-US" sz="1100" dirty="0">
-                          <a:latin typeface="Times New Roman"/>
-                          <a:ea typeface="Eurostile"/>
-                          <a:cs typeface="Times New Roman"/>
-                        </a:rPr>
-                        <a:t>Kid names not deleted when sent to </a:t>
-                      </a:r>
-                      <a:r>
-                        <a:rPr lang="en-US" sz="1100" dirty="0" smtClean="0">
-                          <a:latin typeface="Times New Roman"/>
-                          <a:ea typeface="Eurostile"/>
-                          <a:cs typeface="Times New Roman"/>
-                        </a:rPr>
-                        <a:t>state</a:t>
-                      </a:r>
-                    </a:p>
-                    <a:p>
-                      <a:pPr marL="342900" marR="0" lvl="0" indent="-342900" algn="ctr">
-                        <a:lnSpc>
-                          <a:spcPct val="200000"/>
-                        </a:lnSpc>
-                        <a:spcBef>
-                          <a:spcPts val="0"/>
-                        </a:spcBef>
-                        <a:spcAft>
-                          <a:spcPts val="0"/>
-                        </a:spcAft>
-                        <a:buFont typeface="+mj-lt"/>
-                        <a:buNone/>
-                      </a:pPr>
-                      <a:r>
-                        <a:rPr lang="en-US" sz="1100" dirty="0" smtClean="0">
-                          <a:latin typeface="Times New Roman"/>
-                          <a:ea typeface="Eurostile"/>
-                          <a:cs typeface="Times New Roman"/>
-                        </a:rPr>
-                        <a:t>kid </a:t>
-                      </a:r>
-                      <a:r>
-                        <a:rPr lang="en-US" sz="1100" dirty="0">
-                          <a:latin typeface="Times New Roman"/>
-                          <a:ea typeface="Eurostile"/>
-                          <a:cs typeface="Times New Roman"/>
-                        </a:rPr>
-                        <a:t>check.</a:t>
-                      </a:r>
-                    </a:p>
-                  </a:txBody>
-                  <a:tcPr marL="68580" marR="68580" marT="0" marB="0" anchor="ctr">
-                    <a:lnL w="12700" cap="flat" cmpd="sng" algn="ctr">
-                      <a:solidFill>
-                        <a:srgbClr val="000000"/>
-                      </a:solidFill>
-                      <a:prstDash val="solid"/>
-                      <a:round/>
-                      <a:headEnd type="none" w="med" len="med"/>
-                      <a:tailEnd type="none" w="med" len="med"/>
-                    </a:lnL>
-                    <a:lnR w="12700" cap="flat" cmpd="sng" algn="ctr">
-                      <a:solidFill>
-                        <a:srgbClr val="000000"/>
-                      </a:solidFill>
-                      <a:prstDash val="solid"/>
-                      <a:round/>
-                      <a:headEnd type="none" w="med" len="med"/>
-                      <a:tailEnd type="none" w="med" len="med"/>
-                    </a:lnR>
-                    <a:lnT w="12700" cap="flat" cmpd="sng" algn="ctr">
-                      <a:solidFill>
-                        <a:srgbClr val="000000"/>
-                      </a:solidFill>
-                      <a:prstDash val="solid"/>
-                      <a:round/>
-                      <a:headEnd type="none" w="med" len="med"/>
-                      <a:tailEnd type="none" w="med" len="med"/>
-                    </a:lnT>
-                    <a:lnB w="12700" cap="flat" cmpd="sng" algn="ctr">
-                      <a:solidFill>
-                        <a:srgbClr val="000000"/>
-                      </a:solidFill>
-                      <a:prstDash val="solid"/>
-                      <a:round/>
-                      <a:headEnd type="none" w="med" len="med"/>
-                      <a:tailEnd type="none" w="med" len="med"/>
-                    </a:lnB>
-                  </a:tcPr>
-                </a:tc>
-                <a:tc>
-                  <a:txBody>
-                    <a:bodyPr/>
-                    <a:lstStyle/>
-                    <a:p>
-                      <a:pPr marL="0" marR="0" indent="0" algn="ctr">
-                        <a:lnSpc>
-                          <a:spcPct val="200000"/>
-                        </a:lnSpc>
-                        <a:spcBef>
-                          <a:spcPts val="0"/>
-                        </a:spcBef>
-                        <a:spcAft>
-                          <a:spcPts val="0"/>
-                        </a:spcAft>
-                      </a:pPr>
-                      <a:r>
-                        <a:rPr lang="en-US" sz="1100">
-                          <a:latin typeface="Times New Roman"/>
-                          <a:ea typeface="Eurostile"/>
-                          <a:cs typeface="Times New Roman"/>
-                        </a:rPr>
-                        <a:t>High</a:t>
-                      </a:r>
-                    </a:p>
-                  </a:txBody>
-                  <a:tcPr marL="68580" marR="68580" marT="0" marB="0" anchor="ctr">
-                    <a:lnL w="12700" cap="flat" cmpd="sng" algn="ctr">
-                      <a:solidFill>
-                        <a:srgbClr val="000000"/>
-                      </a:solidFill>
-                      <a:prstDash val="solid"/>
-                      <a:round/>
-                      <a:headEnd type="none" w="med" len="med"/>
-                      <a:tailEnd type="none" w="med" len="med"/>
-                    </a:lnL>
-                    <a:lnR w="12700" cap="flat" cmpd="sng" algn="ctr">
-                      <a:solidFill>
-                        <a:srgbClr val="000000"/>
-                      </a:solidFill>
-                      <a:prstDash val="solid"/>
-                      <a:round/>
-                      <a:headEnd type="none" w="med" len="med"/>
-                      <a:tailEnd type="none" w="med" len="med"/>
-                    </a:lnR>
-                    <a:lnT w="12700" cap="flat" cmpd="sng" algn="ctr">
-                      <a:solidFill>
-                        <a:srgbClr val="000000"/>
-                      </a:solidFill>
-                      <a:prstDash val="solid"/>
-                      <a:round/>
-                      <a:headEnd type="none" w="med" len="med"/>
-                      <a:tailEnd type="none" w="med" len="med"/>
-                    </a:lnT>
-                    <a:lnB w="12700" cap="flat" cmpd="sng" algn="ctr">
-                      <a:solidFill>
-                        <a:srgbClr val="000000"/>
-                      </a:solidFill>
-                      <a:prstDash val="solid"/>
-                      <a:round/>
-                      <a:headEnd type="none" w="med" len="med"/>
-                      <a:tailEnd type="none" w="med" len="med"/>
-                    </a:lnB>
-                  </a:tcPr>
-                </a:tc>
-                <a:tc>
-                  <a:txBody>
-                    <a:bodyPr/>
-                    <a:lstStyle/>
-                    <a:p>
-                      <a:pPr marL="0" marR="0" indent="0" algn="ctr">
-                        <a:lnSpc>
-                          <a:spcPct val="200000"/>
-                        </a:lnSpc>
-                        <a:spcBef>
-                          <a:spcPts val="0"/>
-                        </a:spcBef>
-                        <a:spcAft>
-                          <a:spcPts val="0"/>
-                        </a:spcAft>
-                      </a:pPr>
-                      <a:r>
-                        <a:rPr lang="en-US" sz="1100">
-                          <a:latin typeface="Times New Roman"/>
-                          <a:ea typeface="Eurostile"/>
-                          <a:cs typeface="Times New Roman"/>
-                        </a:rPr>
-                        <a:t>Low</a:t>
-                      </a:r>
-                    </a:p>
-                  </a:txBody>
-                  <a:tcPr marL="68580" marR="68580" marT="0" marB="0" anchor="ctr">
-                    <a:lnL w="12700" cap="flat" cmpd="sng" algn="ctr">
-                      <a:solidFill>
-                        <a:srgbClr val="000000"/>
-                      </a:solidFill>
-                      <a:prstDash val="solid"/>
-                      <a:round/>
-                      <a:headEnd type="none" w="med" len="med"/>
-                      <a:tailEnd type="none" w="med" len="med"/>
-                    </a:lnL>
-                    <a:lnR w="12700" cap="flat" cmpd="sng" algn="ctr">
-                      <a:solidFill>
-                        <a:srgbClr val="000000"/>
-                      </a:solidFill>
-                      <a:prstDash val="solid"/>
-                      <a:round/>
-                      <a:headEnd type="none" w="med" len="med"/>
-                      <a:tailEnd type="none" w="med" len="med"/>
-                    </a:lnR>
-                    <a:lnT w="12700" cap="flat" cmpd="sng" algn="ctr">
-                      <a:solidFill>
-                        <a:srgbClr val="000000"/>
-                      </a:solidFill>
-                      <a:prstDash val="solid"/>
-                      <a:round/>
-                      <a:headEnd type="none" w="med" len="med"/>
-                      <a:tailEnd type="none" w="med" len="med"/>
-                    </a:lnT>
-                    <a:lnB w="12700" cap="flat" cmpd="sng" algn="ctr">
-                      <a:solidFill>
-                        <a:srgbClr val="000000"/>
-                      </a:solidFill>
-                      <a:prstDash val="solid"/>
-                      <a:round/>
-                      <a:headEnd type="none" w="med" len="med"/>
-                      <a:tailEnd type="none" w="med" len="med"/>
-                    </a:lnB>
-                  </a:tcPr>
-                </a:tc>
-                <a:tc>
-                  <a:txBody>
-                    <a:bodyPr/>
-                    <a:lstStyle/>
-                    <a:p>
-                      <a:pPr marL="0" marR="0" indent="0" algn="ctr">
-                        <a:lnSpc>
-                          <a:spcPct val="200000"/>
-                        </a:lnSpc>
-                        <a:spcBef>
-                          <a:spcPts val="0"/>
-                        </a:spcBef>
-                        <a:spcAft>
-                          <a:spcPts val="0"/>
-                        </a:spcAft>
-                      </a:pPr>
-                      <a:r>
-                        <a:rPr lang="en-US" sz="1100" dirty="0">
-                          <a:latin typeface="Times New Roman"/>
-                          <a:ea typeface="Eurostile"/>
-                          <a:cs typeface="Times New Roman"/>
-                        </a:rPr>
-                        <a:t>Create temporary database to store kids’ names and unique ids. Use the ids to connect kids to their data for parent letters.</a:t>
-                      </a:r>
-                    </a:p>
-                  </a:txBody>
-                  <a:tcPr marL="68580" marR="68580" marT="0" marB="0" anchor="ctr">
-                    <a:lnL w="12700" cap="flat" cmpd="sng" algn="ctr">
-                      <a:solidFill>
-                        <a:srgbClr val="000000"/>
-                      </a:solidFill>
-                      <a:prstDash val="solid"/>
-                      <a:round/>
-                      <a:headEnd type="none" w="med" len="med"/>
-                      <a:tailEnd type="none" w="med" len="med"/>
-                    </a:lnL>
-                    <a:lnR w="12700" cap="flat" cmpd="sng" algn="ctr">
-                      <a:solidFill>
-                        <a:srgbClr val="000000"/>
-                      </a:solidFill>
-                      <a:prstDash val="solid"/>
-                      <a:round/>
-                      <a:headEnd type="none" w="med" len="med"/>
-                      <a:tailEnd type="none" w="med" len="med"/>
-                    </a:lnR>
-                    <a:lnT w="12700" cap="flat" cmpd="sng" algn="ctr">
-                      <a:solidFill>
-                        <a:srgbClr val="000000"/>
-                      </a:solidFill>
-                      <a:prstDash val="solid"/>
-                      <a:round/>
-                      <a:headEnd type="none" w="med" len="med"/>
-                      <a:tailEnd type="none" w="med" len="med"/>
-                    </a:lnT>
-                    <a:lnB w="12700" cap="flat" cmpd="sng" algn="ctr">
-                      <a:solidFill>
-                        <a:srgbClr val="000000"/>
-                      </a:solidFill>
-                      <a:prstDash val="solid"/>
-                      <a:round/>
-                      <a:headEnd type="none" w="med" len="med"/>
-                      <a:tailEnd type="none" w="med" len="med"/>
-                    </a:lnB>
-                  </a:tcPr>
-                </a:tc>
-              </a:tr>
-            </a:tbl>
-          </a:graphicData>
-        </a:graphic>
-      </p:graphicFrame>
-    </p:spTree>
-  </p:cSld>
-  <p:clrMapOvr>
-    <a:masterClrMapping/>
-  </p:clrMapOvr>
-</p:sld>
-</file>
-
 <file path=ppt/slides/slide8.xml><?xml version="1.0" encoding="utf-8"?>
 <p:sld xmlns:a="http://schemas.openxmlformats.org/drawingml/2006/main" xmlns:r="http://schemas.openxmlformats.org/officeDocument/2006/relationships" xmlns:p="http://schemas.openxmlformats.org/presentationml/2006/main">
   <p:cSld>
@@ -4386,7 +3778,7 @@
           <a:p>
             <a:r>
               <a:rPr lang="en-US" dirty="0" smtClean="0"/>
-              <a:t>Test Plan</a:t>
+              <a:t>Plan for Future Cycles</a:t>
             </a:r>
             <a:endParaRPr lang="en-US" dirty="0"/>
           </a:p>
@@ -4407,7 +3799,28 @@
           <a:bodyPr/>
           <a:lstStyle/>
           <a:p>
-            <a:endParaRPr lang="en-US"/>
+            <a:r>
+              <a:rPr lang="en-US" dirty="0" smtClean="0"/>
+              <a:t>Station functionality</a:t>
+            </a:r>
+          </a:p>
+          <a:p>
+            <a:r>
+              <a:rPr lang="en-US" dirty="0" smtClean="0"/>
+              <a:t>Update GUI</a:t>
+            </a:r>
+          </a:p>
+          <a:p>
+            <a:r>
+              <a:rPr lang="en-US" dirty="0" smtClean="0"/>
+              <a:t>Be able to generate reports</a:t>
+            </a:r>
+          </a:p>
+          <a:p>
+            <a:r>
+              <a:rPr lang="en-US" dirty="0" smtClean="0"/>
+              <a:t>Be able to export data</a:t>
+            </a:r>
           </a:p>
         </p:txBody>
       </p:sp>

--- a/tigercheck Architectural Spike presentation.pptx
+++ b/tigercheck Architectural Spike presentation.pptx
@@ -2,7 +2,7 @@
 <file path=ppt/presentation.xml><?xml version="1.0" encoding="utf-8"?>
 <p:presentation xmlns:a="http://schemas.openxmlformats.org/drawingml/2006/main" xmlns:r="http://schemas.openxmlformats.org/officeDocument/2006/relationships" xmlns:p="http://schemas.openxmlformats.org/presentationml/2006/main" saveSubsetFonts="1">
   <p:sldMasterIdLst>
-    <p:sldMasterId id="2147483648" r:id="rId1"/>
+    <p:sldMasterId id="2147483660" r:id="rId1"/>
   </p:sldMasterIdLst>
   <p:sldIdLst>
     <p:sldId id="256" r:id="rId2"/>
@@ -115,8 +115,13 @@
 </file>
 
 <file path=ppt/slideLayouts/slideLayout1.xml><?xml version="1.0" encoding="utf-8"?>
-<p:sldLayout xmlns:a="http://schemas.openxmlformats.org/drawingml/2006/main" xmlns:r="http://schemas.openxmlformats.org/officeDocument/2006/relationships" xmlns:p="http://schemas.openxmlformats.org/presentationml/2006/main" type="title" preserve="1">
+<p:sldLayout xmlns:a="http://schemas.openxmlformats.org/drawingml/2006/main" xmlns:r="http://schemas.openxmlformats.org/officeDocument/2006/relationships" xmlns:p="http://schemas.openxmlformats.org/presentationml/2006/main" showMasterSp="0" type="title" preserve="1">
   <p:cSld name="Title Slide">
+    <p:bg>
+      <p:bgRef idx="1002">
+        <a:schemeClr val="bg2"/>
+      </p:bgRef>
+    </p:bg>
     <p:spTree>
       <p:nvGrpSpPr>
         <p:cNvPr id="1" name=""/>
@@ -133,6 +138,53 @@
       </p:grpSpPr>
       <p:sp>
         <p:nvSpPr>
+          <p:cNvPr id="9" name="Rectangle 8"/>
+          <p:cNvSpPr/>
+          <p:nvPr/>
+        </p:nvSpPr>
+        <p:spPr bwMode="ltGray">
+          <a:xfrm>
+            <a:off x="0" y="0"/>
+            <a:ext cx="9143999" cy="5135430"/>
+          </a:xfrm>
+          <a:prstGeom prst="rect">
+            <a:avLst/>
+          </a:prstGeom>
+          <a:solidFill>
+            <a:srgbClr val="000000"/>
+          </a:solidFill>
+          <a:ln w="48000" cap="flat" cmpd="thickThin" algn="ctr">
+            <a:noFill/>
+            <a:prstDash val="solid"/>
+          </a:ln>
+        </p:spPr>
+        <p:style>
+          <a:lnRef idx="2">
+            <a:schemeClr val="accent1"/>
+          </a:lnRef>
+          <a:fillRef idx="1">
+            <a:schemeClr val="accent1"/>
+          </a:fillRef>
+          <a:effectRef idx="0">
+            <a:schemeClr val="accent1"/>
+          </a:effectRef>
+          <a:fontRef idx="minor">
+            <a:schemeClr val="lt1"/>
+          </a:fontRef>
+        </p:style>
+        <p:txBody>
+          <a:bodyPr rtlCol="0" anchor="ctr"/>
+          <a:lstStyle>
+            <a:extLst/>
+          </a:lstStyle>
+          <a:p>
+            <a:pPr algn="ctr" eaLnBrk="1" latinLnBrk="0" hangingPunct="1"/>
+            <a:endParaRPr kumimoji="0" lang="en-US"/>
+          </a:p>
+        </p:txBody>
+      </p:sp>
+      <p:sp>
+        <p:nvSpPr>
           <p:cNvPr id="2" name="Title 1"/>
           <p:cNvSpPr>
             <a:spLocks noGrp="1"/>
@@ -143,19 +195,35 @@
         </p:nvSpPr>
         <p:spPr>
           <a:xfrm>
-            <a:off x="685800" y="2130425"/>
-            <a:ext cx="7772400" cy="1470025"/>
+            <a:off x="685800" y="3355848"/>
+            <a:ext cx="8077200" cy="1673352"/>
           </a:xfrm>
         </p:spPr>
         <p:txBody>
-          <a:bodyPr/>
-          <a:lstStyle/>
-          <a:p>
-            <a:r>
-              <a:rPr lang="en-US" smtClean="0"/>
+          <a:bodyPr vert="horz" lIns="91440" tIns="0" rIns="45720" bIns="0" rtlCol="0" anchor="t">
+            <a:normAutofit/>
+            <a:scene3d>
+              <a:camera prst="orthographicFront"/>
+              <a:lightRig rig="threePt" dir="t">
+                <a:rot lat="0" lon="0" rev="4800000"/>
+              </a:lightRig>
+            </a:scene3d>
+            <a:sp3d prstMaterial="matte">
+              <a:bevelT w="50800" h="10160"/>
+            </a:sp3d>
+          </a:bodyPr>
+          <a:lstStyle>
+            <a:lvl1pPr algn="l">
+              <a:defRPr sz="4700" b="1"/>
+            </a:lvl1pPr>
+            <a:extLst/>
+          </a:lstStyle>
+          <a:p>
+            <a:r>
+              <a:rPr kumimoji="0" lang="en-US" smtClean="0"/>
               <a:t>Click to edit Master title style</a:t>
             </a:r>
-            <a:endParaRPr lang="en-US"/>
+            <a:endParaRPr kumimoji="0" lang="en-US"/>
           </a:p>
         </p:txBody>
       </p:sp>
@@ -171,20 +239,18 @@
         </p:nvSpPr>
         <p:spPr>
           <a:xfrm>
-            <a:off x="1371600" y="3886200"/>
-            <a:ext cx="6400800" cy="1752600"/>
+            <a:off x="685800" y="1828800"/>
+            <a:ext cx="8077200" cy="1499616"/>
           </a:xfrm>
         </p:spPr>
         <p:txBody>
-          <a:bodyPr/>
+          <a:bodyPr lIns="118872" tIns="0" rIns="45720" bIns="0" anchor="b"/>
           <a:lstStyle>
-            <a:lvl1pPr marL="0" indent="0" algn="ctr">
-              <a:buNone/>
-              <a:defRPr>
+            <a:lvl1pPr marL="0" indent="0" algn="l">
+              <a:buNone/>
+              <a:defRPr sz="2000">
                 <a:solidFill>
-                  <a:schemeClr val="tx1">
-                    <a:tint val="75000"/>
-                  </a:schemeClr>
+                  <a:srgbClr val="FFFFFF"/>
                 </a:solidFill>
               </a:defRPr>
             </a:lvl1pPr>
@@ -268,13 +334,14 @@
                 </a:solidFill>
               </a:defRPr>
             </a:lvl9pPr>
+            <a:extLst/>
           </a:lstStyle>
           <a:p>
             <a:r>
-              <a:rPr lang="en-US" smtClean="0"/>
+              <a:rPr kumimoji="0" lang="en-US" smtClean="0"/>
               <a:t>Click to edit Master subtitle style</a:t>
             </a:r>
-            <a:endParaRPr lang="en-US"/>
+            <a:endParaRPr kumimoji="0" lang="en-US"/>
           </a:p>
         </p:txBody>
       </p:sp>
@@ -345,10 +412,64 @@
           </a:p>
         </p:txBody>
       </p:sp>
+      <p:sp>
+        <p:nvSpPr>
+          <p:cNvPr id="10" name="Rectangle 9"/>
+          <p:cNvSpPr/>
+          <p:nvPr/>
+        </p:nvSpPr>
+        <p:spPr bwMode="invGray">
+          <a:xfrm>
+            <a:off x="0" y="5128334"/>
+            <a:ext cx="9144000" cy="45720"/>
+          </a:xfrm>
+          <a:prstGeom prst="rect">
+            <a:avLst/>
+          </a:prstGeom>
+          <a:solidFill>
+            <a:srgbClr val="FFFFFF"/>
+          </a:solidFill>
+          <a:ln w="48000" cap="flat" cmpd="thickThin" algn="ctr">
+            <a:noFill/>
+            <a:prstDash val="solid"/>
+          </a:ln>
+          <a:effectLst>
+            <a:outerShdw blurRad="31750" dist="10160" dir="5400000" algn="tl" rotWithShape="0">
+              <a:srgbClr val="000000">
+                <a:alpha val="60000"/>
+              </a:srgbClr>
+            </a:outerShdw>
+          </a:effectLst>
+        </p:spPr>
+        <p:style>
+          <a:lnRef idx="2">
+            <a:schemeClr val="accent1"/>
+          </a:lnRef>
+          <a:fillRef idx="1">
+            <a:schemeClr val="accent1"/>
+          </a:fillRef>
+          <a:effectRef idx="0">
+            <a:schemeClr val="accent1"/>
+          </a:effectRef>
+          <a:fontRef idx="minor">
+            <a:schemeClr val="lt1"/>
+          </a:fontRef>
+        </p:style>
+        <p:txBody>
+          <a:bodyPr rtlCol="0" anchor="ctr"/>
+          <a:lstStyle>
+            <a:extLst/>
+          </a:lstStyle>
+          <a:p>
+            <a:pPr algn="ctr" eaLnBrk="1" latinLnBrk="0" hangingPunct="1"/>
+            <a:endParaRPr kumimoji="0" lang="en-US"/>
+          </a:p>
+        </p:txBody>
+      </p:sp>
     </p:spTree>
   </p:cSld>
   <p:clrMapOvr>
-    <a:masterClrMapping/>
+    <a:overrideClrMapping bg1="dk1" tx1="lt1" bg2="dk2" tx2="lt2" accent1="accent1" accent2="accent2" accent3="accent3" accent4="accent4" accent5="accent5" accent6="accent6" hlink="hlink" folHlink="folHlink"/>
   </p:clrMapOvr>
 </p:sldLayout>
 </file>
@@ -383,13 +504,15 @@
         <p:spPr/>
         <p:txBody>
           <a:bodyPr/>
-          <a:lstStyle/>
-          <a:p>
-            <a:r>
-              <a:rPr lang="en-US" smtClean="0"/>
+          <a:lstStyle>
+            <a:extLst/>
+          </a:lstStyle>
+          <a:p>
+            <a:r>
+              <a:rPr kumimoji="0" lang="en-US" smtClean="0"/>
               <a:t>Click to edit Master title style</a:t>
             </a:r>
-            <a:endParaRPr lang="en-US"/>
+            <a:endParaRPr kumimoji="0" lang="en-US"/>
           </a:p>
         </p:txBody>
       </p:sp>
@@ -406,42 +529,44 @@
         <p:spPr/>
         <p:txBody>
           <a:bodyPr vert="eaVert"/>
-          <a:lstStyle/>
-          <a:p>
-            <a:pPr lvl="0"/>
+          <a:lstStyle>
+            <a:extLst/>
+          </a:lstStyle>
+          <a:p>
+            <a:pPr lvl="0" eaLnBrk="1" latinLnBrk="0" hangingPunct="1"/>
             <a:r>
               <a:rPr lang="en-US" smtClean="0"/>
               <a:t>Click to edit Master text styles</a:t>
             </a:r>
           </a:p>
           <a:p>
-            <a:pPr lvl="1"/>
+            <a:pPr lvl="1" eaLnBrk="1" latinLnBrk="0" hangingPunct="1"/>
             <a:r>
               <a:rPr lang="en-US" smtClean="0"/>
               <a:t>Second level</a:t>
             </a:r>
           </a:p>
           <a:p>
-            <a:pPr lvl="2"/>
+            <a:pPr lvl="2" eaLnBrk="1" latinLnBrk="0" hangingPunct="1"/>
             <a:r>
               <a:rPr lang="en-US" smtClean="0"/>
               <a:t>Third level</a:t>
             </a:r>
           </a:p>
           <a:p>
-            <a:pPr lvl="3"/>
+            <a:pPr lvl="3" eaLnBrk="1" latinLnBrk="0" hangingPunct="1"/>
             <a:r>
               <a:rPr lang="en-US" smtClean="0"/>
               <a:t>Fourth level</a:t>
             </a:r>
           </a:p>
           <a:p>
-            <a:pPr lvl="4"/>
+            <a:pPr lvl="4" eaLnBrk="1" latinLnBrk="0" hangingPunct="1"/>
             <a:r>
               <a:rPr lang="en-US" smtClean="0"/>
               <a:t>Fifth level</a:t>
             </a:r>
-            <a:endParaRPr lang="en-US"/>
+            <a:endParaRPr kumimoji="0" lang="en-US"/>
           </a:p>
         </p:txBody>
       </p:sp>
@@ -521,7 +646,7 @@
 </file>
 
 <file path=ppt/slideLayouts/slideLayout11.xml><?xml version="1.0" encoding="utf-8"?>
-<p:sldLayout xmlns:a="http://schemas.openxmlformats.org/drawingml/2006/main" xmlns:r="http://schemas.openxmlformats.org/officeDocument/2006/relationships" xmlns:p="http://schemas.openxmlformats.org/presentationml/2006/main" type="vertTitleAndTx" preserve="1">
+<p:sldLayout xmlns:a="http://schemas.openxmlformats.org/drawingml/2006/main" xmlns:r="http://schemas.openxmlformats.org/officeDocument/2006/relationships" xmlns:p="http://schemas.openxmlformats.org/presentationml/2006/main" showMasterSp="0" type="vertTitleAndTx" preserve="1">
   <p:cSld name="Vertical Title and Text">
     <p:spTree>
       <p:nvGrpSpPr>
@@ -539,6 +664,107 @@
       </p:grpSpPr>
       <p:sp>
         <p:nvSpPr>
+          <p:cNvPr id="9" name="Rectangle 8"/>
+          <p:cNvSpPr/>
+          <p:nvPr/>
+        </p:nvSpPr>
+        <p:spPr bwMode="invGray">
+          <a:xfrm>
+            <a:off x="6598920" y="0"/>
+            <a:ext cx="45720" cy="6858000"/>
+          </a:xfrm>
+          <a:prstGeom prst="rect">
+            <a:avLst/>
+          </a:prstGeom>
+          <a:solidFill>
+            <a:srgbClr val="FFFFFF"/>
+          </a:solidFill>
+          <a:ln w="48000" cap="flat" cmpd="thickThin" algn="ctr">
+            <a:noFill/>
+            <a:prstDash val="solid"/>
+          </a:ln>
+          <a:effectLst>
+            <a:outerShdw blurRad="31750" dist="10160" dir="10800000" algn="tl" rotWithShape="0">
+              <a:srgbClr val="000000">
+                <a:alpha val="60000"/>
+              </a:srgbClr>
+            </a:outerShdw>
+          </a:effectLst>
+        </p:spPr>
+        <p:style>
+          <a:lnRef idx="2">
+            <a:schemeClr val="accent1"/>
+          </a:lnRef>
+          <a:fillRef idx="1">
+            <a:schemeClr val="accent1"/>
+          </a:fillRef>
+          <a:effectRef idx="0">
+            <a:schemeClr val="accent1"/>
+          </a:effectRef>
+          <a:fontRef idx="minor">
+            <a:schemeClr val="lt1"/>
+          </a:fontRef>
+        </p:style>
+        <p:txBody>
+          <a:bodyPr rtlCol="0" anchor="ctr"/>
+          <a:lstStyle>
+            <a:extLst/>
+          </a:lstStyle>
+          <a:p>
+            <a:pPr algn="ctr" eaLnBrk="1" latinLnBrk="0" hangingPunct="1"/>
+            <a:endParaRPr kumimoji="0" lang="en-US"/>
+          </a:p>
+        </p:txBody>
+      </p:sp>
+      <p:sp>
+        <p:nvSpPr>
+          <p:cNvPr id="8" name="Rectangle 7"/>
+          <p:cNvSpPr/>
+          <p:nvPr/>
+        </p:nvSpPr>
+        <p:spPr bwMode="ltGray">
+          <a:xfrm>
+            <a:off x="6647687" y="0"/>
+            <a:ext cx="2514601" cy="6858000"/>
+          </a:xfrm>
+          <a:prstGeom prst="rect">
+            <a:avLst/>
+          </a:prstGeom>
+          <a:solidFill>
+            <a:srgbClr val="000000"/>
+          </a:solidFill>
+          <a:ln w="48000" cap="flat" cmpd="thickThin" algn="ctr">
+            <a:noFill/>
+            <a:prstDash val="solid"/>
+          </a:ln>
+        </p:spPr>
+        <p:style>
+          <a:lnRef idx="2">
+            <a:schemeClr val="accent1"/>
+          </a:lnRef>
+          <a:fillRef idx="1">
+            <a:schemeClr val="accent1"/>
+          </a:fillRef>
+          <a:effectRef idx="0">
+            <a:schemeClr val="accent1"/>
+          </a:effectRef>
+          <a:fontRef idx="minor">
+            <a:schemeClr val="lt1"/>
+          </a:fontRef>
+        </p:style>
+        <p:txBody>
+          <a:bodyPr rtlCol="0" anchor="ctr"/>
+          <a:lstStyle>
+            <a:extLst/>
+          </a:lstStyle>
+          <a:p>
+            <a:pPr algn="ctr" eaLnBrk="1" latinLnBrk="0" hangingPunct="1"/>
+            <a:endParaRPr kumimoji="0" lang="en-US"/>
+          </a:p>
+        </p:txBody>
+      </p:sp>
+      <p:sp>
+        <p:nvSpPr>
           <p:cNvPr id="2" name="Vertical Title 1"/>
           <p:cNvSpPr>
             <a:spLocks noGrp="1"/>
@@ -549,19 +775,21 @@
         </p:nvSpPr>
         <p:spPr>
           <a:xfrm>
-            <a:off x="6629400" y="274638"/>
-            <a:ext cx="2057400" cy="5851525"/>
+            <a:off x="6781800" y="274640"/>
+            <a:ext cx="1905000" cy="5851525"/>
           </a:xfrm>
         </p:spPr>
         <p:txBody>
           <a:bodyPr vert="eaVert"/>
-          <a:lstStyle/>
-          <a:p>
-            <a:r>
-              <a:rPr lang="en-US" smtClean="0"/>
+          <a:lstStyle>
+            <a:extLst/>
+          </a:lstStyle>
+          <a:p>
+            <a:r>
+              <a:rPr kumimoji="0" lang="en-US" smtClean="0"/>
               <a:t>Click to edit Master title style</a:t>
             </a:r>
-            <a:endParaRPr lang="en-US"/>
+            <a:endParaRPr kumimoji="0" lang="en-US"/>
           </a:p>
         </p:txBody>
       </p:sp>
@@ -577,48 +805,50 @@
         </p:nvSpPr>
         <p:spPr>
           <a:xfrm>
-            <a:off x="457200" y="274638"/>
+            <a:off x="457200" y="304800"/>
             <a:ext cx="6019800" cy="5851525"/>
           </a:xfrm>
         </p:spPr>
         <p:txBody>
           <a:bodyPr vert="eaVert"/>
-          <a:lstStyle/>
-          <a:p>
-            <a:pPr lvl="0"/>
+          <a:lstStyle>
+            <a:extLst/>
+          </a:lstStyle>
+          <a:p>
+            <a:pPr lvl="0" eaLnBrk="1" latinLnBrk="0" hangingPunct="1"/>
             <a:r>
               <a:rPr lang="en-US" smtClean="0"/>
               <a:t>Click to edit Master text styles</a:t>
             </a:r>
           </a:p>
           <a:p>
-            <a:pPr lvl="1"/>
+            <a:pPr lvl="1" eaLnBrk="1" latinLnBrk="0" hangingPunct="1"/>
             <a:r>
               <a:rPr lang="en-US" smtClean="0"/>
               <a:t>Second level</a:t>
             </a:r>
           </a:p>
           <a:p>
-            <a:pPr lvl="2"/>
+            <a:pPr lvl="2" eaLnBrk="1" latinLnBrk="0" hangingPunct="1"/>
             <a:r>
               <a:rPr lang="en-US" smtClean="0"/>
               <a:t>Third level</a:t>
             </a:r>
           </a:p>
           <a:p>
-            <a:pPr lvl="3"/>
+            <a:pPr lvl="3" eaLnBrk="1" latinLnBrk="0" hangingPunct="1"/>
             <a:r>
               <a:rPr lang="en-US" smtClean="0"/>
               <a:t>Fourth level</a:t>
             </a:r>
           </a:p>
           <a:p>
-            <a:pPr lvl="4"/>
+            <a:pPr lvl="4" eaLnBrk="1" latinLnBrk="0" hangingPunct="1"/>
             <a:r>
               <a:rPr lang="en-US" smtClean="0"/>
               <a:t>Fifth level</a:t>
             </a:r>
-            <a:endParaRPr lang="en-US"/>
+            <a:endParaRPr kumimoji="0" lang="en-US"/>
           </a:p>
         </p:txBody>
       </p:sp>
@@ -656,7 +886,12 @@
             <p:ph type="ftr" sz="quarter" idx="11"/>
           </p:nvPr>
         </p:nvSpPr>
-        <p:spPr/>
+        <p:spPr>
+          <a:xfrm>
+            <a:off x="2640597" y="6377459"/>
+            <a:ext cx="3836404" cy="365125"/>
+          </a:xfrm>
+        </p:spPr>
         <p:txBody>
           <a:bodyPr/>
           <a:lstStyle/>
@@ -724,68 +959,77 @@
             <p:ph type="title"/>
           </p:nvPr>
         </p:nvSpPr>
+        <p:spPr>
+          <a:xfrm>
+            <a:off x="457200" y="155448"/>
+            <a:ext cx="8229600" cy="1252728"/>
+          </a:xfrm>
+        </p:spPr>
+        <p:txBody>
+          <a:bodyPr/>
+          <a:lstStyle>
+            <a:extLst/>
+          </a:lstStyle>
+          <a:p>
+            <a:r>
+              <a:rPr kumimoji="0" lang="en-US" smtClean="0"/>
+              <a:t>Click to edit Master title style</a:t>
+            </a:r>
+            <a:endParaRPr kumimoji="0" lang="en-US"/>
+          </a:p>
+        </p:txBody>
+      </p:sp>
+      <p:sp>
+        <p:nvSpPr>
+          <p:cNvPr id="3" name="Content Placeholder 2"/>
+          <p:cNvSpPr>
+            <a:spLocks noGrp="1"/>
+          </p:cNvSpPr>
+          <p:nvPr>
+            <p:ph idx="1"/>
+          </p:nvPr>
+        </p:nvSpPr>
         <p:spPr/>
         <p:txBody>
           <a:bodyPr/>
-          <a:lstStyle/>
-          <a:p>
-            <a:r>
-              <a:rPr lang="en-US" smtClean="0"/>
-              <a:t>Click to edit Master title style</a:t>
-            </a:r>
-            <a:endParaRPr lang="en-US"/>
-          </a:p>
-        </p:txBody>
-      </p:sp>
-      <p:sp>
-        <p:nvSpPr>
-          <p:cNvPr id="3" name="Content Placeholder 2"/>
-          <p:cNvSpPr>
-            <a:spLocks noGrp="1"/>
-          </p:cNvSpPr>
-          <p:nvPr>
-            <p:ph idx="1"/>
-          </p:nvPr>
-        </p:nvSpPr>
-        <p:spPr/>
-        <p:txBody>
-          <a:bodyPr/>
-          <a:lstStyle/>
-          <a:p>
-            <a:pPr lvl="0"/>
+          <a:lstStyle>
+            <a:extLst/>
+          </a:lstStyle>
+          <a:p>
+            <a:pPr lvl="0" eaLnBrk="1" latinLnBrk="0" hangingPunct="1"/>
             <a:r>
               <a:rPr lang="en-US" smtClean="0"/>
               <a:t>Click to edit Master text styles</a:t>
             </a:r>
           </a:p>
           <a:p>
-            <a:pPr lvl="1"/>
+            <a:pPr lvl="1" eaLnBrk="1" latinLnBrk="0" hangingPunct="1"/>
             <a:r>
               <a:rPr lang="en-US" smtClean="0"/>
               <a:t>Second level</a:t>
             </a:r>
           </a:p>
           <a:p>
-            <a:pPr lvl="2"/>
+            <a:pPr lvl="2" eaLnBrk="1" latinLnBrk="0" hangingPunct="1"/>
             <a:r>
               <a:rPr lang="en-US" smtClean="0"/>
               <a:t>Third level</a:t>
             </a:r>
           </a:p>
           <a:p>
-            <a:pPr lvl="3"/>
+            <a:pPr lvl="3" eaLnBrk="1" latinLnBrk="0" hangingPunct="1"/>
             <a:r>
               <a:rPr lang="en-US" smtClean="0"/>
               <a:t>Fourth level</a:t>
             </a:r>
           </a:p>
           <a:p>
-            <a:pPr lvl="4"/>
+            <a:pPr lvl="4" eaLnBrk="1" latinLnBrk="0" hangingPunct="1"/>
             <a:r>
               <a:rPr lang="en-US" smtClean="0"/>
               <a:t>Fifth level</a:t>
             </a:r>
-            <a:endParaRPr lang="en-US"/>
+            <a:endParaRPr kumimoji="0" lang="en-US"/>
           </a:p>
         </p:txBody>
       </p:sp>
@@ -865,8 +1109,13 @@
 </file>
 
 <file path=ppt/slideLayouts/slideLayout3.xml><?xml version="1.0" encoding="utf-8"?>
-<p:sldLayout xmlns:a="http://schemas.openxmlformats.org/drawingml/2006/main" xmlns:r="http://schemas.openxmlformats.org/officeDocument/2006/relationships" xmlns:p="http://schemas.openxmlformats.org/presentationml/2006/main" type="secHead" preserve="1">
+<p:sldLayout xmlns:a="http://schemas.openxmlformats.org/drawingml/2006/main" xmlns:r="http://schemas.openxmlformats.org/officeDocument/2006/relationships" xmlns:p="http://schemas.openxmlformats.org/presentationml/2006/main" showMasterSp="0" type="secHead" preserve="1">
   <p:cSld name="Section Header">
+    <p:bg>
+      <p:bgRef idx="1002">
+        <a:schemeClr val="bg2"/>
+      </p:bgRef>
+    </p:bg>
     <p:spTree>
       <p:nvGrpSpPr>
         <p:cNvPr id="1" name=""/>
@@ -883,6 +1132,107 @@
       </p:grpSpPr>
       <p:sp>
         <p:nvSpPr>
+          <p:cNvPr id="9" name="Rectangle 8"/>
+          <p:cNvSpPr/>
+          <p:nvPr/>
+        </p:nvSpPr>
+        <p:spPr bwMode="ltGray">
+          <a:xfrm>
+            <a:off x="0" y="1"/>
+            <a:ext cx="9144000" cy="2602520"/>
+          </a:xfrm>
+          <a:prstGeom prst="rect">
+            <a:avLst/>
+          </a:prstGeom>
+          <a:solidFill>
+            <a:srgbClr val="000000"/>
+          </a:solidFill>
+          <a:ln w="48000" cap="flat" cmpd="thickThin" algn="ctr">
+            <a:noFill/>
+            <a:prstDash val="solid"/>
+          </a:ln>
+        </p:spPr>
+        <p:style>
+          <a:lnRef idx="2">
+            <a:schemeClr val="accent1"/>
+          </a:lnRef>
+          <a:fillRef idx="1">
+            <a:schemeClr val="accent1"/>
+          </a:fillRef>
+          <a:effectRef idx="0">
+            <a:schemeClr val="accent1"/>
+          </a:effectRef>
+          <a:fontRef idx="minor">
+            <a:schemeClr val="lt1"/>
+          </a:fontRef>
+        </p:style>
+        <p:txBody>
+          <a:bodyPr rtlCol="0" anchor="ctr"/>
+          <a:lstStyle>
+            <a:extLst/>
+          </a:lstStyle>
+          <a:p>
+            <a:pPr algn="ctr" eaLnBrk="1" latinLnBrk="0" hangingPunct="1"/>
+            <a:endParaRPr kumimoji="0" lang="en-US"/>
+          </a:p>
+        </p:txBody>
+      </p:sp>
+      <p:sp>
+        <p:nvSpPr>
+          <p:cNvPr id="12" name="Rectangle 11"/>
+          <p:cNvSpPr/>
+          <p:nvPr/>
+        </p:nvSpPr>
+        <p:spPr bwMode="invGray">
+          <a:xfrm>
+            <a:off x="0" y="2602520"/>
+            <a:ext cx="9144000" cy="45720"/>
+          </a:xfrm>
+          <a:prstGeom prst="rect">
+            <a:avLst/>
+          </a:prstGeom>
+          <a:solidFill>
+            <a:srgbClr val="FFFFFF"/>
+          </a:solidFill>
+          <a:ln w="48000" cap="flat" cmpd="thickThin" algn="ctr">
+            <a:noFill/>
+            <a:prstDash val="solid"/>
+          </a:ln>
+          <a:effectLst>
+            <a:outerShdw blurRad="31750" dist="10160" dir="5400000" algn="tl" rotWithShape="0">
+              <a:srgbClr val="000000">
+                <a:alpha val="60000"/>
+              </a:srgbClr>
+            </a:outerShdw>
+          </a:effectLst>
+        </p:spPr>
+        <p:style>
+          <a:lnRef idx="2">
+            <a:schemeClr val="accent1"/>
+          </a:lnRef>
+          <a:fillRef idx="1">
+            <a:schemeClr val="accent1"/>
+          </a:fillRef>
+          <a:effectRef idx="0">
+            <a:schemeClr val="accent1"/>
+          </a:effectRef>
+          <a:fontRef idx="minor">
+            <a:schemeClr val="lt1"/>
+          </a:fontRef>
+        </p:style>
+        <p:txBody>
+          <a:bodyPr rtlCol="0" anchor="ctr"/>
+          <a:lstStyle>
+            <a:extLst/>
+          </a:lstStyle>
+          <a:p>
+            <a:pPr algn="ctr" eaLnBrk="1" latinLnBrk="0" hangingPunct="1"/>
+            <a:endParaRPr kumimoji="0" lang="en-US"/>
+          </a:p>
+        </p:txBody>
+      </p:sp>
+      <p:sp>
+        <p:nvSpPr>
           <p:cNvPr id="2" name="Title 1"/>
           <p:cNvSpPr>
             <a:spLocks noGrp="1"/>
@@ -893,23 +1243,35 @@
         </p:nvSpPr>
         <p:spPr>
           <a:xfrm>
-            <a:off x="722313" y="4406900"/>
-            <a:ext cx="7772400" cy="1362075"/>
+            <a:off x="749808" y="118872"/>
+            <a:ext cx="8013192" cy="1636776"/>
           </a:xfrm>
         </p:spPr>
         <p:txBody>
-          <a:bodyPr anchor="t"/>
+          <a:bodyPr vert="horz" lIns="91440" tIns="0" rIns="91440" bIns="0" rtlCol="0" anchor="b">
+            <a:normAutofit/>
+            <a:scene3d>
+              <a:camera prst="orthographicFront"/>
+              <a:lightRig rig="threePt" dir="t">
+                <a:rot lat="0" lon="0" rev="4800000"/>
+              </a:lightRig>
+            </a:scene3d>
+            <a:sp3d prstMaterial="matte">
+              <a:bevelT w="50800" h="10160"/>
+            </a:sp3d>
+          </a:bodyPr>
           <a:lstStyle>
             <a:lvl1pPr algn="l">
-              <a:defRPr sz="4000" b="1" cap="all"/>
+              <a:defRPr sz="4700" b="1" cap="none" baseline="0"/>
             </a:lvl1pPr>
+            <a:extLst/>
           </a:lstStyle>
           <a:p>
             <a:r>
-              <a:rPr lang="en-US" smtClean="0"/>
+              <a:rPr kumimoji="0" lang="en-US" smtClean="0"/>
               <a:t>Click to edit Master title style</a:t>
             </a:r>
-            <a:endParaRPr lang="en-US"/>
+            <a:endParaRPr kumimoji="0" lang="en-US"/>
           </a:p>
         </p:txBody>
       </p:sp>
@@ -925,20 +1287,18 @@
         </p:nvSpPr>
         <p:spPr>
           <a:xfrm>
-            <a:off x="722313" y="2906713"/>
-            <a:ext cx="7772400" cy="1500187"/>
+            <a:off x="740664" y="1828800"/>
+            <a:ext cx="8022336" cy="685800"/>
           </a:xfrm>
         </p:spPr>
         <p:txBody>
-          <a:bodyPr anchor="b"/>
+          <a:bodyPr lIns="146304" tIns="0" rIns="45720" bIns="0" anchor="t"/>
           <a:lstStyle>
             <a:lvl1pPr marL="0" indent="0">
               <a:buNone/>
               <a:defRPr sz="2000">
                 <a:solidFill>
-                  <a:schemeClr val="tx1">
-                    <a:tint val="75000"/>
-                  </a:schemeClr>
+                  <a:srgbClr val="FFFFFF"/>
                 </a:solidFill>
               </a:defRPr>
             </a:lvl1pPr>
@@ -1022,11 +1382,12 @@
                 </a:solidFill>
               </a:defRPr>
             </a:lvl9pPr>
+            <a:extLst/>
           </a:lstStyle>
           <a:p>
-            <a:pPr lvl="0"/>
-            <a:r>
-              <a:rPr lang="en-US" smtClean="0"/>
+            <a:pPr lvl="0" eaLnBrk="1" latinLnBrk="0" hangingPunct="1"/>
+            <a:r>
+              <a:rPr kumimoji="0" lang="en-US" smtClean="0"/>
               <a:t>Click to edit Master text styles</a:t>
             </a:r>
           </a:p>
@@ -1102,7 +1463,7 @@
     </p:spTree>
   </p:cSld>
   <p:clrMapOvr>
-    <a:masterClrMapping/>
+    <a:overrideClrMapping bg1="dk1" tx1="lt1" bg2="dk2" tx2="lt2" accent1="accent1" accent2="accent2" accent3="accent3" accent4="accent4" accent5="accent5" accent6="accent6" hlink="hlink" folHlink="folHlink"/>
   </p:clrMapOvr>
 </p:sldLayout>
 </file>
@@ -1137,13 +1498,15 @@
         <p:spPr/>
         <p:txBody>
           <a:bodyPr/>
-          <a:lstStyle/>
-          <a:p>
-            <a:r>
-              <a:rPr lang="en-US" smtClean="0"/>
+          <a:lstStyle>
+            <a:extLst/>
+          </a:lstStyle>
+          <a:p>
+            <a:r>
+              <a:rPr kumimoji="0" lang="en-US" smtClean="0"/>
               <a:t>Click to edit Master title style</a:t>
             </a:r>
-            <a:endParaRPr lang="en-US"/>
+            <a:endParaRPr kumimoji="0" lang="en-US"/>
           </a:p>
         </p:txBody>
       </p:sp>
@@ -1159,12 +1522,12 @@
         </p:nvSpPr>
         <p:spPr>
           <a:xfrm>
-            <a:off x="457200" y="1600200"/>
-            <a:ext cx="4038600" cy="4525963"/>
+            <a:off x="457200" y="1773936"/>
+            <a:ext cx="4038600" cy="4623816"/>
           </a:xfrm>
         </p:spPr>
         <p:txBody>
-          <a:bodyPr/>
+          <a:bodyPr lIns="91440"/>
           <a:lstStyle>
             <a:lvl1pPr>
               <a:defRPr sz="2800"/>
@@ -1193,42 +1556,43 @@
             <a:lvl9pPr>
               <a:defRPr sz="1800"/>
             </a:lvl9pPr>
+            <a:extLst/>
           </a:lstStyle>
           <a:p>
-            <a:pPr lvl="0"/>
+            <a:pPr lvl="0" eaLnBrk="1" latinLnBrk="0" hangingPunct="1"/>
             <a:r>
               <a:rPr lang="en-US" smtClean="0"/>
               <a:t>Click to edit Master text styles</a:t>
             </a:r>
           </a:p>
           <a:p>
-            <a:pPr lvl="1"/>
+            <a:pPr lvl="1" eaLnBrk="1" latinLnBrk="0" hangingPunct="1"/>
             <a:r>
               <a:rPr lang="en-US" smtClean="0"/>
               <a:t>Second level</a:t>
             </a:r>
           </a:p>
           <a:p>
-            <a:pPr lvl="2"/>
+            <a:pPr lvl="2" eaLnBrk="1" latinLnBrk="0" hangingPunct="1"/>
             <a:r>
               <a:rPr lang="en-US" smtClean="0"/>
               <a:t>Third level</a:t>
             </a:r>
           </a:p>
           <a:p>
-            <a:pPr lvl="3"/>
+            <a:pPr lvl="3" eaLnBrk="1" latinLnBrk="0" hangingPunct="1"/>
             <a:r>
               <a:rPr lang="en-US" smtClean="0"/>
               <a:t>Fourth level</a:t>
             </a:r>
           </a:p>
           <a:p>
-            <a:pPr lvl="4"/>
+            <a:pPr lvl="4" eaLnBrk="1" latinLnBrk="0" hangingPunct="1"/>
             <a:r>
               <a:rPr lang="en-US" smtClean="0"/>
               <a:t>Fifth level</a:t>
             </a:r>
-            <a:endParaRPr lang="en-US"/>
+            <a:endParaRPr kumimoji="0" lang="en-US"/>
           </a:p>
         </p:txBody>
       </p:sp>
@@ -1244,8 +1608,8 @@
         </p:nvSpPr>
         <p:spPr>
           <a:xfrm>
-            <a:off x="4648200" y="1600200"/>
-            <a:ext cx="4038600" cy="4525963"/>
+            <a:off x="4648200" y="1773936"/>
+            <a:ext cx="4038600" cy="4623816"/>
           </a:xfrm>
         </p:spPr>
         <p:txBody>
@@ -1278,42 +1642,43 @@
             <a:lvl9pPr>
               <a:defRPr sz="1800"/>
             </a:lvl9pPr>
+            <a:extLst/>
           </a:lstStyle>
           <a:p>
-            <a:pPr lvl="0"/>
+            <a:pPr lvl="0" eaLnBrk="1" latinLnBrk="0" hangingPunct="1"/>
             <a:r>
               <a:rPr lang="en-US" smtClean="0"/>
               <a:t>Click to edit Master text styles</a:t>
             </a:r>
           </a:p>
           <a:p>
-            <a:pPr lvl="1"/>
+            <a:pPr lvl="1" eaLnBrk="1" latinLnBrk="0" hangingPunct="1"/>
             <a:r>
               <a:rPr lang="en-US" smtClean="0"/>
               <a:t>Second level</a:t>
             </a:r>
           </a:p>
           <a:p>
-            <a:pPr lvl="2"/>
+            <a:pPr lvl="2" eaLnBrk="1" latinLnBrk="0" hangingPunct="1"/>
             <a:r>
               <a:rPr lang="en-US" smtClean="0"/>
               <a:t>Third level</a:t>
             </a:r>
           </a:p>
           <a:p>
-            <a:pPr lvl="3"/>
+            <a:pPr lvl="3" eaLnBrk="1" latinLnBrk="0" hangingPunct="1"/>
             <a:r>
               <a:rPr lang="en-US" smtClean="0"/>
               <a:t>Fourth level</a:t>
             </a:r>
           </a:p>
           <a:p>
-            <a:pPr lvl="4"/>
+            <a:pPr lvl="4" eaLnBrk="1" latinLnBrk="0" hangingPunct="1"/>
             <a:r>
               <a:rPr lang="en-US" smtClean="0"/>
               <a:t>Fifth level</a:t>
             </a:r>
-            <a:endParaRPr lang="en-US"/>
+            <a:endParaRPr kumimoji="0" lang="en-US"/>
           </a:p>
         </p:txBody>
       </p:sp>
@@ -1426,13 +1791,14 @@
             <a:lvl1pPr>
               <a:defRPr/>
             </a:lvl1pPr>
+            <a:extLst/>
           </a:lstStyle>
           <a:p>
             <a:r>
-              <a:rPr lang="en-US" smtClean="0"/>
+              <a:rPr kumimoji="0" lang="en-US" smtClean="0"/>
               <a:t>Click to edit Master title style</a:t>
             </a:r>
-            <a:endParaRPr lang="en-US"/>
+            <a:endParaRPr kumimoji="0" lang="en-US"/>
           </a:p>
         </p:txBody>
       </p:sp>
@@ -1448,16 +1814,16 @@
         </p:nvSpPr>
         <p:spPr>
           <a:xfrm>
-            <a:off x="457200" y="1535113"/>
-            <a:ext cx="4040188" cy="639762"/>
+            <a:off x="457200" y="1698987"/>
+            <a:ext cx="4040188" cy="715355"/>
           </a:xfrm>
         </p:spPr>
         <p:txBody>
-          <a:bodyPr anchor="b"/>
+          <a:bodyPr lIns="146304" anchor="ctr"/>
           <a:lstStyle>
             <a:lvl1pPr marL="0" indent="0">
               <a:buNone/>
-              <a:defRPr sz="2400" b="1"/>
+              <a:defRPr sz="2300" b="1" cap="all" baseline="0"/>
             </a:lvl1pPr>
             <a:lvl2pPr marL="457200" indent="0">
               <a:buNone/>
@@ -1491,11 +1857,12 @@
               <a:buNone/>
               <a:defRPr sz="1600" b="1"/>
             </a:lvl9pPr>
+            <a:extLst/>
           </a:lstStyle>
           <a:p>
-            <a:pPr lvl="0"/>
-            <a:r>
-              <a:rPr lang="en-US" smtClean="0"/>
+            <a:pPr lvl="0" eaLnBrk="1" latinLnBrk="0" hangingPunct="1"/>
+            <a:r>
+              <a:rPr kumimoji="0" lang="en-US" smtClean="0"/>
               <a:t>Click to edit Master text styles</a:t>
             </a:r>
           </a:p>
@@ -1513,7 +1880,7 @@
         </p:nvSpPr>
         <p:spPr>
           <a:xfrm>
-            <a:off x="457200" y="2174875"/>
+            <a:off x="457200" y="2449512"/>
             <a:ext cx="4040188" cy="3951288"/>
           </a:xfrm>
         </p:spPr>
@@ -1547,42 +1914,43 @@
             <a:lvl9pPr>
               <a:defRPr sz="1600"/>
             </a:lvl9pPr>
+            <a:extLst/>
           </a:lstStyle>
           <a:p>
-            <a:pPr lvl="0"/>
+            <a:pPr lvl="0" eaLnBrk="1" latinLnBrk="0" hangingPunct="1"/>
             <a:r>
               <a:rPr lang="en-US" smtClean="0"/>
               <a:t>Click to edit Master text styles</a:t>
             </a:r>
           </a:p>
           <a:p>
-            <a:pPr lvl="1"/>
+            <a:pPr lvl="1" eaLnBrk="1" latinLnBrk="0" hangingPunct="1"/>
             <a:r>
               <a:rPr lang="en-US" smtClean="0"/>
               <a:t>Second level</a:t>
             </a:r>
           </a:p>
           <a:p>
-            <a:pPr lvl="2"/>
+            <a:pPr lvl="2" eaLnBrk="1" latinLnBrk="0" hangingPunct="1"/>
             <a:r>
               <a:rPr lang="en-US" smtClean="0"/>
               <a:t>Third level</a:t>
             </a:r>
           </a:p>
           <a:p>
-            <a:pPr lvl="3"/>
+            <a:pPr lvl="3" eaLnBrk="1" latinLnBrk="0" hangingPunct="1"/>
             <a:r>
               <a:rPr lang="en-US" smtClean="0"/>
               <a:t>Fourth level</a:t>
             </a:r>
           </a:p>
           <a:p>
-            <a:pPr lvl="4"/>
+            <a:pPr lvl="4" eaLnBrk="1" latinLnBrk="0" hangingPunct="1"/>
             <a:r>
               <a:rPr lang="en-US" smtClean="0"/>
               <a:t>Fifth level</a:t>
             </a:r>
-            <a:endParaRPr lang="en-US"/>
+            <a:endParaRPr kumimoji="0" lang="en-US"/>
           </a:p>
         </p:txBody>
       </p:sp>
@@ -1598,16 +1966,16 @@
         </p:nvSpPr>
         <p:spPr>
           <a:xfrm>
-            <a:off x="4645025" y="1535113"/>
-            <a:ext cx="4041775" cy="639762"/>
+            <a:off x="4645025" y="1698987"/>
+            <a:ext cx="4041775" cy="715355"/>
           </a:xfrm>
         </p:spPr>
         <p:txBody>
-          <a:bodyPr anchor="b"/>
+          <a:bodyPr lIns="146304" anchor="ctr"/>
           <a:lstStyle>
             <a:lvl1pPr marL="0" indent="0">
               <a:buNone/>
-              <a:defRPr sz="2400" b="1"/>
+              <a:defRPr sz="2300" b="1" cap="all" baseline="0"/>
             </a:lvl1pPr>
             <a:lvl2pPr marL="457200" indent="0">
               <a:buNone/>
@@ -1641,11 +2009,12 @@
               <a:buNone/>
               <a:defRPr sz="1600" b="1"/>
             </a:lvl9pPr>
+            <a:extLst/>
           </a:lstStyle>
           <a:p>
-            <a:pPr lvl="0"/>
-            <a:r>
-              <a:rPr lang="en-US" smtClean="0"/>
+            <a:pPr lvl="0" eaLnBrk="1" latinLnBrk="0" hangingPunct="1"/>
+            <a:r>
+              <a:rPr kumimoji="0" lang="en-US" smtClean="0"/>
               <a:t>Click to edit Master text styles</a:t>
             </a:r>
           </a:p>
@@ -1663,7 +2032,7 @@
         </p:nvSpPr>
         <p:spPr>
           <a:xfrm>
-            <a:off x="4645025" y="2174875"/>
+            <a:off x="4645025" y="2449512"/>
             <a:ext cx="4041775" cy="3951288"/>
           </a:xfrm>
         </p:spPr>
@@ -1697,42 +2066,43 @@
             <a:lvl9pPr>
               <a:defRPr sz="1600"/>
             </a:lvl9pPr>
+            <a:extLst/>
           </a:lstStyle>
           <a:p>
-            <a:pPr lvl="0"/>
+            <a:pPr lvl="0" eaLnBrk="1" latinLnBrk="0" hangingPunct="1"/>
             <a:r>
               <a:rPr lang="en-US" smtClean="0"/>
               <a:t>Click to edit Master text styles</a:t>
             </a:r>
           </a:p>
           <a:p>
-            <a:pPr lvl="1"/>
+            <a:pPr lvl="1" eaLnBrk="1" latinLnBrk="0" hangingPunct="1"/>
             <a:r>
               <a:rPr lang="en-US" smtClean="0"/>
               <a:t>Second level</a:t>
             </a:r>
           </a:p>
           <a:p>
-            <a:pPr lvl="2"/>
+            <a:pPr lvl="2" eaLnBrk="1" latinLnBrk="0" hangingPunct="1"/>
             <a:r>
               <a:rPr lang="en-US" smtClean="0"/>
               <a:t>Third level</a:t>
             </a:r>
           </a:p>
           <a:p>
-            <a:pPr lvl="3"/>
+            <a:pPr lvl="3" eaLnBrk="1" latinLnBrk="0" hangingPunct="1"/>
             <a:r>
               <a:rPr lang="en-US" smtClean="0"/>
               <a:t>Fourth level</a:t>
             </a:r>
           </a:p>
           <a:p>
-            <a:pPr lvl="4"/>
+            <a:pPr lvl="4" eaLnBrk="1" latinLnBrk="0" hangingPunct="1"/>
             <a:r>
               <a:rPr lang="en-US" smtClean="0"/>
               <a:t>Fifth level</a:t>
             </a:r>
-            <a:endParaRPr lang="en-US"/>
+            <a:endParaRPr kumimoji="0" lang="en-US"/>
           </a:p>
         </p:txBody>
       </p:sp>
@@ -1841,13 +2211,15 @@
         <p:spPr/>
         <p:txBody>
           <a:bodyPr/>
-          <a:lstStyle/>
-          <a:p>
-            <a:r>
-              <a:rPr lang="en-US" smtClean="0"/>
+          <a:lstStyle>
+            <a:extLst/>
+          </a:lstStyle>
+          <a:p>
+            <a:r>
+              <a:rPr kumimoji="0" lang="en-US" smtClean="0"/>
               <a:t>Click to edit Master title style</a:t>
             </a:r>
-            <a:endParaRPr lang="en-US"/>
+            <a:endParaRPr kumimoji="0" lang="en-US"/>
           </a:p>
         </p:txBody>
       </p:sp>
@@ -1927,7 +2299,7 @@
 </file>
 
 <file path=ppt/slideLayouts/slideLayout7.xml><?xml version="1.0" encoding="utf-8"?>
-<p:sldLayout xmlns:a="http://schemas.openxmlformats.org/drawingml/2006/main" xmlns:r="http://schemas.openxmlformats.org/officeDocument/2006/relationships" xmlns:p="http://schemas.openxmlformats.org/presentationml/2006/main" type="blank" preserve="1">
+<p:sldLayout xmlns:a="http://schemas.openxmlformats.org/drawingml/2006/main" xmlns:r="http://schemas.openxmlformats.org/officeDocument/2006/relationships" xmlns:p="http://schemas.openxmlformats.org/presentationml/2006/main" showMasterSp="0" type="blank" preserve="1">
   <p:cSld name="Blank">
     <p:spTree>
       <p:nvGrpSpPr>
@@ -2047,23 +2419,27 @@
         </p:nvSpPr>
         <p:spPr>
           <a:xfrm>
-            <a:off x="457200" y="273050"/>
-            <a:ext cx="3008313" cy="1162050"/>
+            <a:off x="167838" y="152400"/>
+            <a:ext cx="2523744" cy="978408"/>
           </a:xfrm>
         </p:spPr>
         <p:txBody>
-          <a:bodyPr anchor="b"/>
+          <a:bodyPr vert="horz" lIns="73152" rIns="45720" bIns="0" rtlCol="0" anchor="b">
+            <a:normAutofit/>
+            <a:sp3d prstMaterial="matte"/>
+          </a:bodyPr>
           <a:lstStyle>
             <a:lvl1pPr algn="l">
-              <a:defRPr sz="2000" b="1"/>
+              <a:defRPr sz="2000" b="0"/>
             </a:lvl1pPr>
+            <a:extLst/>
           </a:lstStyle>
           <a:p>
             <a:r>
-              <a:rPr lang="en-US" smtClean="0"/>
+              <a:rPr kumimoji="0" lang="en-US" smtClean="0"/>
               <a:t>Click to edit Master title style</a:t>
             </a:r>
-            <a:endParaRPr lang="en-US"/>
+            <a:endParaRPr kumimoji="0" lang="en-US"/>
           </a:p>
         </p:txBody>
       </p:sp>
@@ -2079,8 +2455,8 @@
         </p:nvSpPr>
         <p:spPr>
           <a:xfrm>
-            <a:off x="3575050" y="273050"/>
-            <a:ext cx="5111750" cy="5853113"/>
+            <a:off x="3019377" y="1743133"/>
+            <a:ext cx="5920641" cy="4558885"/>
           </a:xfrm>
         </p:spPr>
         <p:txBody>
@@ -2113,42 +2489,43 @@
             <a:lvl9pPr>
               <a:defRPr sz="2000"/>
             </a:lvl9pPr>
+            <a:extLst/>
           </a:lstStyle>
           <a:p>
-            <a:pPr lvl="0"/>
+            <a:pPr lvl="0" eaLnBrk="1" latinLnBrk="0" hangingPunct="1"/>
             <a:r>
               <a:rPr lang="en-US" smtClean="0"/>
               <a:t>Click to edit Master text styles</a:t>
             </a:r>
           </a:p>
           <a:p>
-            <a:pPr lvl="1"/>
+            <a:pPr lvl="1" eaLnBrk="1" latinLnBrk="0" hangingPunct="1"/>
             <a:r>
               <a:rPr lang="en-US" smtClean="0"/>
               <a:t>Second level</a:t>
             </a:r>
           </a:p>
           <a:p>
-            <a:pPr lvl="2"/>
+            <a:pPr lvl="2" eaLnBrk="1" latinLnBrk="0" hangingPunct="1"/>
             <a:r>
               <a:rPr lang="en-US" smtClean="0"/>
               <a:t>Third level</a:t>
             </a:r>
           </a:p>
           <a:p>
-            <a:pPr lvl="3"/>
+            <a:pPr lvl="3" eaLnBrk="1" latinLnBrk="0" hangingPunct="1"/>
             <a:r>
               <a:rPr lang="en-US" smtClean="0"/>
               <a:t>Fourth level</a:t>
             </a:r>
           </a:p>
           <a:p>
-            <a:pPr lvl="4"/>
+            <a:pPr lvl="4" eaLnBrk="1" latinLnBrk="0" hangingPunct="1"/>
             <a:r>
               <a:rPr lang="en-US" smtClean="0"/>
               <a:t>Fifth level</a:t>
             </a:r>
-            <a:endParaRPr lang="en-US"/>
+            <a:endParaRPr kumimoji="0" lang="en-US"/>
           </a:p>
         </p:txBody>
       </p:sp>
@@ -2164,8 +2541,8 @@
         </p:nvSpPr>
         <p:spPr>
           <a:xfrm>
-            <a:off x="457200" y="1435100"/>
-            <a:ext cx="3008313" cy="4691063"/>
+            <a:off x="167838" y="1730018"/>
+            <a:ext cx="2468880" cy="4572000"/>
           </a:xfrm>
         </p:spPr>
         <p:txBody>
@@ -2207,11 +2584,12 @@
               <a:buNone/>
               <a:defRPr sz="900"/>
             </a:lvl9pPr>
+            <a:extLst/>
           </a:lstStyle>
           <a:p>
-            <a:pPr lvl="0"/>
-            <a:r>
-              <a:rPr lang="en-US" smtClean="0"/>
+            <a:pPr lvl="0" eaLnBrk="1" latinLnBrk="0" hangingPunct="1"/>
+            <a:r>
+              <a:rPr kumimoji="0" lang="en-US" smtClean="0"/>
               <a:t>Click to edit Master text styles</a:t>
             </a:r>
           </a:p>
@@ -2281,6 +2659,100 @@
               <a:t>‹#›</a:t>
             </a:fld>
             <a:endParaRPr lang="en-US"/>
+          </a:p>
+        </p:txBody>
+      </p:sp>
+      <p:sp>
+        <p:nvSpPr>
+          <p:cNvPr id="12" name="Rectangle 11"/>
+          <p:cNvSpPr/>
+          <p:nvPr/>
+        </p:nvSpPr>
+        <p:spPr bwMode="invGray">
+          <a:xfrm>
+            <a:off x="2855737" y="0"/>
+            <a:ext cx="45720" cy="1453896"/>
+          </a:xfrm>
+          <a:prstGeom prst="rect">
+            <a:avLst/>
+          </a:prstGeom>
+          <a:solidFill>
+            <a:srgbClr val="FFFFFF"/>
+          </a:solidFill>
+          <a:ln w="48000" cap="flat" cmpd="thickThin" algn="ctr">
+            <a:noFill/>
+            <a:prstDash val="solid"/>
+          </a:ln>
+        </p:spPr>
+        <p:style>
+          <a:lnRef idx="2">
+            <a:schemeClr val="accent1"/>
+          </a:lnRef>
+          <a:fillRef idx="1">
+            <a:schemeClr val="accent1"/>
+          </a:fillRef>
+          <a:effectRef idx="0">
+            <a:schemeClr val="accent1"/>
+          </a:effectRef>
+          <a:fontRef idx="minor">
+            <a:schemeClr val="lt1"/>
+          </a:fontRef>
+        </p:style>
+        <p:txBody>
+          <a:bodyPr rtlCol="0" anchor="ctr"/>
+          <a:lstStyle>
+            <a:extLst/>
+          </a:lstStyle>
+          <a:p>
+            <a:pPr algn="ctr" eaLnBrk="1" latinLnBrk="0" hangingPunct="1"/>
+            <a:endParaRPr kumimoji="0" lang="en-US"/>
+          </a:p>
+        </p:txBody>
+      </p:sp>
+      <p:sp>
+        <p:nvSpPr>
+          <p:cNvPr id="9" name="Rectangle 8"/>
+          <p:cNvSpPr/>
+          <p:nvPr/>
+        </p:nvSpPr>
+        <p:spPr bwMode="invGray">
+          <a:xfrm>
+            <a:off x="2855737" y="0"/>
+            <a:ext cx="45720" cy="1453896"/>
+          </a:xfrm>
+          <a:prstGeom prst="rect">
+            <a:avLst/>
+          </a:prstGeom>
+          <a:solidFill>
+            <a:srgbClr val="FFFFFF"/>
+          </a:solidFill>
+          <a:ln w="48000" cap="flat" cmpd="thickThin" algn="ctr">
+            <a:noFill/>
+            <a:prstDash val="solid"/>
+          </a:ln>
+        </p:spPr>
+        <p:style>
+          <a:lnRef idx="2">
+            <a:schemeClr val="accent1"/>
+          </a:lnRef>
+          <a:fillRef idx="1">
+            <a:schemeClr val="accent1"/>
+          </a:fillRef>
+          <a:effectRef idx="0">
+            <a:schemeClr val="accent1"/>
+          </a:effectRef>
+          <a:fontRef idx="minor">
+            <a:schemeClr val="lt1"/>
+          </a:fontRef>
+        </p:style>
+        <p:txBody>
+          <a:bodyPr rtlCol="0" anchor="ctr"/>
+          <a:lstStyle>
+            <a:extLst/>
+          </a:lstStyle>
+          <a:p>
+            <a:pPr algn="ctr" eaLnBrk="1" latinLnBrk="0" hangingPunct="1"/>
+            <a:endParaRPr kumimoji="0" lang="en-US"/>
           </a:p>
         </p:txBody>
       </p:sp>
@@ -2295,6 +2767,11 @@
 <file path=ppt/slideLayouts/slideLayout9.xml><?xml version="1.0" encoding="utf-8"?>
 <p:sldLayout xmlns:a="http://schemas.openxmlformats.org/drawingml/2006/main" xmlns:r="http://schemas.openxmlformats.org/officeDocument/2006/relationships" xmlns:p="http://schemas.openxmlformats.org/presentationml/2006/main" type="picTx" preserve="1">
   <p:cSld name="Picture with Caption">
+    <p:bg>
+      <p:bgRef idx="1001">
+        <a:schemeClr val="bg2"/>
+      </p:bgRef>
+    </p:bg>
     <p:spTree>
       <p:nvGrpSpPr>
         <p:cNvPr id="1" name=""/>
@@ -2321,23 +2798,26 @@
         </p:nvSpPr>
         <p:spPr>
           <a:xfrm>
-            <a:off x="1792288" y="4800600"/>
-            <a:ext cx="5486400" cy="566738"/>
+            <a:off x="164592" y="155448"/>
+            <a:ext cx="2525150" cy="978408"/>
           </a:xfrm>
         </p:spPr>
         <p:txBody>
-          <a:bodyPr anchor="b"/>
+          <a:bodyPr lIns="73152" bIns="0" anchor="b">
+            <a:sp3d prstMaterial="matte"/>
+          </a:bodyPr>
           <a:lstStyle>
             <a:lvl1pPr algn="l">
-              <a:defRPr sz="2000" b="1"/>
+              <a:defRPr sz="2000" b="0"/>
             </a:lvl1pPr>
+            <a:extLst/>
           </a:lstStyle>
           <a:p>
             <a:r>
-              <a:rPr lang="en-US" smtClean="0"/>
+              <a:rPr kumimoji="0" lang="en-US" smtClean="0"/>
               <a:t>Click to edit Master title style</a:t>
             </a:r>
-            <a:endParaRPr lang="en-US"/>
+            <a:endParaRPr kumimoji="0" lang="en-US"/>
           </a:p>
         </p:txBody>
       </p:sp>
@@ -2353,9 +2833,14 @@
         </p:nvSpPr>
         <p:spPr>
           <a:xfrm>
-            <a:off x="1792288" y="612775"/>
-            <a:ext cx="5486400" cy="4114800"/>
+            <a:off x="2903805" y="1484808"/>
+            <a:ext cx="6247397" cy="5373192"/>
           </a:xfrm>
+          <a:solidFill>
+            <a:schemeClr val="bg2">
+              <a:shade val="75000"/>
+            </a:schemeClr>
+          </a:solidFill>
         </p:spPr>
         <p:txBody>
           <a:bodyPr/>
@@ -2396,9 +2881,14 @@
               <a:buNone/>
               <a:defRPr sz="2000"/>
             </a:lvl9pPr>
+            <a:extLst/>
           </a:lstStyle>
           <a:p>
-            <a:endParaRPr lang="en-US"/>
+            <a:r>
+              <a:rPr kumimoji="0" lang="en-US" smtClean="0"/>
+              <a:t>Click icon to add picture</a:t>
+            </a:r>
+            <a:endParaRPr kumimoji="0" lang="en-US" dirty="0"/>
           </a:p>
         </p:txBody>
       </p:sp>
@@ -2414,8 +2904,8 @@
         </p:nvSpPr>
         <p:spPr>
           <a:xfrm>
-            <a:off x="1792288" y="5367338"/>
-            <a:ext cx="5486400" cy="804862"/>
+            <a:off x="164592" y="1728216"/>
+            <a:ext cx="2468880" cy="4572000"/>
           </a:xfrm>
         </p:spPr>
         <p:txBody>
@@ -2457,11 +2947,12 @@
               <a:buNone/>
               <a:defRPr sz="900"/>
             </a:lvl9pPr>
+            <a:extLst/>
           </a:lstStyle>
           <a:p>
-            <a:pPr lvl="0"/>
-            <a:r>
-              <a:rPr lang="en-US" smtClean="0"/>
+            <a:pPr lvl="0" eaLnBrk="1" latinLnBrk="0" hangingPunct="1"/>
+            <a:r>
+              <a:rPr kumimoji="0" lang="en-US" smtClean="0"/>
               <a:t>Click to edit Master text styles</a:t>
             </a:r>
           </a:p>
@@ -2477,7 +2968,12 @@
             <p:ph type="dt" sz="half" idx="10"/>
           </p:nvPr>
         </p:nvSpPr>
-        <p:spPr/>
+        <p:spPr>
+          <a:xfrm>
+            <a:off x="164592" y="1170432"/>
+            <a:ext cx="2523744" cy="201168"/>
+          </a:xfrm>
+        </p:spPr>
         <p:txBody>
           <a:bodyPr/>
           <a:lstStyle/>
@@ -2493,6 +2989,100 @@
       </p:sp>
       <p:sp>
         <p:nvSpPr>
+          <p:cNvPr id="11" name="Rectangle 10"/>
+          <p:cNvSpPr/>
+          <p:nvPr/>
+        </p:nvSpPr>
+        <p:spPr>
+          <a:xfrm>
+            <a:off x="2855737" y="0"/>
+            <a:ext cx="45720" cy="6858000"/>
+          </a:xfrm>
+          <a:prstGeom prst="rect">
+            <a:avLst/>
+          </a:prstGeom>
+          <a:solidFill>
+            <a:srgbClr val="FFFFFF"/>
+          </a:solidFill>
+          <a:ln w="48000" cap="flat" cmpd="thickThin" algn="ctr">
+            <a:noFill/>
+            <a:prstDash val="solid"/>
+          </a:ln>
+        </p:spPr>
+        <p:style>
+          <a:lnRef idx="2">
+            <a:schemeClr val="accent1"/>
+          </a:lnRef>
+          <a:fillRef idx="1">
+            <a:schemeClr val="accent1"/>
+          </a:fillRef>
+          <a:effectRef idx="0">
+            <a:schemeClr val="accent1"/>
+          </a:effectRef>
+          <a:fontRef idx="minor">
+            <a:schemeClr val="lt1"/>
+          </a:fontRef>
+        </p:style>
+        <p:txBody>
+          <a:bodyPr rtlCol="0" anchor="ctr"/>
+          <a:lstStyle>
+            <a:extLst/>
+          </a:lstStyle>
+          <a:p>
+            <a:pPr algn="ctr" eaLnBrk="1" latinLnBrk="0" hangingPunct="1"/>
+            <a:endParaRPr kumimoji="0" lang="en-US"/>
+          </a:p>
+        </p:txBody>
+      </p:sp>
+      <p:sp>
+        <p:nvSpPr>
+          <p:cNvPr id="9" name="Rectangle 8"/>
+          <p:cNvSpPr/>
+          <p:nvPr/>
+        </p:nvSpPr>
+        <p:spPr bwMode="invGray">
+          <a:xfrm>
+            <a:off x="2855737" y="0"/>
+            <a:ext cx="45720" cy="6858000"/>
+          </a:xfrm>
+          <a:prstGeom prst="rect">
+            <a:avLst/>
+          </a:prstGeom>
+          <a:solidFill>
+            <a:srgbClr val="FFFFFF"/>
+          </a:solidFill>
+          <a:ln w="48000" cap="flat" cmpd="thickThin" algn="ctr">
+            <a:noFill/>
+            <a:prstDash val="solid"/>
+          </a:ln>
+        </p:spPr>
+        <p:style>
+          <a:lnRef idx="2">
+            <a:schemeClr val="accent1"/>
+          </a:lnRef>
+          <a:fillRef idx="1">
+            <a:schemeClr val="accent1"/>
+          </a:fillRef>
+          <a:effectRef idx="0">
+            <a:schemeClr val="accent1"/>
+          </a:effectRef>
+          <a:fontRef idx="minor">
+            <a:schemeClr val="lt1"/>
+          </a:fontRef>
+        </p:style>
+        <p:txBody>
+          <a:bodyPr rtlCol="0" anchor="ctr"/>
+          <a:lstStyle>
+            <a:extLst/>
+          </a:lstStyle>
+          <a:p>
+            <a:pPr algn="ctr" eaLnBrk="1" latinLnBrk="0" hangingPunct="1"/>
+            <a:endParaRPr kumimoji="0" lang="en-US"/>
+          </a:p>
+        </p:txBody>
+      </p:sp>
+      <p:sp>
+        <p:nvSpPr>
           <p:cNvPr id="6" name="Footer Placeholder 5"/>
           <p:cNvSpPr>
             <a:spLocks noGrp="1"/>
@@ -2501,10 +3091,25 @@
             <p:ph type="ftr" sz="quarter" idx="11"/>
           </p:nvPr>
         </p:nvSpPr>
-        <p:spPr/>
-        <p:txBody>
-          <a:bodyPr/>
-          <a:lstStyle/>
+        <p:spPr>
+          <a:xfrm>
+            <a:off x="3035808" y="1170432"/>
+            <a:ext cx="5193792" cy="201168"/>
+          </a:xfrm>
+        </p:spPr>
+        <p:txBody>
+          <a:bodyPr/>
+          <a:lstStyle>
+            <a:lvl1pPr>
+              <a:defRPr>
+                <a:solidFill>
+                  <a:schemeClr val="bg1">
+                    <a:shade val="50000"/>
+                  </a:schemeClr>
+                </a:solidFill>
+              </a:defRPr>
+            </a:lvl1pPr>
+          </a:lstStyle>
           <a:p>
             <a:endParaRPr lang="en-US"/>
           </a:p>
@@ -2520,7 +3125,12 @@
             <p:ph type="sldNum" sz="quarter" idx="12"/>
           </p:nvPr>
         </p:nvSpPr>
-        <p:spPr/>
+        <p:spPr>
+          <a:xfrm>
+            <a:off x="8339328" y="1170432"/>
+            <a:ext cx="733864" cy="201168"/>
+          </a:xfrm>
+        </p:spPr>
         <p:txBody>
           <a:bodyPr/>
           <a:lstStyle/>
@@ -2537,7 +3147,7 @@
     </p:spTree>
   </p:cSld>
   <p:clrMapOvr>
-    <a:masterClrMapping/>
+    <a:overrideClrMapping bg1="lt1" tx1="dk1" bg2="lt2" tx2="dk2" accent1="accent1" accent2="accent2" accent3="accent3" accent4="accent4" accent5="accent5" accent6="accent6" hlink="hlink" folHlink="folHlink"/>
   </p:clrMapOvr>
 </p:sldLayout>
 </file>
@@ -2566,6 +3176,107 @@
       </p:grpSpPr>
       <p:sp>
         <p:nvSpPr>
+          <p:cNvPr id="10" name="Rectangle 9"/>
+          <p:cNvSpPr/>
+          <p:nvPr/>
+        </p:nvSpPr>
+        <p:spPr bwMode="invGray">
+          <a:xfrm>
+            <a:off x="0" y="1435895"/>
+            <a:ext cx="9144000" cy="45720"/>
+          </a:xfrm>
+          <a:prstGeom prst="rect">
+            <a:avLst/>
+          </a:prstGeom>
+          <a:solidFill>
+            <a:srgbClr val="FFFFFF"/>
+          </a:solidFill>
+          <a:ln w="48000" cap="flat" cmpd="thickThin" algn="ctr">
+            <a:noFill/>
+            <a:prstDash val="solid"/>
+          </a:ln>
+          <a:effectLst>
+            <a:outerShdw blurRad="31750" dist="10160" dir="5400000" algn="tl" rotWithShape="0">
+              <a:srgbClr val="000000">
+                <a:alpha val="60000"/>
+              </a:srgbClr>
+            </a:outerShdw>
+          </a:effectLst>
+        </p:spPr>
+        <p:style>
+          <a:lnRef idx="2">
+            <a:schemeClr val="accent1"/>
+          </a:lnRef>
+          <a:fillRef idx="1">
+            <a:schemeClr val="accent1"/>
+          </a:fillRef>
+          <a:effectRef idx="0">
+            <a:schemeClr val="accent1"/>
+          </a:effectRef>
+          <a:fontRef idx="minor">
+            <a:schemeClr val="lt1"/>
+          </a:fontRef>
+        </p:style>
+        <p:txBody>
+          <a:bodyPr rtlCol="0" anchor="ctr"/>
+          <a:lstStyle>
+            <a:extLst/>
+          </a:lstStyle>
+          <a:p>
+            <a:pPr algn="ctr" eaLnBrk="1" latinLnBrk="0" hangingPunct="1"/>
+            <a:endParaRPr kumimoji="0" lang="en-US"/>
+          </a:p>
+        </p:txBody>
+      </p:sp>
+      <p:sp>
+        <p:nvSpPr>
+          <p:cNvPr id="7" name="Rectangle 6"/>
+          <p:cNvSpPr/>
+          <p:nvPr/>
+        </p:nvSpPr>
+        <p:spPr bwMode="ltGray">
+          <a:xfrm>
+            <a:off x="0" y="0"/>
+            <a:ext cx="9143999" cy="1433733"/>
+          </a:xfrm>
+          <a:prstGeom prst="rect">
+            <a:avLst/>
+          </a:prstGeom>
+          <a:solidFill>
+            <a:srgbClr val="000000"/>
+          </a:solidFill>
+          <a:ln w="48000" cap="flat" cmpd="thickThin" algn="ctr">
+            <a:noFill/>
+            <a:prstDash val="solid"/>
+          </a:ln>
+        </p:spPr>
+        <p:style>
+          <a:lnRef idx="2">
+            <a:schemeClr val="accent1"/>
+          </a:lnRef>
+          <a:fillRef idx="1">
+            <a:schemeClr val="accent1"/>
+          </a:fillRef>
+          <a:effectRef idx="0">
+            <a:schemeClr val="accent1"/>
+          </a:effectRef>
+          <a:fontRef idx="minor">
+            <a:schemeClr val="lt1"/>
+          </a:fontRef>
+        </p:style>
+        <p:txBody>
+          <a:bodyPr rtlCol="0" anchor="ctr"/>
+          <a:lstStyle>
+            <a:extLst/>
+          </a:lstStyle>
+          <a:p>
+            <a:pPr algn="ctr" eaLnBrk="1" latinLnBrk="0" hangingPunct="1"/>
+            <a:endParaRPr kumimoji="0" lang="en-US"/>
+          </a:p>
+        </p:txBody>
+      </p:sp>
+      <p:sp>
+        <p:nvSpPr>
           <p:cNvPr id="2" name="Title Placeholder 1"/>
           <p:cNvSpPr>
             <a:spLocks noGrp="1"/>
@@ -2576,24 +3287,35 @@
         </p:nvSpPr>
         <p:spPr>
           <a:xfrm>
-            <a:off x="457200" y="274638"/>
-            <a:ext cx="8229600" cy="1143000"/>
+            <a:off x="457200" y="152400"/>
+            <a:ext cx="8229600" cy="1251062"/>
           </a:xfrm>
           <a:prstGeom prst="rect">
             <a:avLst/>
           </a:prstGeom>
         </p:spPr>
         <p:txBody>
-          <a:bodyPr vert="horz" lIns="91440" tIns="45720" rIns="91440" bIns="45720" rtlCol="0" anchor="ctr">
+          <a:bodyPr vert="horz" lIns="91440" rIns="45720" rtlCol="0" anchor="ctr">
             <a:normAutofit/>
+            <a:scene3d>
+              <a:camera prst="orthographicFront"/>
+              <a:lightRig rig="threePt" dir="t">
+                <a:rot lat="0" lon="0" rev="4800000"/>
+              </a:lightRig>
+            </a:scene3d>
+            <a:sp3d prstMaterial="matte">
+              <a:bevelT w="50800" h="10160"/>
+            </a:sp3d>
           </a:bodyPr>
-          <a:lstStyle/>
-          <a:p>
-            <a:r>
-              <a:rPr lang="en-US" smtClean="0"/>
+          <a:lstStyle>
+            <a:extLst/>
+          </a:lstStyle>
+          <a:p>
+            <a:r>
+              <a:rPr kumimoji="0" lang="en-US" smtClean="0"/>
               <a:t>Click to edit Master title style</a:t>
             </a:r>
-            <a:endParaRPr lang="en-US"/>
+            <a:endParaRPr kumimoji="0" lang="en-US"/>
           </a:p>
         </p:txBody>
       </p:sp>
@@ -2609,53 +3331,55 @@
         </p:nvSpPr>
         <p:spPr>
           <a:xfrm>
-            <a:off x="457200" y="1600200"/>
-            <a:ext cx="8229600" cy="4525963"/>
+            <a:off x="457200" y="1775191"/>
+            <a:ext cx="8229600" cy="4625609"/>
           </a:xfrm>
           <a:prstGeom prst="rect">
             <a:avLst/>
           </a:prstGeom>
         </p:spPr>
         <p:txBody>
-          <a:bodyPr vert="horz" lIns="91440" tIns="45720" rIns="91440" bIns="45720" rtlCol="0">
+          <a:bodyPr vert="horz" lIns="54864" tIns="91440" rtlCol="0">
             <a:normAutofit/>
           </a:bodyPr>
-          <a:lstStyle/>
-          <a:p>
-            <a:pPr lvl="0"/>
-            <a:r>
-              <a:rPr lang="en-US" smtClean="0"/>
+          <a:lstStyle>
+            <a:extLst/>
+          </a:lstStyle>
+          <a:p>
+            <a:pPr lvl="0" eaLnBrk="1" latinLnBrk="0" hangingPunct="1"/>
+            <a:r>
+              <a:rPr kumimoji="0" lang="en-US" smtClean="0"/>
               <a:t>Click to edit Master text styles</a:t>
             </a:r>
           </a:p>
           <a:p>
-            <a:pPr lvl="1"/>
-            <a:r>
-              <a:rPr lang="en-US" smtClean="0"/>
+            <a:pPr lvl="1" eaLnBrk="1" latinLnBrk="0" hangingPunct="1"/>
+            <a:r>
+              <a:rPr kumimoji="0" lang="en-US" smtClean="0"/>
               <a:t>Second level</a:t>
             </a:r>
           </a:p>
           <a:p>
-            <a:pPr lvl="2"/>
-            <a:r>
-              <a:rPr lang="en-US" smtClean="0"/>
+            <a:pPr lvl="2" eaLnBrk="1" latinLnBrk="0" hangingPunct="1"/>
+            <a:r>
+              <a:rPr kumimoji="0" lang="en-US" smtClean="0"/>
               <a:t>Third level</a:t>
             </a:r>
           </a:p>
           <a:p>
-            <a:pPr lvl="3"/>
-            <a:r>
-              <a:rPr lang="en-US" smtClean="0"/>
+            <a:pPr lvl="3" eaLnBrk="1" latinLnBrk="0" hangingPunct="1"/>
+            <a:r>
+              <a:rPr kumimoji="0" lang="en-US" smtClean="0"/>
               <a:t>Fourth level</a:t>
             </a:r>
           </a:p>
           <a:p>
-            <a:pPr lvl="4"/>
-            <a:r>
-              <a:rPr lang="en-US" smtClean="0"/>
+            <a:pPr lvl="4" eaLnBrk="1" latinLnBrk="0" hangingPunct="1"/>
+            <a:r>
+              <a:rPr kumimoji="0" lang="en-US" smtClean="0"/>
               <a:t>Fifth level</a:t>
             </a:r>
-            <a:endParaRPr lang="en-US"/>
+            <a:endParaRPr kumimoji="0" lang="en-US"/>
           </a:p>
         </p:txBody>
       </p:sp>
@@ -2671,25 +3395,26 @@
         </p:nvSpPr>
         <p:spPr>
           <a:xfrm>
-            <a:off x="457200" y="6356350"/>
-            <a:ext cx="2133600" cy="365125"/>
+            <a:off x="457200" y="6476999"/>
+            <a:ext cx="2133600" cy="274320"/>
           </a:xfrm>
           <a:prstGeom prst="rect">
             <a:avLst/>
           </a:prstGeom>
         </p:spPr>
         <p:txBody>
-          <a:bodyPr vert="horz" lIns="91440" tIns="45720" rIns="91440" bIns="45720" rtlCol="0" anchor="ctr"/>
+          <a:bodyPr vert="horz" lIns="109728" rIns="45720" bIns="0" rtlCol="0" anchor="b"/>
           <a:lstStyle>
-            <a:lvl1pPr algn="l">
-              <a:defRPr sz="1200">
+            <a:lvl1pPr algn="l" eaLnBrk="1" latinLnBrk="0" hangingPunct="1">
+              <a:defRPr kumimoji="0" sz="1200">
                 <a:solidFill>
                   <a:schemeClr val="tx1">
-                    <a:tint val="75000"/>
+                    <a:tint val="95000"/>
                   </a:schemeClr>
                 </a:solidFill>
               </a:defRPr>
             </a:lvl1pPr>
+            <a:extLst/>
           </a:lstStyle>
           <a:p>
             <a:fld id="{9A710440-DB49-453F-A69D-F807FD30B71F}" type="datetimeFigureOut">
@@ -2713,25 +3438,26 @@
         </p:nvSpPr>
         <p:spPr>
           <a:xfrm>
-            <a:off x="3124200" y="6356350"/>
-            <a:ext cx="2895600" cy="365125"/>
+            <a:off x="2640596" y="6476999"/>
+            <a:ext cx="5507719" cy="274320"/>
           </a:xfrm>
           <a:prstGeom prst="rect">
             <a:avLst/>
           </a:prstGeom>
         </p:spPr>
         <p:txBody>
-          <a:bodyPr vert="horz" lIns="91440" tIns="45720" rIns="91440" bIns="45720" rtlCol="0" anchor="ctr"/>
+          <a:bodyPr vert="horz" lIns="45720" rIns="45720" bIns="0" rtlCol="0" anchor="b"/>
           <a:lstStyle>
-            <a:lvl1pPr algn="ctr">
-              <a:defRPr sz="1200">
+            <a:lvl1pPr algn="l" eaLnBrk="1" latinLnBrk="0" hangingPunct="1">
+              <a:defRPr kumimoji="0" sz="1200">
                 <a:solidFill>
                   <a:schemeClr val="tx1">
-                    <a:tint val="75000"/>
+                    <a:tint val="95000"/>
                   </a:schemeClr>
                 </a:solidFill>
               </a:defRPr>
             </a:lvl1pPr>
+            <a:extLst/>
           </a:lstStyle>
           <a:p>
             <a:endParaRPr lang="en-US"/>
@@ -2750,25 +3476,26 @@
         </p:nvSpPr>
         <p:spPr>
           <a:xfrm>
-            <a:off x="6553200" y="6356350"/>
-            <a:ext cx="2133600" cy="365125"/>
+            <a:off x="8204396" y="6476999"/>
+            <a:ext cx="733864" cy="274320"/>
           </a:xfrm>
           <a:prstGeom prst="rect">
             <a:avLst/>
           </a:prstGeom>
         </p:spPr>
         <p:txBody>
-          <a:bodyPr vert="horz" lIns="91440" tIns="45720" rIns="91440" bIns="45720" rtlCol="0" anchor="ctr"/>
+          <a:bodyPr vert="horz" bIns="0" rtlCol="0" anchor="b"/>
           <a:lstStyle>
-            <a:lvl1pPr algn="r">
-              <a:defRPr sz="1200">
+            <a:lvl1pPr algn="r" eaLnBrk="1" latinLnBrk="0" hangingPunct="1">
+              <a:defRPr kumimoji="0" sz="1200">
                 <a:solidFill>
                   <a:schemeClr val="tx1">
-                    <a:tint val="75000"/>
+                    <a:tint val="95000"/>
                   </a:schemeClr>
                 </a:solidFill>
               </a:defRPr>
             </a:lvl1pPr>
+            <a:extLst/>
           </a:lstStyle>
           <a:p>
             <a:fld id="{3C27E6A9-8C2D-4618-BE97-BA846DD3C47F}" type="slidenum">
@@ -2784,43 +3511,51 @@
   </p:cSld>
   <p:clrMap bg1="lt1" tx1="dk1" bg2="lt2" tx2="dk2" accent1="accent1" accent2="accent2" accent3="accent3" accent4="accent4" accent5="accent5" accent6="accent6" hlink="hlink" folHlink="folHlink"/>
   <p:sldLayoutIdLst>
-    <p:sldLayoutId id="2147483649" r:id="rId1"/>
-    <p:sldLayoutId id="2147483650" r:id="rId2"/>
-    <p:sldLayoutId id="2147483651" r:id="rId3"/>
-    <p:sldLayoutId id="2147483652" r:id="rId4"/>
-    <p:sldLayoutId id="2147483653" r:id="rId5"/>
-    <p:sldLayoutId id="2147483654" r:id="rId6"/>
-    <p:sldLayoutId id="2147483655" r:id="rId7"/>
-    <p:sldLayoutId id="2147483656" r:id="rId8"/>
-    <p:sldLayoutId id="2147483657" r:id="rId9"/>
-    <p:sldLayoutId id="2147483658" r:id="rId10"/>
-    <p:sldLayoutId id="2147483659" r:id="rId11"/>
+    <p:sldLayoutId id="2147483661" r:id="rId1"/>
+    <p:sldLayoutId id="2147483662" r:id="rId2"/>
+    <p:sldLayoutId id="2147483663" r:id="rId3"/>
+    <p:sldLayoutId id="2147483664" r:id="rId4"/>
+    <p:sldLayoutId id="2147483665" r:id="rId5"/>
+    <p:sldLayoutId id="2147483666" r:id="rId6"/>
+    <p:sldLayoutId id="2147483667" r:id="rId7"/>
+    <p:sldLayoutId id="2147483668" r:id="rId8"/>
+    <p:sldLayoutId id="2147483669" r:id="rId9"/>
+    <p:sldLayoutId id="2147483670" r:id="rId10"/>
+    <p:sldLayoutId id="2147483671" r:id="rId11"/>
   </p:sldLayoutIdLst>
   <p:txStyles>
     <p:titleStyle>
-      <a:lvl1pPr algn="ctr" defTabSz="914400" rtl="0" eaLnBrk="1" latinLnBrk="0" hangingPunct="1">
+      <a:lvl1pPr algn="l" rtl="0" eaLnBrk="1" latinLnBrk="0" hangingPunct="1">
         <a:spcBef>
           <a:spcPct val="0"/>
         </a:spcBef>
         <a:buNone/>
-        <a:defRPr sz="4400" kern="1200">
+        <a:defRPr kumimoji="0" sz="4500" b="1" kern="1200">
           <a:solidFill>
-            <a:schemeClr val="tx1"/>
+            <a:schemeClr val="accent1">
+              <a:satMod val="150000"/>
+            </a:schemeClr>
           </a:solidFill>
+          <a:effectLst/>
           <a:latin typeface="+mj-lt"/>
           <a:ea typeface="+mj-ea"/>
           <a:cs typeface="+mj-cs"/>
         </a:defRPr>
       </a:lvl1pPr>
+      <a:extLst/>
     </p:titleStyle>
     <p:bodyStyle>
-      <a:lvl1pPr marL="342900" indent="-342900" algn="l" defTabSz="914400" rtl="0" eaLnBrk="1" latinLnBrk="0" hangingPunct="1">
+      <a:lvl1pPr marL="438912" indent="-320040" algn="l" rtl="0" eaLnBrk="1" latinLnBrk="0" hangingPunct="1">
         <a:spcBef>
-          <a:spcPct val="20000"/>
+          <a:spcPts val="0"/>
         </a:spcBef>
-        <a:buFont typeface="Arial" pitchFamily="34" charset="0"/>
-        <a:buChar char="•"/>
-        <a:defRPr sz="3200" kern="1200">
+        <a:buClr>
+          <a:schemeClr val="accent1"/>
+        </a:buClr>
+        <a:buSzPct val="80000"/>
+        <a:buFont typeface="Wingdings 2"/>
+        <a:buChar char=""/>
+        <a:defRPr kumimoji="0" sz="3200" kern="1200">
           <a:solidFill>
             <a:schemeClr val="tx1"/>
           </a:solidFill>
@@ -2829,13 +3564,17 @@
           <a:cs typeface="+mn-cs"/>
         </a:defRPr>
       </a:lvl1pPr>
-      <a:lvl2pPr marL="742950" indent="-285750" algn="l" defTabSz="914400" rtl="0" eaLnBrk="1" latinLnBrk="0" hangingPunct="1">
+      <a:lvl2pPr marL="731520" indent="-274320" algn="l" rtl="0" eaLnBrk="1" latinLnBrk="0" hangingPunct="1">
         <a:spcBef>
           <a:spcPct val="20000"/>
         </a:spcBef>
-        <a:buFont typeface="Arial" pitchFamily="34" charset="0"/>
-        <a:buChar char="–"/>
-        <a:defRPr sz="2800" kern="1200">
+        <a:buClr>
+          <a:schemeClr val="accent2"/>
+        </a:buClr>
+        <a:buSzPct val="90000"/>
+        <a:buFont typeface="Wingdings"/>
+        <a:buChar char=""/>
+        <a:defRPr kumimoji="0" sz="2800" kern="1200">
           <a:solidFill>
             <a:schemeClr val="tx1"/>
           </a:solidFill>
@@ -2844,13 +3583,16 @@
           <a:cs typeface="+mn-cs"/>
         </a:defRPr>
       </a:lvl2pPr>
-      <a:lvl3pPr marL="1143000" indent="-228600" algn="l" defTabSz="914400" rtl="0" eaLnBrk="1" latinLnBrk="0" hangingPunct="1">
+      <a:lvl3pPr marL="996696" indent="-228600" algn="l" rtl="0" eaLnBrk="1" latinLnBrk="0" hangingPunct="1">
         <a:spcBef>
           <a:spcPct val="20000"/>
         </a:spcBef>
-        <a:buFont typeface="Arial" pitchFamily="34" charset="0"/>
-        <a:buChar char="•"/>
-        <a:defRPr sz="2400" kern="1200">
+        <a:buClr>
+          <a:schemeClr val="accent3"/>
+        </a:buClr>
+        <a:buFont typeface="Arial"/>
+        <a:buChar char="▪"/>
+        <a:defRPr kumimoji="0" sz="2400" kern="1200">
           <a:solidFill>
             <a:schemeClr val="tx1"/>
           </a:solidFill>
@@ -2859,13 +3601,16 @@
           <a:cs typeface="+mn-cs"/>
         </a:defRPr>
       </a:lvl3pPr>
-      <a:lvl4pPr marL="1600200" indent="-228600" algn="l" defTabSz="914400" rtl="0" eaLnBrk="1" latinLnBrk="0" hangingPunct="1">
+      <a:lvl4pPr marL="1216152" indent="-182880" algn="l" rtl="0" eaLnBrk="1" latinLnBrk="0" hangingPunct="1">
         <a:spcBef>
           <a:spcPct val="20000"/>
         </a:spcBef>
-        <a:buFont typeface="Arial" pitchFamily="34" charset="0"/>
-        <a:buChar char="–"/>
-        <a:defRPr sz="2000" kern="1200">
+        <a:buClr>
+          <a:schemeClr val="accent4"/>
+        </a:buClr>
+        <a:buFont typeface="Arial"/>
+        <a:buChar char="▪"/>
+        <a:defRPr kumimoji="0" sz="2000" kern="1200">
           <a:solidFill>
             <a:schemeClr val="tx1"/>
           </a:solidFill>
@@ -2874,13 +3619,16 @@
           <a:cs typeface="+mn-cs"/>
         </a:defRPr>
       </a:lvl4pPr>
-      <a:lvl5pPr marL="2057400" indent="-228600" algn="l" defTabSz="914400" rtl="0" eaLnBrk="1" latinLnBrk="0" hangingPunct="1">
+      <a:lvl5pPr marL="1426464" indent="-182880" algn="l" rtl="0" eaLnBrk="1" latinLnBrk="0" hangingPunct="1">
         <a:spcBef>
           <a:spcPct val="20000"/>
         </a:spcBef>
-        <a:buFont typeface="Arial" pitchFamily="34" charset="0"/>
-        <a:buChar char="»"/>
-        <a:defRPr sz="2000" kern="1200">
+        <a:buClr>
+          <a:schemeClr val="accent5"/>
+        </a:buClr>
+        <a:buFont typeface="Wingdings 3"/>
+        <a:buChar char=""/>
+        <a:defRPr kumimoji="0" lang="en-US" sz="2000" kern="1200" smtClean="0">
           <a:solidFill>
             <a:schemeClr val="tx1"/>
           </a:solidFill>
@@ -2889,13 +3637,17 @@
           <a:cs typeface="+mn-cs"/>
         </a:defRPr>
       </a:lvl5pPr>
-      <a:lvl6pPr marL="2514600" indent="-228600" algn="l" defTabSz="914400" rtl="0" eaLnBrk="1" latinLnBrk="0" hangingPunct="1">
+      <a:lvl6pPr marL="1627632" indent="-182880" algn="l" rtl="0" eaLnBrk="1" latinLnBrk="0" hangingPunct="1">
         <a:spcBef>
           <a:spcPct val="20000"/>
         </a:spcBef>
-        <a:buFont typeface="Arial" pitchFamily="34" charset="0"/>
-        <a:buChar char="•"/>
-        <a:defRPr sz="2000" kern="1200">
+        <a:buClr>
+          <a:schemeClr val="accent6"/>
+        </a:buClr>
+        <a:buSzPct val="100000"/>
+        <a:buFont typeface="Wingdings 2"/>
+        <a:buChar char=""/>
+        <a:defRPr kumimoji="0" sz="2000" kern="1200">
           <a:solidFill>
             <a:schemeClr val="tx1"/>
           </a:solidFill>
@@ -2904,13 +3656,17 @@
           <a:cs typeface="+mn-cs"/>
         </a:defRPr>
       </a:lvl6pPr>
-      <a:lvl7pPr marL="2971800" indent="-228600" algn="l" defTabSz="914400" rtl="0" eaLnBrk="1" latinLnBrk="0" hangingPunct="1">
+      <a:lvl7pPr marL="1828800" indent="-182880" algn="l" rtl="0" eaLnBrk="1" latinLnBrk="0" hangingPunct="1">
         <a:spcBef>
           <a:spcPct val="20000"/>
         </a:spcBef>
-        <a:buFont typeface="Arial" pitchFamily="34" charset="0"/>
-        <a:buChar char="•"/>
-        <a:defRPr sz="2000" kern="1200">
+        <a:buClr>
+          <a:schemeClr val="accent1"/>
+        </a:buClr>
+        <a:buSzPct val="100000"/>
+        <a:buFont typeface="Wingdings 2"/>
+        <a:buChar char=""/>
+        <a:defRPr kumimoji="0" sz="1800" kern="1200">
           <a:solidFill>
             <a:schemeClr val="tx1"/>
           </a:solidFill>
@@ -2919,13 +3675,16 @@
           <a:cs typeface="+mn-cs"/>
         </a:defRPr>
       </a:lvl7pPr>
-      <a:lvl8pPr marL="3429000" indent="-228600" algn="l" defTabSz="914400" rtl="0" eaLnBrk="1" latinLnBrk="0" hangingPunct="1">
+      <a:lvl8pPr marL="2029968" indent="-182880" algn="l" rtl="0" eaLnBrk="1" latinLnBrk="0" hangingPunct="1">
         <a:spcBef>
           <a:spcPct val="20000"/>
         </a:spcBef>
-        <a:buFont typeface="Arial" pitchFamily="34" charset="0"/>
-        <a:buChar char="•"/>
-        <a:defRPr sz="2000" kern="1200">
+        <a:buClr>
+          <a:schemeClr val="accent2"/>
+        </a:buClr>
+        <a:buFont typeface="Wingdings 2" pitchFamily="18" charset="2"/>
+        <a:buChar char=""/>
+        <a:defRPr kumimoji="0" sz="1800" kern="1200">
           <a:solidFill>
             <a:schemeClr val="tx1"/>
           </a:solidFill>
@@ -2934,13 +3693,16 @@
           <a:cs typeface="+mn-cs"/>
         </a:defRPr>
       </a:lvl8pPr>
-      <a:lvl9pPr marL="3886200" indent="-228600" algn="l" defTabSz="914400" rtl="0" eaLnBrk="1" latinLnBrk="0" hangingPunct="1">
+      <a:lvl9pPr marL="2231136" indent="-182880" algn="l" rtl="0" eaLnBrk="1" latinLnBrk="0" hangingPunct="1">
         <a:spcBef>
           <a:spcPct val="20000"/>
         </a:spcBef>
-        <a:buFont typeface="Arial" pitchFamily="34" charset="0"/>
-        <a:buChar char="•"/>
-        <a:defRPr sz="2000" kern="1200">
+        <a:buClr>
+          <a:schemeClr val="accent3"/>
+        </a:buClr>
+        <a:buFont typeface="Wingdings 2" pitchFamily="18" charset="2"/>
+        <a:buChar char=""/>
+        <a:defRPr kumimoji="0" sz="1800" kern="1200" baseline="0">
           <a:solidFill>
             <a:schemeClr val="tx1"/>
           </a:solidFill>
@@ -2949,13 +3711,11 @@
           <a:cs typeface="+mn-cs"/>
         </a:defRPr>
       </a:lvl9pPr>
+      <a:extLst/>
     </p:bodyStyle>
     <p:otherStyle>
-      <a:defPPr>
-        <a:defRPr lang="en-US"/>
-      </a:defPPr>
-      <a:lvl1pPr marL="0" algn="l" defTabSz="914400" rtl="0" eaLnBrk="1" latinLnBrk="0" hangingPunct="1">
-        <a:defRPr sz="1800" kern="1200">
+      <a:lvl1pPr marL="0" algn="l" rtl="0" eaLnBrk="1" latinLnBrk="0" hangingPunct="1">
+        <a:defRPr kumimoji="0" kern="1200">
           <a:solidFill>
             <a:schemeClr val="tx1"/>
           </a:solidFill>
@@ -2964,8 +3724,8 @@
           <a:cs typeface="+mn-cs"/>
         </a:defRPr>
       </a:lvl1pPr>
-      <a:lvl2pPr marL="457200" algn="l" defTabSz="914400" rtl="0" eaLnBrk="1" latinLnBrk="0" hangingPunct="1">
-        <a:defRPr sz="1800" kern="1200">
+      <a:lvl2pPr marL="457200" algn="l" rtl="0" eaLnBrk="1" latinLnBrk="0" hangingPunct="1">
+        <a:defRPr kumimoji="0" kern="1200">
           <a:solidFill>
             <a:schemeClr val="tx1"/>
           </a:solidFill>
@@ -2974,8 +3734,8 @@
           <a:cs typeface="+mn-cs"/>
         </a:defRPr>
       </a:lvl2pPr>
-      <a:lvl3pPr marL="914400" algn="l" defTabSz="914400" rtl="0" eaLnBrk="1" latinLnBrk="0" hangingPunct="1">
-        <a:defRPr sz="1800" kern="1200">
+      <a:lvl3pPr marL="914400" algn="l" rtl="0" eaLnBrk="1" latinLnBrk="0" hangingPunct="1">
+        <a:defRPr kumimoji="0" kern="1200">
           <a:solidFill>
             <a:schemeClr val="tx1"/>
           </a:solidFill>
@@ -2984,8 +3744,8 @@
           <a:cs typeface="+mn-cs"/>
         </a:defRPr>
       </a:lvl3pPr>
-      <a:lvl4pPr marL="1371600" algn="l" defTabSz="914400" rtl="0" eaLnBrk="1" latinLnBrk="0" hangingPunct="1">
-        <a:defRPr sz="1800" kern="1200">
+      <a:lvl4pPr marL="1371600" algn="l" rtl="0" eaLnBrk="1" latinLnBrk="0" hangingPunct="1">
+        <a:defRPr kumimoji="0" kern="1200">
           <a:solidFill>
             <a:schemeClr val="tx1"/>
           </a:solidFill>
@@ -2994,8 +3754,8 @@
           <a:cs typeface="+mn-cs"/>
         </a:defRPr>
       </a:lvl4pPr>
-      <a:lvl5pPr marL="1828800" algn="l" defTabSz="914400" rtl="0" eaLnBrk="1" latinLnBrk="0" hangingPunct="1">
-        <a:defRPr sz="1800" kern="1200">
+      <a:lvl5pPr marL="1828800" algn="l" rtl="0" eaLnBrk="1" latinLnBrk="0" hangingPunct="1">
+        <a:defRPr kumimoji="0" kern="1200">
           <a:solidFill>
             <a:schemeClr val="tx1"/>
           </a:solidFill>
@@ -3004,8 +3764,8 @@
           <a:cs typeface="+mn-cs"/>
         </a:defRPr>
       </a:lvl5pPr>
-      <a:lvl6pPr marL="2286000" algn="l" defTabSz="914400" rtl="0" eaLnBrk="1" latinLnBrk="0" hangingPunct="1">
-        <a:defRPr sz="1800" kern="1200">
+      <a:lvl6pPr marL="2286000" algn="l" rtl="0" eaLnBrk="1" latinLnBrk="0" hangingPunct="1">
+        <a:defRPr kumimoji="0" kern="1200">
           <a:solidFill>
             <a:schemeClr val="tx1"/>
           </a:solidFill>
@@ -3014,8 +3774,8 @@
           <a:cs typeface="+mn-cs"/>
         </a:defRPr>
       </a:lvl6pPr>
-      <a:lvl7pPr marL="2743200" algn="l" defTabSz="914400" rtl="0" eaLnBrk="1" latinLnBrk="0" hangingPunct="1">
-        <a:defRPr sz="1800" kern="1200">
+      <a:lvl7pPr marL="2743200" algn="l" rtl="0" eaLnBrk="1" latinLnBrk="0" hangingPunct="1">
+        <a:defRPr kumimoji="0" kern="1200">
           <a:solidFill>
             <a:schemeClr val="tx1"/>
           </a:solidFill>
@@ -3024,8 +3784,8 @@
           <a:cs typeface="+mn-cs"/>
         </a:defRPr>
       </a:lvl7pPr>
-      <a:lvl8pPr marL="3200400" algn="l" defTabSz="914400" rtl="0" eaLnBrk="1" latinLnBrk="0" hangingPunct="1">
-        <a:defRPr sz="1800" kern="1200">
+      <a:lvl8pPr marL="3200400" algn="l" rtl="0" eaLnBrk="1" latinLnBrk="0" hangingPunct="1">
+        <a:defRPr kumimoji="0" kern="1200">
           <a:solidFill>
             <a:schemeClr val="tx1"/>
           </a:solidFill>
@@ -3034,8 +3794,8 @@
           <a:cs typeface="+mn-cs"/>
         </a:defRPr>
       </a:lvl8pPr>
-      <a:lvl9pPr marL="3657600" algn="l" defTabSz="914400" rtl="0" eaLnBrk="1" latinLnBrk="0" hangingPunct="1">
-        <a:defRPr sz="1800" kern="1200">
+      <a:lvl9pPr marL="3657600" algn="l" rtl="0" eaLnBrk="1" latinLnBrk="0" hangingPunct="1">
+        <a:defRPr kumimoji="0" kern="1200">
           <a:solidFill>
             <a:schemeClr val="tx1"/>
           </a:solidFill>
@@ -3044,6 +3804,7 @@
           <a:cs typeface="+mn-cs"/>
         </a:defRPr>
       </a:lvl9pPr>
+      <a:extLst/>
     </p:otherStyle>
   </p:txStyles>
 </p:sldMaster>
@@ -3087,11 +3848,7 @@
             </a:r>
             <a:r>
               <a:rPr lang="en-US" dirty="0" smtClean="0"/>
-              <a:t> </a:t>
-            </a:r>
-            <a:r>
-              <a:rPr lang="en-US" dirty="0" smtClean="0"/>
-              <a:t>v2</a:t>
+              <a:t> v2</a:t>
             </a:r>
             <a:endParaRPr lang="en-US" dirty="0"/>
           </a:p>
@@ -3181,7 +3938,7 @@
         <p:spPr/>
         <p:txBody>
           <a:bodyPr>
-            <a:normAutofit fontScale="92500"/>
+            <a:normAutofit fontScale="92500" lnSpcReduction="10000"/>
           </a:bodyPr>
           <a:lstStyle/>
           <a:p>
@@ -3219,11 +3976,7 @@
             </a:r>
             <a:r>
               <a:rPr lang="en-US" dirty="0" smtClean="0"/>
-              <a:t>, Alabama’s child health data </a:t>
-            </a:r>
-            <a:r>
-              <a:rPr lang="en-US" dirty="0" smtClean="0"/>
-              <a:t>aggregator</a:t>
+              <a:t>, Alabama’s child health data aggregator</a:t>
             </a:r>
             <a:endParaRPr lang="en-US" dirty="0"/>
           </a:p>
@@ -3275,11 +4028,7 @@
             </a:r>
             <a:r>
               <a:rPr lang="en-US" dirty="0" smtClean="0"/>
-              <a:t> </a:t>
-            </a:r>
-            <a:r>
-              <a:rPr lang="en-US" dirty="0" smtClean="0"/>
-              <a:t>v1</a:t>
+              <a:t> v1</a:t>
             </a:r>
             <a:endParaRPr lang="en-US" dirty="0"/>
           </a:p>
@@ -3376,11 +4125,7 @@
             </a:r>
             <a:r>
               <a:rPr lang="en-US" dirty="0" smtClean="0"/>
-              <a:t> </a:t>
-            </a:r>
-            <a:r>
-              <a:rPr lang="en-US" dirty="0" smtClean="0"/>
-              <a:t>v2</a:t>
+              <a:t> v2</a:t>
             </a:r>
             <a:endParaRPr lang="en-US" dirty="0"/>
           </a:p>
@@ -3541,6 +4286,33 @@
           <a:chExt cx="0" cy="0"/>
         </a:xfrm>
       </p:grpSpPr>
+      <p:sp>
+        <p:nvSpPr>
+          <p:cNvPr id="2" name="Title 1"/>
+          <p:cNvSpPr>
+            <a:spLocks noGrp="1"/>
+          </p:cNvSpPr>
+          <p:nvPr>
+            <p:ph type="title"/>
+          </p:nvPr>
+        </p:nvSpPr>
+        <p:spPr/>
+        <p:txBody>
+          <a:bodyPr/>
+          <a:lstStyle/>
+          <a:p>
+            <a:r>
+              <a:rPr lang="en-US" dirty="0" smtClean="0"/>
+              <a:t>Sample day of </a:t>
+            </a:r>
+            <a:r>
+              <a:rPr lang="en-US" dirty="0" err="1" smtClean="0"/>
+              <a:t>TigerCheck</a:t>
+            </a:r>
+            <a:endParaRPr lang="en-US" dirty="0"/>
+          </a:p>
+        </p:txBody>
+      </p:sp>
       <p:pic>
         <p:nvPicPr>
           <p:cNvPr id="3" name="Picture 3"/>
@@ -3553,15 +4325,14 @@
         </p:nvPicPr>
         <p:blipFill>
           <a:blip r:embed="rId2" cstate="print"/>
-          <a:srcRect/>
           <a:stretch>
             <a:fillRect/>
           </a:stretch>
         </p:blipFill>
         <p:spPr bwMode="auto">
           <a:xfrm>
-            <a:off x="797460" y="2144713"/>
-            <a:ext cx="7549081" cy="3473450"/>
+            <a:off x="457200" y="2194529"/>
+            <a:ext cx="8229600" cy="3786567"/>
           </a:xfrm>
           <a:prstGeom prst="rect">
             <a:avLst/>
@@ -3575,33 +4346,6 @@
           </a:ln>
         </p:spPr>
       </p:pic>
-      <p:sp>
-        <p:nvSpPr>
-          <p:cNvPr id="2" name="Title 1"/>
-          <p:cNvSpPr>
-            <a:spLocks noGrp="1"/>
-          </p:cNvSpPr>
-          <p:nvPr>
-            <p:ph type="title"/>
-          </p:nvPr>
-        </p:nvSpPr>
-        <p:spPr/>
-        <p:txBody>
-          <a:bodyPr/>
-          <a:lstStyle/>
-          <a:p>
-            <a:r>
-              <a:rPr lang="en-US" dirty="0" smtClean="0"/>
-              <a:t>Sample day of </a:t>
-            </a:r>
-            <a:r>
-              <a:rPr lang="en-US" dirty="0" err="1" smtClean="0"/>
-              <a:t>TigerCheck</a:t>
-            </a:r>
-            <a:endParaRPr lang="en-US" dirty="0"/>
-          </a:p>
-        </p:txBody>
-      </p:sp>
       <p:sp>
         <p:nvSpPr>
           <p:cNvPr id="7" name="Bent Arrow 6"/>
@@ -3714,14 +4458,13 @@
         </p:nvPicPr>
         <p:blipFill>
           <a:blip r:embed="rId2" cstate="print"/>
-          <a:srcRect/>
           <a:stretch>
             <a:fillRect/>
           </a:stretch>
         </p:blipFill>
         <p:spPr bwMode="auto">
           <a:xfrm>
-            <a:off x="457200" y="2061716"/>
+            <a:off x="457200" y="2286347"/>
             <a:ext cx="8229600" cy="3602930"/>
           </a:xfrm>
           <a:prstGeom prst="rect">
@@ -3833,9 +4576,9 @@
 </file>
 
 <file path=ppt/theme/theme1.xml><?xml version="1.0" encoding="utf-8"?>
-<a:theme xmlns:a="http://schemas.openxmlformats.org/drawingml/2006/main" name="Office Theme">
+<a:theme xmlns:a="http://schemas.openxmlformats.org/drawingml/2006/main" name="Module">
   <a:themeElements>
-    <a:clrScheme name="Office">
+    <a:clrScheme name="Module">
       <a:dk1>
         <a:sysClr val="windowText" lastClr="000000"/>
       </a:dk1>
@@ -3843,52 +4586,52 @@
         <a:sysClr val="window" lastClr="FFFFFF"/>
       </a:lt1>
       <a:dk2>
-        <a:srgbClr val="1F497D"/>
+        <a:srgbClr val="5A6378"/>
       </a:dk2>
       <a:lt2>
-        <a:srgbClr val="EEECE1"/>
+        <a:srgbClr val="D4D4D6"/>
       </a:lt2>
       <a:accent1>
-        <a:srgbClr val="4F81BD"/>
+        <a:srgbClr val="F0AD00"/>
       </a:accent1>
       <a:accent2>
-        <a:srgbClr val="C0504D"/>
+        <a:srgbClr val="60B5CC"/>
       </a:accent2>
       <a:accent3>
-        <a:srgbClr val="9BBB59"/>
+        <a:srgbClr val="E66C7D"/>
       </a:accent3>
       <a:accent4>
-        <a:srgbClr val="8064A2"/>
+        <a:srgbClr val="6BB76D"/>
       </a:accent4>
       <a:accent5>
-        <a:srgbClr val="4BACC6"/>
+        <a:srgbClr val="E88651"/>
       </a:accent5>
       <a:accent6>
-        <a:srgbClr val="F79646"/>
+        <a:srgbClr val="C64847"/>
       </a:accent6>
       <a:hlink>
-        <a:srgbClr val="0000FF"/>
+        <a:srgbClr val="168BBA"/>
       </a:hlink>
       <a:folHlink>
-        <a:srgbClr val="800080"/>
+        <a:srgbClr val="680000"/>
       </a:folHlink>
     </a:clrScheme>
-    <a:fontScheme name="Office">
+    <a:fontScheme name="Module">
       <a:majorFont>
-        <a:latin typeface="Calibri"/>
+        <a:latin typeface="Corbel"/>
         <a:ea typeface=""/>
         <a:cs typeface=""/>
-        <a:font script="Jpan" typeface="ＭＳ Ｐゴシック"/>
-        <a:font script="Hang" typeface="맑은 고딕"/>
-        <a:font script="Hans" typeface="宋体"/>
+        <a:font script="Jpan" typeface="HGｺﾞｼｯｸM"/>
+        <a:font script="Hang" typeface="HY엽서L"/>
+        <a:font script="Hans" typeface="华文楷体"/>
         <a:font script="Hant" typeface="新細明體"/>
-        <a:font script="Arab" typeface="Times New Roman"/>
-        <a:font script="Hebr" typeface="Times New Roman"/>
-        <a:font script="Thai" typeface="Angsana New"/>
+        <a:font script="Arab" typeface="Tahoma"/>
+        <a:font script="Hebr" typeface="Miriam"/>
+        <a:font script="Thai" typeface="DilleniaUPC"/>
         <a:font script="Ethi" typeface="Nyala"/>
         <a:font script="Beng" typeface="Vrinda"/>
         <a:font script="Gujr" typeface="Shruti"/>
-        <a:font script="Khmr" typeface="MoolBoran"/>
+        <a:font script="Khmr" typeface="DaunPenh"/>
         <a:font script="Knda" typeface="Tunga"/>
         <a:font script="Guru" typeface="Raavi"/>
         <a:font script="Cans" typeface="Euphemia"/>
@@ -3905,20 +4648,20 @@
         <a:font script="Laoo" typeface="DokChampa"/>
         <a:font script="Sinh" typeface="Iskoola Pota"/>
         <a:font script="Mong" typeface="Mongolian Baiti"/>
-        <a:font script="Viet" typeface="Times New Roman"/>
+        <a:font script="Viet" typeface="Arial"/>
         <a:font script="Uigh" typeface="Microsoft Uighur"/>
       </a:majorFont>
       <a:minorFont>
-        <a:latin typeface="Calibri"/>
+        <a:latin typeface="Corbel"/>
         <a:ea typeface=""/>
         <a:cs typeface=""/>
-        <a:font script="Jpan" typeface="ＭＳ Ｐゴシック"/>
-        <a:font script="Hang" typeface="맑은 고딕"/>
-        <a:font script="Hans" typeface="宋体"/>
+        <a:font script="Jpan" typeface="HGｺﾞｼｯｸM"/>
+        <a:font script="Hang" typeface="HY엽서L"/>
+        <a:font script="Hans" typeface="华文楷体"/>
         <a:font script="Hant" typeface="新細明體"/>
-        <a:font script="Arab" typeface="Arial"/>
-        <a:font script="Hebr" typeface="Arial"/>
-        <a:font script="Thai" typeface="Cordia New"/>
+        <a:font script="Arab" typeface="Tahoma"/>
+        <a:font script="Hebr" typeface="Miriam"/>
+        <a:font script="Thai" typeface="DilleniaUPC"/>
         <a:font script="Ethi" typeface="Nyala"/>
         <a:font script="Beng" typeface="Vrinda"/>
         <a:font script="Gujr" typeface="Shruti"/>
@@ -3943,7 +4686,7 @@
         <a:font script="Uigh" typeface="Microsoft Uighur"/>
       </a:minorFont>
     </a:fontScheme>
-    <a:fmtScheme name="Office">
+    <a:fmtScheme name="Module">
       <a:fillStyleLst>
         <a:solidFill>
           <a:schemeClr val="phClr"/>
@@ -3975,20 +4718,20 @@
           <a:gsLst>
             <a:gs pos="0">
               <a:schemeClr val="phClr">
-                <a:shade val="51000"/>
-                <a:satMod val="130000"/>
+                <a:shade val="47500"/>
+                <a:satMod val="137000"/>
               </a:schemeClr>
             </a:gs>
-            <a:gs pos="80000">
+            <a:gs pos="55000">
               <a:schemeClr val="phClr">
-                <a:shade val="93000"/>
-                <a:satMod val="130000"/>
+                <a:shade val="69000"/>
+                <a:satMod val="137000"/>
               </a:schemeClr>
             </a:gs>
             <a:gs pos="100000">
               <a:schemeClr val="phClr">
-                <a:shade val="94000"/>
-                <a:satMod val="135000"/>
+                <a:shade val="98000"/>
+                <a:satMod val="137000"/>
               </a:schemeClr>
             </a:gs>
           </a:gsLst>
@@ -3996,7 +4739,7 @@
         </a:gradFill>
       </a:fillStyleLst>
       <a:lnStyleLst>
-        <a:ln w="9525" cap="flat" cmpd="sng" algn="ctr">
+        <a:ln w="6350" cap="rnd" cmpd="sng" algn="ctr">
           <a:solidFill>
             <a:schemeClr val="phClr">
               <a:shade val="95000"/>
@@ -4005,13 +4748,13 @@
           </a:solidFill>
           <a:prstDash val="solid"/>
         </a:ln>
-        <a:ln w="25400" cap="flat" cmpd="sng" algn="ctr">
+        <a:ln w="48000" cap="flat" cmpd="thickThin" algn="ctr">
           <a:solidFill>
             <a:schemeClr val="phClr"/>
           </a:solidFill>
           <a:prstDash val="solid"/>
         </a:ln>
-        <a:ln w="38100" cap="flat" cmpd="sng" algn="ctr">
+        <a:ln w="48500" cap="flat" cmpd="thickThin" algn="ctr">
           <a:solidFill>
             <a:schemeClr val="phClr"/>
           </a:solidFill>
@@ -4021,7 +4764,7 @@
       <a:effectStyleLst>
         <a:effectStyle>
           <a:effectLst>
-            <a:outerShdw blurRad="40000" dist="20000" dir="5400000" rotWithShape="0">
+            <a:outerShdw blurRad="45000" dist="25000" dir="5400000" rotWithShape="0">
               <a:srgbClr val="000000">
                 <a:alpha val="38000"/>
               </a:srgbClr>
@@ -4030,31 +4773,31 @@
         </a:effectStyle>
         <a:effectStyle>
           <a:effectLst>
-            <a:outerShdw blurRad="40000" dist="23000" dir="5400000" rotWithShape="0">
+            <a:outerShdw blurRad="39000" dist="25400" dir="5400000" rotWithShape="0">
               <a:srgbClr val="000000">
-                <a:alpha val="35000"/>
+                <a:alpha val="38000"/>
               </a:srgbClr>
             </a:outerShdw>
           </a:effectLst>
         </a:effectStyle>
         <a:effectStyle>
           <a:effectLst>
-            <a:outerShdw blurRad="40000" dist="23000" dir="5400000" rotWithShape="0">
+            <a:outerShdw blurRad="39000" dist="25400" dir="5400000" rotWithShape="0">
               <a:srgbClr val="000000">
-                <a:alpha val="35000"/>
+                <a:alpha val="38000"/>
               </a:srgbClr>
             </a:outerShdw>
           </a:effectLst>
           <a:scene3d>
-            <a:camera prst="orthographicFront">
+            <a:camera prst="orthographicFront" fov="0">
               <a:rot lat="0" lon="0" rev="0"/>
             </a:camera>
             <a:lightRig rig="threePt" dir="t">
-              <a:rot lat="0" lon="0" rev="1200000"/>
+              <a:rot lat="0" lon="0" rev="1800000"/>
             </a:lightRig>
           </a:scene3d>
-          <a:sp3d>
-            <a:bevelT w="63500" h="25400"/>
+          <a:sp3d prstMaterial="matte">
+            <a:bevelT h="20000"/>
           </a:sp3d>
         </a:effectStyle>
       </a:effectStyleLst>
@@ -4066,47 +4809,47 @@
           <a:gsLst>
             <a:gs pos="0">
               <a:schemeClr val="phClr">
-                <a:tint val="40000"/>
-                <a:satMod val="350000"/>
+                <a:tint val="48000"/>
+                <a:satMod val="300000"/>
               </a:schemeClr>
             </a:gs>
-            <a:gs pos="40000">
+            <a:gs pos="12000">
               <a:schemeClr val="phClr">
-                <a:tint val="45000"/>
-                <a:shade val="99000"/>
-                <a:satMod val="350000"/>
+                <a:tint val="48000"/>
+                <a:satMod val="300000"/>
               </a:schemeClr>
             </a:gs>
-            <a:gs pos="100000">
+            <a:gs pos="20000">
               <a:schemeClr val="phClr">
-                <a:shade val="20000"/>
-                <a:satMod val="255000"/>
-              </a:schemeClr>
-            </a:gs>
-          </a:gsLst>
-          <a:path path="circle">
-            <a:fillToRect l="50000" t="-80000" r="50000" b="180000"/>
-          </a:path>
-        </a:gradFill>
-        <a:gradFill rotWithShape="1">
-          <a:gsLst>
-            <a:gs pos="0">
-              <a:schemeClr val="phClr">
-                <a:tint val="80000"/>
+                <a:tint val="49000"/>
                 <a:satMod val="300000"/>
               </a:schemeClr>
             </a:gs>
             <a:gs pos="100000">
               <a:schemeClr val="phClr">
                 <a:shade val="30000"/>
-                <a:satMod val="200000"/>
               </a:schemeClr>
             </a:gs>
           </a:gsLst>
           <a:path path="circle">
-            <a:fillToRect l="50000" t="50000" r="50000" b="50000"/>
+            <a:fillToRect l="10000" t="-25000" r="10000" b="125000"/>
           </a:path>
         </a:gradFill>
+        <a:blipFill>
+          <a:blip xmlns:r="http://schemas.openxmlformats.org/officeDocument/2006/relationships" r:embed="rId1">
+            <a:duotone>
+              <a:schemeClr val="phClr">
+                <a:shade val="75000"/>
+                <a:satMod val="105000"/>
+              </a:schemeClr>
+              <a:schemeClr val="phClr">
+                <a:tint val="95000"/>
+                <a:satMod val="105000"/>
+              </a:schemeClr>
+            </a:duotone>
+          </a:blip>
+          <a:tile tx="0" ty="0" sx="38000" sy="38000" flip="none" algn="tl"/>
+        </a:blipFill>
       </a:bgFillStyleLst>
     </a:fmtScheme>
   </a:themeElements>

--- a/tigercheck Architectural Spike presentation.pptx
+++ b/tigercheck Architectural Spike presentation.pptx
@@ -4051,7 +4051,7 @@
           <a:p>
             <a:r>
               <a:rPr lang="en-US" dirty="0" smtClean="0"/>
-              <a:t>Project has been running for at least 5 semesters</a:t>
+              <a:t>Project has been running for at least 4 semesters</a:t>
             </a:r>
           </a:p>
           <a:p>
@@ -4231,33 +4231,37 @@
           <a:p>
             <a:r>
               <a:rPr lang="en-US" dirty="0" smtClean="0"/>
-              <a:t>SQL database on a local server</a:t>
+              <a:t>A well Structured and Reliable database</a:t>
             </a:r>
           </a:p>
           <a:p>
             <a:r>
               <a:rPr lang="en-US" dirty="0" smtClean="0"/>
-              <a:t>Connect laptop to SQL database</a:t>
+              <a:t>Complete and concise documentation</a:t>
             </a:r>
           </a:p>
           <a:p>
             <a:r>
               <a:rPr lang="en-US" dirty="0" smtClean="0"/>
-              <a:t>A series of statements for sending data into the database</a:t>
+              <a:t>A dynamic code base, absent of hard-coded solutions</a:t>
             </a:r>
           </a:p>
           <a:p>
             <a:r>
               <a:rPr lang="en-US" dirty="0" smtClean="0"/>
-              <a:t>Be able to generate reports for health values out of the norm</a:t>
+              <a:t>A locally installed windows form instead of the previous website</a:t>
             </a:r>
           </a:p>
           <a:p>
             <a:r>
               <a:rPr lang="en-US" dirty="0" smtClean="0"/>
-              <a:t>Export data and send it to the state collection</a:t>
-            </a:r>
-            <a:endParaRPr lang="en-US" dirty="0"/>
+              <a:t>The ability to export data as reports and </a:t>
+            </a:r>
+            <a:r>
+              <a:rPr lang="en-US" smtClean="0"/>
+              <a:t>raw data </a:t>
+            </a:r>
+            <a:endParaRPr lang="en-US" dirty="0" smtClean="0"/>
           </a:p>
         </p:txBody>
       </p:sp>
@@ -4563,6 +4567,20 @@
             <a:r>
               <a:rPr lang="en-US" dirty="0" smtClean="0"/>
               <a:t>Be able to export data</a:t>
+            </a:r>
+          </a:p>
+          <a:p>
+            <a:r>
+              <a:rPr lang="en-US" dirty="0" smtClean="0"/>
+              <a:t>Add functionality to </a:t>
+            </a:r>
+            <a:r>
+              <a:rPr lang="en-US" dirty="0" err="1" smtClean="0"/>
+              <a:t>TigerCheck</a:t>
+            </a:r>
+            <a:r>
+              <a:rPr lang="en-US" dirty="0" smtClean="0"/>
+              <a:t> v1 asked for by the customer</a:t>
             </a:r>
           </a:p>
         </p:txBody>
